--- a/[모듈] 13. 분석데이터 전처리.pptx
+++ b/[모듈] 13. 분석데이터 전처리.pptx
@@ -5,19 +5,16 @@
     <p:sldMasterId id="2147483648" r:id="rId1"/>
   </p:sldMasterIdLst>
   <p:notesMasterIdLst>
-    <p:notesMasterId r:id="rId12"/>
+    <p:notesMasterId r:id="rId9"/>
   </p:notesMasterIdLst>
   <p:sldIdLst>
     <p:sldId id="258" r:id="rId2"/>
     <p:sldId id="257" r:id="rId3"/>
-    <p:sldId id="337" r:id="rId4"/>
-    <p:sldId id="342" r:id="rId5"/>
+    <p:sldId id="342" r:id="rId4"/>
+    <p:sldId id="345" r:id="rId5"/>
     <p:sldId id="343" r:id="rId6"/>
-    <p:sldId id="345" r:id="rId7"/>
-    <p:sldId id="344" r:id="rId8"/>
-    <p:sldId id="347" r:id="rId9"/>
-    <p:sldId id="346" r:id="rId10"/>
-    <p:sldId id="286" r:id="rId11"/>
+    <p:sldId id="344" r:id="rId7"/>
+    <p:sldId id="286" r:id="rId8"/>
   </p:sldIdLst>
   <p:sldSz cx="12192000" cy="6858000"/>
   <p:notesSz cx="6858000" cy="9144000"/>
@@ -4363,866 +4360,6 @@
 </p:sld>
 </file>
 
-<file path=ppt/slides/slide10.xml><?xml version="1.0" encoding="utf-8"?>
-<p:sld xmlns:a="http://schemas.openxmlformats.org/drawingml/2006/main" xmlns:r="http://schemas.openxmlformats.org/officeDocument/2006/relationships" xmlns:p="http://schemas.openxmlformats.org/presentationml/2006/main">
-  <p:cSld>
-    <p:bg>
-      <p:bgPr>
-        <a:solidFill>
-          <a:srgbClr val="2C3930"/>
-        </a:solidFill>
-        <a:effectLst/>
-      </p:bgPr>
-    </p:bg>
-    <p:spTree>
-      <p:nvGrpSpPr>
-        <p:cNvPr id="1" name="">
-          <a:extLst>
-            <a:ext uri="{FF2B5EF4-FFF2-40B4-BE49-F238E27FC236}">
-              <a16:creationId xmlns:a16="http://schemas.microsoft.com/office/drawing/2014/main" id="{1F9EDF5F-EEC7-7330-11DA-82489AF65973}"/>
-            </a:ext>
-          </a:extLst>
-        </p:cNvPr>
-        <p:cNvGrpSpPr/>
-        <p:nvPr/>
-      </p:nvGrpSpPr>
-      <p:grpSpPr>
-        <a:xfrm>
-          <a:off x="0" y="0"/>
-          <a:ext cx="0" cy="0"/>
-          <a:chOff x="0" y="0"/>
-          <a:chExt cx="0" cy="0"/>
-        </a:xfrm>
-      </p:grpSpPr>
-      <p:sp>
-        <p:nvSpPr>
-          <p:cNvPr id="4" name="내용 개체 틀 2">
-            <a:extLst>
-              <a:ext uri="{FF2B5EF4-FFF2-40B4-BE49-F238E27FC236}">
-                <a16:creationId xmlns:a16="http://schemas.microsoft.com/office/drawing/2014/main" id="{FB105F9C-5F0F-C98D-C444-7E79C05C12A2}"/>
-              </a:ext>
-            </a:extLst>
-          </p:cNvPr>
-          <p:cNvSpPr txBox="1">
-            <a:spLocks/>
-          </p:cNvSpPr>
-          <p:nvPr/>
-        </p:nvSpPr>
-        <p:spPr>
-          <a:xfrm>
-            <a:off x="982980" y="3100841"/>
-            <a:ext cx="10515600" cy="656318"/>
-          </a:xfrm>
-          <a:prstGeom prst="rect">
-            <a:avLst/>
-          </a:prstGeom>
-        </p:spPr>
-        <p:txBody>
-          <a:bodyPr vert="horz" lIns="91440" tIns="45720" rIns="91440" bIns="45720" rtlCol="0">
-            <a:noAutofit/>
-          </a:bodyPr>
-          <a:lstStyle>
-            <a:lvl1pPr marL="228600" indent="-228600" algn="l" defTabSz="914400" rtl="0" eaLnBrk="1" latinLnBrk="1" hangingPunct="1">
-              <a:lnSpc>
-                <a:spcPct val="90000"/>
-              </a:lnSpc>
-              <a:spcBef>
-                <a:spcPts val="1000"/>
-              </a:spcBef>
-              <a:buFont typeface="Arial" panose="020B0604020202020204" pitchFamily="34" charset="0"/>
-              <a:buChar char="•"/>
-              <a:defRPr sz="2800" kern="1200">
-                <a:solidFill>
-                  <a:schemeClr val="tx1"/>
-                </a:solidFill>
-                <a:latin typeface="+mn-lt"/>
-                <a:ea typeface="+mn-ea"/>
-                <a:cs typeface="+mn-cs"/>
-              </a:defRPr>
-            </a:lvl1pPr>
-            <a:lvl2pPr marL="685800" indent="-228600" algn="l" defTabSz="914400" rtl="0" eaLnBrk="1" latinLnBrk="1" hangingPunct="1">
-              <a:lnSpc>
-                <a:spcPct val="90000"/>
-              </a:lnSpc>
-              <a:spcBef>
-                <a:spcPts val="500"/>
-              </a:spcBef>
-              <a:buFont typeface="Arial" panose="020B0604020202020204" pitchFamily="34" charset="0"/>
-              <a:buChar char="•"/>
-              <a:defRPr sz="2400" kern="1200">
-                <a:solidFill>
-                  <a:schemeClr val="tx1"/>
-                </a:solidFill>
-                <a:latin typeface="+mn-lt"/>
-                <a:ea typeface="+mn-ea"/>
-                <a:cs typeface="+mn-cs"/>
-              </a:defRPr>
-            </a:lvl2pPr>
-            <a:lvl3pPr marL="1143000" indent="-228600" algn="l" defTabSz="914400" rtl="0" eaLnBrk="1" latinLnBrk="1" hangingPunct="1">
-              <a:lnSpc>
-                <a:spcPct val="90000"/>
-              </a:lnSpc>
-              <a:spcBef>
-                <a:spcPts val="500"/>
-              </a:spcBef>
-              <a:buFont typeface="Arial" panose="020B0604020202020204" pitchFamily="34" charset="0"/>
-              <a:buChar char="•"/>
-              <a:defRPr sz="2000" kern="1200">
-                <a:solidFill>
-                  <a:schemeClr val="tx1"/>
-                </a:solidFill>
-                <a:latin typeface="+mn-lt"/>
-                <a:ea typeface="+mn-ea"/>
-                <a:cs typeface="+mn-cs"/>
-              </a:defRPr>
-            </a:lvl3pPr>
-            <a:lvl4pPr marL="1600200" indent="-228600" algn="l" defTabSz="914400" rtl="0" eaLnBrk="1" latinLnBrk="1" hangingPunct="1">
-              <a:lnSpc>
-                <a:spcPct val="90000"/>
-              </a:lnSpc>
-              <a:spcBef>
-                <a:spcPts val="500"/>
-              </a:spcBef>
-              <a:buFont typeface="Arial" panose="020B0604020202020204" pitchFamily="34" charset="0"/>
-              <a:buChar char="•"/>
-              <a:defRPr sz="1800" kern="1200">
-                <a:solidFill>
-                  <a:schemeClr val="tx1"/>
-                </a:solidFill>
-                <a:latin typeface="+mn-lt"/>
-                <a:ea typeface="+mn-ea"/>
-                <a:cs typeface="+mn-cs"/>
-              </a:defRPr>
-            </a:lvl4pPr>
-            <a:lvl5pPr marL="2057400" indent="-228600" algn="l" defTabSz="914400" rtl="0" eaLnBrk="1" latinLnBrk="1" hangingPunct="1">
-              <a:lnSpc>
-                <a:spcPct val="90000"/>
-              </a:lnSpc>
-              <a:spcBef>
-                <a:spcPts val="500"/>
-              </a:spcBef>
-              <a:buFont typeface="Arial" panose="020B0604020202020204" pitchFamily="34" charset="0"/>
-              <a:buChar char="•"/>
-              <a:defRPr sz="1800" kern="1200">
-                <a:solidFill>
-                  <a:schemeClr val="tx1"/>
-                </a:solidFill>
-                <a:latin typeface="+mn-lt"/>
-                <a:ea typeface="+mn-ea"/>
-                <a:cs typeface="+mn-cs"/>
-              </a:defRPr>
-            </a:lvl5pPr>
-            <a:lvl6pPr marL="2514600" indent="-228600" algn="l" defTabSz="914400" rtl="0" eaLnBrk="1" latinLnBrk="1" hangingPunct="1">
-              <a:lnSpc>
-                <a:spcPct val="90000"/>
-              </a:lnSpc>
-              <a:spcBef>
-                <a:spcPts val="500"/>
-              </a:spcBef>
-              <a:buFont typeface="Arial" panose="020B0604020202020204" pitchFamily="34" charset="0"/>
-              <a:buChar char="•"/>
-              <a:defRPr sz="1800" kern="1200">
-                <a:solidFill>
-                  <a:schemeClr val="tx1"/>
-                </a:solidFill>
-                <a:latin typeface="+mn-lt"/>
-                <a:ea typeface="+mn-ea"/>
-                <a:cs typeface="+mn-cs"/>
-              </a:defRPr>
-            </a:lvl6pPr>
-            <a:lvl7pPr marL="2971800" indent="-228600" algn="l" defTabSz="914400" rtl="0" eaLnBrk="1" latinLnBrk="1" hangingPunct="1">
-              <a:lnSpc>
-                <a:spcPct val="90000"/>
-              </a:lnSpc>
-              <a:spcBef>
-                <a:spcPts val="500"/>
-              </a:spcBef>
-              <a:buFont typeface="Arial" panose="020B0604020202020204" pitchFamily="34" charset="0"/>
-              <a:buChar char="•"/>
-              <a:defRPr sz="1800" kern="1200">
-                <a:solidFill>
-                  <a:schemeClr val="tx1"/>
-                </a:solidFill>
-                <a:latin typeface="+mn-lt"/>
-                <a:ea typeface="+mn-ea"/>
-                <a:cs typeface="+mn-cs"/>
-              </a:defRPr>
-            </a:lvl7pPr>
-            <a:lvl8pPr marL="3429000" indent="-228600" algn="l" defTabSz="914400" rtl="0" eaLnBrk="1" latinLnBrk="1" hangingPunct="1">
-              <a:lnSpc>
-                <a:spcPct val="90000"/>
-              </a:lnSpc>
-              <a:spcBef>
-                <a:spcPts val="500"/>
-              </a:spcBef>
-              <a:buFont typeface="Arial" panose="020B0604020202020204" pitchFamily="34" charset="0"/>
-              <a:buChar char="•"/>
-              <a:defRPr sz="1800" kern="1200">
-                <a:solidFill>
-                  <a:schemeClr val="tx1"/>
-                </a:solidFill>
-                <a:latin typeface="+mn-lt"/>
-                <a:ea typeface="+mn-ea"/>
-                <a:cs typeface="+mn-cs"/>
-              </a:defRPr>
-            </a:lvl8pPr>
-            <a:lvl9pPr marL="3886200" indent="-228600" algn="l" defTabSz="914400" rtl="0" eaLnBrk="1" latinLnBrk="1" hangingPunct="1">
-              <a:lnSpc>
-                <a:spcPct val="90000"/>
-              </a:lnSpc>
-              <a:spcBef>
-                <a:spcPts val="500"/>
-              </a:spcBef>
-              <a:buFont typeface="Arial" panose="020B0604020202020204" pitchFamily="34" charset="0"/>
-              <a:buChar char="•"/>
-              <a:defRPr sz="1800" kern="1200">
-                <a:solidFill>
-                  <a:schemeClr val="tx1"/>
-                </a:solidFill>
-                <a:latin typeface="+mn-lt"/>
-                <a:ea typeface="+mn-ea"/>
-                <a:cs typeface="+mn-cs"/>
-              </a:defRPr>
-            </a:lvl9pPr>
-          </a:lstStyle>
-          <a:p>
-            <a:pPr marL="0" indent="0" algn="ctr">
-              <a:buFont typeface="Arial" panose="020B0604020202020204" pitchFamily="34" charset="0"/>
-              <a:buNone/>
-            </a:pPr>
-            <a:r>
-              <a:rPr lang="ko-KR" altLang="en-US" sz="4400" dirty="0">
-                <a:solidFill>
-                  <a:schemeClr val="bg1"/>
-                </a:solidFill>
-              </a:rPr>
-              <a:t>감사합니다</a:t>
-            </a:r>
-          </a:p>
-        </p:txBody>
-      </p:sp>
-      <p:sp>
-        <p:nvSpPr>
-          <p:cNvPr id="8" name="내용 개체 틀 2">
-            <a:extLst>
-              <a:ext uri="{FF2B5EF4-FFF2-40B4-BE49-F238E27FC236}">
-                <a16:creationId xmlns:a16="http://schemas.microsoft.com/office/drawing/2014/main" id="{254065CC-BAF2-2646-6DC9-CCA2AC58DAD8}"/>
-              </a:ext>
-            </a:extLst>
-          </p:cNvPr>
-          <p:cNvSpPr txBox="1">
-            <a:spLocks/>
-          </p:cNvSpPr>
-          <p:nvPr/>
-        </p:nvSpPr>
-        <p:spPr>
-          <a:xfrm>
-            <a:off x="838200" y="2051483"/>
-            <a:ext cx="10515600" cy="656318"/>
-          </a:xfrm>
-          <a:prstGeom prst="rect">
-            <a:avLst/>
-          </a:prstGeom>
-        </p:spPr>
-        <p:txBody>
-          <a:bodyPr vert="horz" lIns="91440" tIns="45720" rIns="91440" bIns="45720" rtlCol="0">
-            <a:noAutofit/>
-          </a:bodyPr>
-          <a:lstStyle>
-            <a:lvl1pPr marL="228600" indent="-228600" algn="l" defTabSz="914400" rtl="0" eaLnBrk="1" latinLnBrk="1" hangingPunct="1">
-              <a:lnSpc>
-                <a:spcPct val="90000"/>
-              </a:lnSpc>
-              <a:spcBef>
-                <a:spcPts val="1000"/>
-              </a:spcBef>
-              <a:buFont typeface="Arial" panose="020B0604020202020204" pitchFamily="34" charset="0"/>
-              <a:buChar char="•"/>
-              <a:defRPr sz="2800" kern="1200">
-                <a:solidFill>
-                  <a:schemeClr val="tx1"/>
-                </a:solidFill>
-                <a:latin typeface="+mn-lt"/>
-                <a:ea typeface="+mn-ea"/>
-                <a:cs typeface="+mn-cs"/>
-              </a:defRPr>
-            </a:lvl1pPr>
-            <a:lvl2pPr marL="685800" indent="-228600" algn="l" defTabSz="914400" rtl="0" eaLnBrk="1" latinLnBrk="1" hangingPunct="1">
-              <a:lnSpc>
-                <a:spcPct val="90000"/>
-              </a:lnSpc>
-              <a:spcBef>
-                <a:spcPts val="500"/>
-              </a:spcBef>
-              <a:buFont typeface="Arial" panose="020B0604020202020204" pitchFamily="34" charset="0"/>
-              <a:buChar char="•"/>
-              <a:defRPr sz="2400" kern="1200">
-                <a:solidFill>
-                  <a:schemeClr val="tx1"/>
-                </a:solidFill>
-                <a:latin typeface="+mn-lt"/>
-                <a:ea typeface="+mn-ea"/>
-                <a:cs typeface="+mn-cs"/>
-              </a:defRPr>
-            </a:lvl2pPr>
-            <a:lvl3pPr marL="1143000" indent="-228600" algn="l" defTabSz="914400" rtl="0" eaLnBrk="1" latinLnBrk="1" hangingPunct="1">
-              <a:lnSpc>
-                <a:spcPct val="90000"/>
-              </a:lnSpc>
-              <a:spcBef>
-                <a:spcPts val="500"/>
-              </a:spcBef>
-              <a:buFont typeface="Arial" panose="020B0604020202020204" pitchFamily="34" charset="0"/>
-              <a:buChar char="•"/>
-              <a:defRPr sz="2000" kern="1200">
-                <a:solidFill>
-                  <a:schemeClr val="tx1"/>
-                </a:solidFill>
-                <a:latin typeface="+mn-lt"/>
-                <a:ea typeface="+mn-ea"/>
-                <a:cs typeface="+mn-cs"/>
-              </a:defRPr>
-            </a:lvl3pPr>
-            <a:lvl4pPr marL="1600200" indent="-228600" algn="l" defTabSz="914400" rtl="0" eaLnBrk="1" latinLnBrk="1" hangingPunct="1">
-              <a:lnSpc>
-                <a:spcPct val="90000"/>
-              </a:lnSpc>
-              <a:spcBef>
-                <a:spcPts val="500"/>
-              </a:spcBef>
-              <a:buFont typeface="Arial" panose="020B0604020202020204" pitchFamily="34" charset="0"/>
-              <a:buChar char="•"/>
-              <a:defRPr sz="1800" kern="1200">
-                <a:solidFill>
-                  <a:schemeClr val="tx1"/>
-                </a:solidFill>
-                <a:latin typeface="+mn-lt"/>
-                <a:ea typeface="+mn-ea"/>
-                <a:cs typeface="+mn-cs"/>
-              </a:defRPr>
-            </a:lvl4pPr>
-            <a:lvl5pPr marL="2057400" indent="-228600" algn="l" defTabSz="914400" rtl="0" eaLnBrk="1" latinLnBrk="1" hangingPunct="1">
-              <a:lnSpc>
-                <a:spcPct val="90000"/>
-              </a:lnSpc>
-              <a:spcBef>
-                <a:spcPts val="500"/>
-              </a:spcBef>
-              <a:buFont typeface="Arial" panose="020B0604020202020204" pitchFamily="34" charset="0"/>
-              <a:buChar char="•"/>
-              <a:defRPr sz="1800" kern="1200">
-                <a:solidFill>
-                  <a:schemeClr val="tx1"/>
-                </a:solidFill>
-                <a:latin typeface="+mn-lt"/>
-                <a:ea typeface="+mn-ea"/>
-                <a:cs typeface="+mn-cs"/>
-              </a:defRPr>
-            </a:lvl5pPr>
-            <a:lvl6pPr marL="2514600" indent="-228600" algn="l" defTabSz="914400" rtl="0" eaLnBrk="1" latinLnBrk="1" hangingPunct="1">
-              <a:lnSpc>
-                <a:spcPct val="90000"/>
-              </a:lnSpc>
-              <a:spcBef>
-                <a:spcPts val="500"/>
-              </a:spcBef>
-              <a:buFont typeface="Arial" panose="020B0604020202020204" pitchFamily="34" charset="0"/>
-              <a:buChar char="•"/>
-              <a:defRPr sz="1800" kern="1200">
-                <a:solidFill>
-                  <a:schemeClr val="tx1"/>
-                </a:solidFill>
-                <a:latin typeface="+mn-lt"/>
-                <a:ea typeface="+mn-ea"/>
-                <a:cs typeface="+mn-cs"/>
-              </a:defRPr>
-            </a:lvl6pPr>
-            <a:lvl7pPr marL="2971800" indent="-228600" algn="l" defTabSz="914400" rtl="0" eaLnBrk="1" latinLnBrk="1" hangingPunct="1">
-              <a:lnSpc>
-                <a:spcPct val="90000"/>
-              </a:lnSpc>
-              <a:spcBef>
-                <a:spcPts val="500"/>
-              </a:spcBef>
-              <a:buFont typeface="Arial" panose="020B0604020202020204" pitchFamily="34" charset="0"/>
-              <a:buChar char="•"/>
-              <a:defRPr sz="1800" kern="1200">
-                <a:solidFill>
-                  <a:schemeClr val="tx1"/>
-                </a:solidFill>
-                <a:latin typeface="+mn-lt"/>
-                <a:ea typeface="+mn-ea"/>
-                <a:cs typeface="+mn-cs"/>
-              </a:defRPr>
-            </a:lvl7pPr>
-            <a:lvl8pPr marL="3429000" indent="-228600" algn="l" defTabSz="914400" rtl="0" eaLnBrk="1" latinLnBrk="1" hangingPunct="1">
-              <a:lnSpc>
-                <a:spcPct val="90000"/>
-              </a:lnSpc>
-              <a:spcBef>
-                <a:spcPts val="500"/>
-              </a:spcBef>
-              <a:buFont typeface="Arial" panose="020B0604020202020204" pitchFamily="34" charset="0"/>
-              <a:buChar char="•"/>
-              <a:defRPr sz="1800" kern="1200">
-                <a:solidFill>
-                  <a:schemeClr val="tx1"/>
-                </a:solidFill>
-                <a:latin typeface="+mn-lt"/>
-                <a:ea typeface="+mn-ea"/>
-                <a:cs typeface="+mn-cs"/>
-              </a:defRPr>
-            </a:lvl8pPr>
-            <a:lvl9pPr marL="3886200" indent="-228600" algn="l" defTabSz="914400" rtl="0" eaLnBrk="1" latinLnBrk="1" hangingPunct="1">
-              <a:lnSpc>
-                <a:spcPct val="90000"/>
-              </a:lnSpc>
-              <a:spcBef>
-                <a:spcPts val="500"/>
-              </a:spcBef>
-              <a:buFont typeface="Arial" panose="020B0604020202020204" pitchFamily="34" charset="0"/>
-              <a:buChar char="•"/>
-              <a:defRPr sz="1800" kern="1200">
-                <a:solidFill>
-                  <a:schemeClr val="tx1"/>
-                </a:solidFill>
-                <a:latin typeface="+mn-lt"/>
-                <a:ea typeface="+mn-ea"/>
-                <a:cs typeface="+mn-cs"/>
-              </a:defRPr>
-            </a:lvl9pPr>
-          </a:lstStyle>
-          <a:p>
-            <a:pPr marL="0" indent="0" algn="ctr">
-              <a:buFont typeface="Arial" panose="020B0604020202020204" pitchFamily="34" charset="0"/>
-              <a:buNone/>
-            </a:pPr>
-            <a:r>
-              <a:rPr lang="en-US" altLang="ko-KR" sz="5400" dirty="0" err="1">
-                <a:solidFill>
-                  <a:srgbClr val="2C3930"/>
-                </a:solidFill>
-              </a:rPr>
-              <a:t>astpage</a:t>
-            </a:r>
-            <a:r>
-              <a:rPr lang="en-US" altLang="ko-KR" sz="5400" dirty="0" err="1">
-                <a:solidFill>
-                  <a:schemeClr val="bg1"/>
-                </a:solidFill>
-              </a:rPr>
-              <a:t>Lastpage</a:t>
-            </a:r>
-            <a:r>
-              <a:rPr lang="en-US" altLang="ko-KR" sz="5400" dirty="0">
-                <a:solidFill>
-                  <a:schemeClr val="bg1"/>
-                </a:solidFill>
-              </a:rPr>
-              <a:t> Project</a:t>
-            </a:r>
-            <a:r>
-              <a:rPr lang="en-US" altLang="ko-KR" sz="5400" dirty="0">
-                <a:solidFill>
-                  <a:srgbClr val="2C3930"/>
-                </a:solidFill>
-              </a:rPr>
-              <a:t> </a:t>
-            </a:r>
-            <a:r>
-              <a:rPr lang="en-US" altLang="ko-KR" sz="4800" dirty="0">
-                <a:solidFill>
-                  <a:srgbClr val="2C3930"/>
-                </a:solidFill>
-              </a:rPr>
-              <a:t>Project</a:t>
-            </a:r>
-            <a:endParaRPr lang="ko-KR" altLang="en-US" sz="4800" dirty="0">
-              <a:solidFill>
-                <a:srgbClr val="2C3930"/>
-              </a:solidFill>
-            </a:endParaRPr>
-          </a:p>
-        </p:txBody>
-      </p:sp>
-      <p:pic>
-        <p:nvPicPr>
-          <p:cNvPr id="9" name="그림 8" descr="일러스트레이션, 선그림, 디자인이(가) 표시된 사진&#10;&#10;AI 생성 콘텐츠는 정확하지 않을 수 있습니다.">
-            <a:extLst>
-              <a:ext uri="{FF2B5EF4-FFF2-40B4-BE49-F238E27FC236}">
-                <a16:creationId xmlns:a16="http://schemas.microsoft.com/office/drawing/2014/main" id="{131E723E-4DFB-CCF9-FB66-49713820EFE9}"/>
-              </a:ext>
-            </a:extLst>
-          </p:cNvPr>
-          <p:cNvPicPr>
-            <a:picLocks noChangeAspect="1"/>
-          </p:cNvPicPr>
-          <p:nvPr/>
-        </p:nvPicPr>
-        <p:blipFill>
-          <a:blip r:embed="rId2">
-            <a:extLst>
-              <a:ext uri="{28A0092B-C50C-407E-A947-70E740481C1C}">
-                <a14:useLocalDpi xmlns:a14="http://schemas.microsoft.com/office/drawing/2010/main" val="0"/>
-              </a:ext>
-            </a:extLst>
-          </a:blip>
-          <a:stretch>
-            <a:fillRect/>
-          </a:stretch>
-        </p:blipFill>
-        <p:spPr>
-          <a:xfrm>
-            <a:off x="312511" y="221163"/>
-            <a:ext cx="807629" cy="807629"/>
-          </a:xfrm>
-          <a:prstGeom prst="rect">
-            <a:avLst/>
-          </a:prstGeom>
-        </p:spPr>
-      </p:pic>
-      <p:sp>
-        <p:nvSpPr>
-          <p:cNvPr id="12" name="TextBox 11">
-            <a:extLst>
-              <a:ext uri="{FF2B5EF4-FFF2-40B4-BE49-F238E27FC236}">
-                <a16:creationId xmlns:a16="http://schemas.microsoft.com/office/drawing/2014/main" id="{4A8FCE66-B67E-3DCC-EDC0-BF93D04DBEEA}"/>
-              </a:ext>
-            </a:extLst>
-          </p:cNvPr>
-          <p:cNvSpPr txBox="1"/>
-          <p:nvPr/>
-        </p:nvSpPr>
-        <p:spPr>
-          <a:xfrm>
-            <a:off x="-129540" y="4450080"/>
-            <a:ext cx="12420600" cy="369332"/>
-          </a:xfrm>
-          <a:prstGeom prst="rect">
-            <a:avLst/>
-          </a:prstGeom>
-          <a:solidFill>
-            <a:schemeClr val="bg1"/>
-          </a:solidFill>
-        </p:spPr>
-        <p:txBody>
-          <a:bodyPr wrap="square" rtlCol="0">
-            <a:spAutoFit/>
-          </a:bodyPr>
-          <a:lstStyle/>
-          <a:p>
-            <a:endParaRPr lang="ko-KR" altLang="en-US" dirty="0"/>
-          </a:p>
-        </p:txBody>
-      </p:sp>
-      <p:sp>
-        <p:nvSpPr>
-          <p:cNvPr id="13" name="내용 개체 틀 2">
-            <a:extLst>
-              <a:ext uri="{FF2B5EF4-FFF2-40B4-BE49-F238E27FC236}">
-                <a16:creationId xmlns:a16="http://schemas.microsoft.com/office/drawing/2014/main" id="{188F3796-C2DD-4B3B-A779-04A4DEF6B8AF}"/>
-              </a:ext>
-            </a:extLst>
-          </p:cNvPr>
-          <p:cNvSpPr txBox="1">
-            <a:spLocks/>
-          </p:cNvSpPr>
-          <p:nvPr/>
-        </p:nvSpPr>
-        <p:spPr>
-          <a:xfrm>
-            <a:off x="9707134" y="5409213"/>
-            <a:ext cx="2247122" cy="1261535"/>
-          </a:xfrm>
-          <a:prstGeom prst="rect">
-            <a:avLst/>
-          </a:prstGeom>
-        </p:spPr>
-        <p:txBody>
-          <a:bodyPr vert="horz" lIns="91440" tIns="45720" rIns="91440" bIns="45720" rtlCol="0">
-            <a:noAutofit/>
-          </a:bodyPr>
-          <a:lstStyle>
-            <a:lvl1pPr marL="228600" indent="-228600" algn="l" defTabSz="914400" rtl="0" eaLnBrk="1" latinLnBrk="1" hangingPunct="1">
-              <a:lnSpc>
-                <a:spcPct val="90000"/>
-              </a:lnSpc>
-              <a:spcBef>
-                <a:spcPts val="1000"/>
-              </a:spcBef>
-              <a:buFont typeface="Arial" panose="020B0604020202020204" pitchFamily="34" charset="0"/>
-              <a:buChar char="•"/>
-              <a:defRPr sz="2800" kern="1200">
-                <a:solidFill>
-                  <a:schemeClr val="tx1"/>
-                </a:solidFill>
-                <a:latin typeface="+mn-lt"/>
-                <a:ea typeface="+mn-ea"/>
-                <a:cs typeface="+mn-cs"/>
-              </a:defRPr>
-            </a:lvl1pPr>
-            <a:lvl2pPr marL="685800" indent="-228600" algn="l" defTabSz="914400" rtl="0" eaLnBrk="1" latinLnBrk="1" hangingPunct="1">
-              <a:lnSpc>
-                <a:spcPct val="90000"/>
-              </a:lnSpc>
-              <a:spcBef>
-                <a:spcPts val="500"/>
-              </a:spcBef>
-              <a:buFont typeface="Arial" panose="020B0604020202020204" pitchFamily="34" charset="0"/>
-              <a:buChar char="•"/>
-              <a:defRPr sz="2400" kern="1200">
-                <a:solidFill>
-                  <a:schemeClr val="tx1"/>
-                </a:solidFill>
-                <a:latin typeface="+mn-lt"/>
-                <a:ea typeface="+mn-ea"/>
-                <a:cs typeface="+mn-cs"/>
-              </a:defRPr>
-            </a:lvl2pPr>
-            <a:lvl3pPr marL="1143000" indent="-228600" algn="l" defTabSz="914400" rtl="0" eaLnBrk="1" latinLnBrk="1" hangingPunct="1">
-              <a:lnSpc>
-                <a:spcPct val="90000"/>
-              </a:lnSpc>
-              <a:spcBef>
-                <a:spcPts val="500"/>
-              </a:spcBef>
-              <a:buFont typeface="Arial" panose="020B0604020202020204" pitchFamily="34" charset="0"/>
-              <a:buChar char="•"/>
-              <a:defRPr sz="2000" kern="1200">
-                <a:solidFill>
-                  <a:schemeClr val="tx1"/>
-                </a:solidFill>
-                <a:latin typeface="+mn-lt"/>
-                <a:ea typeface="+mn-ea"/>
-                <a:cs typeface="+mn-cs"/>
-              </a:defRPr>
-            </a:lvl3pPr>
-            <a:lvl4pPr marL="1600200" indent="-228600" algn="l" defTabSz="914400" rtl="0" eaLnBrk="1" latinLnBrk="1" hangingPunct="1">
-              <a:lnSpc>
-                <a:spcPct val="90000"/>
-              </a:lnSpc>
-              <a:spcBef>
-                <a:spcPts val="500"/>
-              </a:spcBef>
-              <a:buFont typeface="Arial" panose="020B0604020202020204" pitchFamily="34" charset="0"/>
-              <a:buChar char="•"/>
-              <a:defRPr sz="1800" kern="1200">
-                <a:solidFill>
-                  <a:schemeClr val="tx1"/>
-                </a:solidFill>
-                <a:latin typeface="+mn-lt"/>
-                <a:ea typeface="+mn-ea"/>
-                <a:cs typeface="+mn-cs"/>
-              </a:defRPr>
-            </a:lvl4pPr>
-            <a:lvl5pPr marL="2057400" indent="-228600" algn="l" defTabSz="914400" rtl="0" eaLnBrk="1" latinLnBrk="1" hangingPunct="1">
-              <a:lnSpc>
-                <a:spcPct val="90000"/>
-              </a:lnSpc>
-              <a:spcBef>
-                <a:spcPts val="500"/>
-              </a:spcBef>
-              <a:buFont typeface="Arial" panose="020B0604020202020204" pitchFamily="34" charset="0"/>
-              <a:buChar char="•"/>
-              <a:defRPr sz="1800" kern="1200">
-                <a:solidFill>
-                  <a:schemeClr val="tx1"/>
-                </a:solidFill>
-                <a:latin typeface="+mn-lt"/>
-                <a:ea typeface="+mn-ea"/>
-                <a:cs typeface="+mn-cs"/>
-              </a:defRPr>
-            </a:lvl5pPr>
-            <a:lvl6pPr marL="2514600" indent="-228600" algn="l" defTabSz="914400" rtl="0" eaLnBrk="1" latinLnBrk="1" hangingPunct="1">
-              <a:lnSpc>
-                <a:spcPct val="90000"/>
-              </a:lnSpc>
-              <a:spcBef>
-                <a:spcPts val="500"/>
-              </a:spcBef>
-              <a:buFont typeface="Arial" panose="020B0604020202020204" pitchFamily="34" charset="0"/>
-              <a:buChar char="•"/>
-              <a:defRPr sz="1800" kern="1200">
-                <a:solidFill>
-                  <a:schemeClr val="tx1"/>
-                </a:solidFill>
-                <a:latin typeface="+mn-lt"/>
-                <a:ea typeface="+mn-ea"/>
-                <a:cs typeface="+mn-cs"/>
-              </a:defRPr>
-            </a:lvl6pPr>
-            <a:lvl7pPr marL="2971800" indent="-228600" algn="l" defTabSz="914400" rtl="0" eaLnBrk="1" latinLnBrk="1" hangingPunct="1">
-              <a:lnSpc>
-                <a:spcPct val="90000"/>
-              </a:lnSpc>
-              <a:spcBef>
-                <a:spcPts val="500"/>
-              </a:spcBef>
-              <a:buFont typeface="Arial" panose="020B0604020202020204" pitchFamily="34" charset="0"/>
-              <a:buChar char="•"/>
-              <a:defRPr sz="1800" kern="1200">
-                <a:solidFill>
-                  <a:schemeClr val="tx1"/>
-                </a:solidFill>
-                <a:latin typeface="+mn-lt"/>
-                <a:ea typeface="+mn-ea"/>
-                <a:cs typeface="+mn-cs"/>
-              </a:defRPr>
-            </a:lvl7pPr>
-            <a:lvl8pPr marL="3429000" indent="-228600" algn="l" defTabSz="914400" rtl="0" eaLnBrk="1" latinLnBrk="1" hangingPunct="1">
-              <a:lnSpc>
-                <a:spcPct val="90000"/>
-              </a:lnSpc>
-              <a:spcBef>
-                <a:spcPts val="500"/>
-              </a:spcBef>
-              <a:buFont typeface="Arial" panose="020B0604020202020204" pitchFamily="34" charset="0"/>
-              <a:buChar char="•"/>
-              <a:defRPr sz="1800" kern="1200">
-                <a:solidFill>
-                  <a:schemeClr val="tx1"/>
-                </a:solidFill>
-                <a:latin typeface="+mn-lt"/>
-                <a:ea typeface="+mn-ea"/>
-                <a:cs typeface="+mn-cs"/>
-              </a:defRPr>
-            </a:lvl8pPr>
-            <a:lvl9pPr marL="3886200" indent="-228600" algn="l" defTabSz="914400" rtl="0" eaLnBrk="1" latinLnBrk="1" hangingPunct="1">
-              <a:lnSpc>
-                <a:spcPct val="90000"/>
-              </a:lnSpc>
-              <a:spcBef>
-                <a:spcPts val="500"/>
-              </a:spcBef>
-              <a:buFont typeface="Arial" panose="020B0604020202020204" pitchFamily="34" charset="0"/>
-              <a:buChar char="•"/>
-              <a:defRPr sz="1800" kern="1200">
-                <a:solidFill>
-                  <a:schemeClr val="tx1"/>
-                </a:solidFill>
-                <a:latin typeface="+mn-lt"/>
-                <a:ea typeface="+mn-ea"/>
-                <a:cs typeface="+mn-cs"/>
-              </a:defRPr>
-            </a:lvl9pPr>
-          </a:lstStyle>
-          <a:p>
-            <a:pPr marL="0" indent="0" algn="r">
-              <a:buFont typeface="Arial" panose="020B0604020202020204" pitchFamily="34" charset="0"/>
-              <a:buNone/>
-            </a:pPr>
-            <a:r>
-              <a:rPr lang="ko-KR" altLang="en-US" sz="1400" b="1">
-                <a:solidFill>
-                  <a:schemeClr val="bg1"/>
-                </a:solidFill>
-                <a:latin typeface="+mn-ea"/>
-              </a:rPr>
-              <a:t>빅데이터</a:t>
-            </a:r>
-            <a:r>
-              <a:rPr lang="en-US" altLang="ko-KR" sz="1400" b="1">
-                <a:solidFill>
-                  <a:schemeClr val="bg1"/>
-                </a:solidFill>
-                <a:latin typeface="+mn-ea"/>
-              </a:rPr>
-              <a:t>UI</a:t>
-            </a:r>
-            <a:r>
-              <a:rPr lang="ko-KR" altLang="en-US" sz="1400" b="1">
-                <a:solidFill>
-                  <a:schemeClr val="bg1"/>
-                </a:solidFill>
-                <a:latin typeface="+mn-ea"/>
-              </a:rPr>
-              <a:t>양성과정</a:t>
-            </a:r>
-            <a:endParaRPr lang="en-US" altLang="ko-KR" sz="1400" b="1">
-              <a:solidFill>
-                <a:schemeClr val="bg1"/>
-              </a:solidFill>
-              <a:latin typeface="+mn-ea"/>
-            </a:endParaRPr>
-          </a:p>
-          <a:p>
-            <a:pPr marL="0" indent="0" algn="r">
-              <a:buFont typeface="Arial" panose="020B0604020202020204" pitchFamily="34" charset="0"/>
-              <a:buNone/>
-            </a:pPr>
-            <a:r>
-              <a:rPr lang="ko-KR" altLang="en-US" sz="1400" b="1">
-                <a:solidFill>
-                  <a:schemeClr val="bg1"/>
-                </a:solidFill>
-                <a:latin typeface="+mn-ea"/>
-              </a:rPr>
-              <a:t>손보금</a:t>
-            </a:r>
-            <a:endParaRPr lang="en-US" altLang="ko-KR" sz="1400" b="1">
-              <a:solidFill>
-                <a:schemeClr val="bg1"/>
-              </a:solidFill>
-              <a:latin typeface="+mn-ea"/>
-            </a:endParaRPr>
-          </a:p>
-          <a:p>
-            <a:pPr marL="0" indent="0" algn="r">
-              <a:buFont typeface="Arial" panose="020B0604020202020204" pitchFamily="34" charset="0"/>
-              <a:buNone/>
-            </a:pPr>
-            <a:r>
-              <a:rPr lang="ko-KR" altLang="en-US" sz="1400" b="1">
-                <a:solidFill>
-                  <a:schemeClr val="bg1"/>
-                </a:solidFill>
-                <a:latin typeface="+mn-ea"/>
-              </a:rPr>
-              <a:t>박준형</a:t>
-            </a:r>
-            <a:endParaRPr lang="en-US" altLang="ko-KR" sz="1400" b="1">
-              <a:solidFill>
-                <a:schemeClr val="bg1"/>
-              </a:solidFill>
-              <a:latin typeface="+mn-ea"/>
-            </a:endParaRPr>
-          </a:p>
-          <a:p>
-            <a:pPr marL="0" indent="0" algn="r">
-              <a:buFont typeface="Arial" panose="020B0604020202020204" pitchFamily="34" charset="0"/>
-              <a:buNone/>
-            </a:pPr>
-            <a:r>
-              <a:rPr lang="ko-KR" altLang="en-US" sz="1400" b="1">
-                <a:solidFill>
-                  <a:schemeClr val="bg1"/>
-                </a:solidFill>
-                <a:latin typeface="+mn-ea"/>
-              </a:rPr>
-              <a:t>심예진</a:t>
-            </a:r>
-            <a:endParaRPr lang="ko-KR" altLang="en-US" sz="1400" b="1" dirty="0">
-              <a:solidFill>
-                <a:schemeClr val="bg1"/>
-              </a:solidFill>
-              <a:latin typeface="+mn-ea"/>
-            </a:endParaRPr>
-          </a:p>
-        </p:txBody>
-      </p:sp>
-    </p:spTree>
-    <p:extLst>
-      <p:ext uri="{BB962C8B-B14F-4D97-AF65-F5344CB8AC3E}">
-        <p14:creationId xmlns:p14="http://schemas.microsoft.com/office/powerpoint/2010/main" val="165548591"/>
-      </p:ext>
-    </p:extLst>
-  </p:cSld>
-  <p:clrMapOvr>
-    <a:masterClrMapping/>
-  </p:clrMapOvr>
-</p:sld>
-</file>
-
 <file path=ppt/slides/slide2.xml><?xml version="1.0" encoding="utf-8"?>
 <p:sld xmlns:a="http://schemas.openxmlformats.org/drawingml/2006/main" xmlns:r="http://schemas.openxmlformats.org/officeDocument/2006/relationships" xmlns:p="http://schemas.openxmlformats.org/presentationml/2006/main">
   <p:cSld>
@@ -5577,49 +4714,49 @@
               <a:buAutoNum type="arabicPeriod"/>
             </a:pPr>
             <a:r>
+              <a:rPr lang="ko-KR" altLang="en-US" sz="2000" b="1" u="sng" dirty="0" err="1">
+                <a:solidFill>
+                  <a:schemeClr val="bg1"/>
+                </a:solidFill>
+                <a:latin typeface="+mj-lt"/>
+              </a:rPr>
+              <a:t>결측치</a:t>
+            </a:r>
+            <a:r>
               <a:rPr lang="ko-KR" altLang="en-US" sz="2000" b="1" u="sng" dirty="0">
                 <a:solidFill>
                   <a:schemeClr val="bg1"/>
                 </a:solidFill>
                 <a:latin typeface="+mj-lt"/>
               </a:rPr>
-              <a:t>빅데이터 품질 관리 기획하기</a:t>
-            </a:r>
-            <a:r>
-              <a:rPr lang="en-US" altLang="ko-KR" sz="1500" b="1" u="sng" dirty="0">
+              <a:t> 처리</a:t>
+            </a:r>
+            <a:r>
+              <a:rPr lang="en-US" altLang="ko-KR" sz="2000" b="1" u="sng" dirty="0">
                 <a:solidFill>
                   <a:schemeClr val="bg1"/>
                 </a:solidFill>
                 <a:latin typeface="+mj-lt"/>
               </a:rPr>
-              <a:t> – </a:t>
-            </a:r>
-            <a:r>
-              <a:rPr lang="ko-KR" altLang="en-US" sz="1500" b="1" u="sng" dirty="0">
+              <a:t>(Missing Value Handling)</a:t>
+            </a:r>
+            <a:r>
+              <a:rPr lang="ko-KR" altLang="en-US" sz="2000" b="1" u="sng" dirty="0">
                 <a:solidFill>
                   <a:schemeClr val="bg1"/>
                 </a:solidFill>
                 <a:latin typeface="+mj-lt"/>
               </a:rPr>
-              <a:t>박준형</a:t>
-            </a:r>
-            <a:r>
-              <a:rPr lang="en-US" altLang="ko-KR" sz="1500" b="1" u="sng" dirty="0">
+              <a:t> </a:t>
+            </a:r>
+            <a:r>
+              <a:rPr lang="en-US" altLang="ko-KR" sz="1500" dirty="0">
                 <a:solidFill>
                   <a:schemeClr val="bg1"/>
                 </a:solidFill>
                 <a:latin typeface="+mj-lt"/>
               </a:rPr>
-              <a:t>(2p-3p)</a:t>
-            </a:r>
-            <a:r>
-              <a:rPr lang="en-US" altLang="ko-KR" sz="1500" dirty="0">
-                <a:solidFill>
-                  <a:schemeClr val="bg1"/>
-                </a:solidFill>
-                <a:latin typeface="+mj-lt"/>
-              </a:rPr>
-              <a:t>    </a:t>
+              <a:t>   </a:t>
             </a:r>
           </a:p>
           <a:p>
@@ -5636,87 +4773,8 @@
                 </a:solidFill>
                 <a:latin typeface="+mj-lt"/>
               </a:rPr>
-              <a:t>       - </a:t>
-            </a:r>
-            <a:r>
-              <a:rPr lang="ko-KR" altLang="en-US" sz="1500" dirty="0">
-                <a:solidFill>
-                  <a:schemeClr val="bg1"/>
-                </a:solidFill>
-                <a:latin typeface="+mj-lt"/>
-              </a:rPr>
-              <a:t>프로젝트 품질 이슈 분석 및 근본 원인 보고서</a:t>
-            </a:r>
-            <a:endParaRPr lang="en-US" altLang="ko-KR" sz="1500" dirty="0">
-              <a:solidFill>
-                <a:schemeClr val="bg1"/>
-              </a:solidFill>
-              <a:latin typeface="+mj-lt"/>
-            </a:endParaRPr>
-          </a:p>
-          <a:p>
-            <a:pPr marL="0" indent="0">
-              <a:lnSpc>
-                <a:spcPct val="150000"/>
-              </a:lnSpc>
-              <a:buNone/>
-            </a:pPr>
-            <a:r>
-              <a:rPr lang="en-US" altLang="ko-KR" sz="1500" dirty="0">
-                <a:solidFill>
-                  <a:schemeClr val="bg1"/>
-                </a:solidFill>
-                <a:latin typeface="+mj-lt"/>
-              </a:rPr>
-              <a:t>       - </a:t>
-            </a:r>
-            <a:r>
-              <a:rPr lang="ko-KR" altLang="en-US" sz="1500" dirty="0">
-                <a:solidFill>
-                  <a:schemeClr val="bg1"/>
-                </a:solidFill>
-                <a:latin typeface="+mj-lt"/>
-              </a:rPr>
-              <a:t>프로젝트 생명 </a:t>
-            </a:r>
-            <a:r>
-              <a:rPr lang="ko-KR" altLang="en-US" sz="1500" dirty="0" err="1">
-                <a:solidFill>
-                  <a:schemeClr val="bg1"/>
-                </a:solidFill>
-                <a:latin typeface="+mj-lt"/>
-              </a:rPr>
-              <a:t>주기별</a:t>
-            </a:r>
-            <a:r>
-              <a:rPr lang="ko-KR" altLang="en-US" sz="1500" dirty="0">
-                <a:solidFill>
-                  <a:schemeClr val="bg1"/>
-                </a:solidFill>
-                <a:latin typeface="+mj-lt"/>
-              </a:rPr>
-              <a:t> 품질 관리 계획</a:t>
-            </a:r>
-            <a:endParaRPr lang="en-US" altLang="ko-KR" sz="1500" dirty="0">
-              <a:solidFill>
-                <a:schemeClr val="bg1"/>
-              </a:solidFill>
-              <a:latin typeface="+mj-lt"/>
-            </a:endParaRPr>
-          </a:p>
-          <a:p>
-            <a:pPr marL="0" indent="0">
-              <a:lnSpc>
-                <a:spcPct val="150000"/>
-              </a:lnSpc>
-              <a:buNone/>
-            </a:pPr>
-            <a:endParaRPr lang="en-US" altLang="ko-KR" sz="1500" dirty="0">
-              <a:solidFill>
-                <a:schemeClr val="bg1"/>
-              </a:solidFill>
-              <a:latin typeface="+mj-lt"/>
-            </a:endParaRPr>
+              <a:t>       </a:t>
+            </a:r>
           </a:p>
         </p:txBody>
       </p:sp>
@@ -5925,7 +4983,7 @@
                 </a:solidFill>
                 <a:latin typeface="+mj-lt"/>
               </a:rPr>
-              <a:t>빅데이터 조직 수립하기 </a:t>
+              <a:t>레이블 인코딩</a:t>
             </a:r>
             <a:r>
               <a:rPr lang="en-US" altLang="ko-KR" sz="2000" b="1" u="sng" dirty="0">
@@ -5934,123 +4992,14 @@
                 </a:solidFill>
                 <a:latin typeface="+mj-lt"/>
               </a:rPr>
-              <a:t>– </a:t>
-            </a:r>
-            <a:r>
-              <a:rPr lang="ko-KR" altLang="en-US" sz="1500" b="1" u="sng" dirty="0" err="1">
-                <a:solidFill>
-                  <a:schemeClr val="bg1"/>
-                </a:solidFill>
-                <a:latin typeface="+mj-lt"/>
-              </a:rPr>
-              <a:t>손보금</a:t>
-            </a:r>
-            <a:r>
-              <a:rPr lang="en-US" altLang="ko-KR" sz="1500" b="1" u="sng" dirty="0">
-                <a:solidFill>
-                  <a:schemeClr val="bg1"/>
-                </a:solidFill>
-                <a:latin typeface="+mj-lt"/>
-              </a:rPr>
-              <a:t>(6p-9p)</a:t>
-            </a:r>
-            <a:r>
-              <a:rPr lang="en-US" altLang="ko-KR" sz="1500" dirty="0">
-                <a:solidFill>
-                  <a:schemeClr val="bg1"/>
-                </a:solidFill>
-                <a:latin typeface="+mj-lt"/>
-              </a:rPr>
-              <a:t> </a:t>
-            </a:r>
-          </a:p>
-          <a:p>
-            <a:pPr marL="0" indent="0">
-              <a:lnSpc>
-                <a:spcPct val="150000"/>
-              </a:lnSpc>
-              <a:buNone/>
-            </a:pPr>
-            <a:r>
-              <a:rPr lang="en-US" altLang="ko-KR" sz="1500" dirty="0">
-                <a:solidFill>
-                  <a:schemeClr val="bg1"/>
-                </a:solidFill>
-                <a:latin typeface="+mj-lt"/>
-              </a:rPr>
-              <a:t>       - </a:t>
-            </a:r>
-            <a:r>
-              <a:rPr lang="ko-KR" altLang="en-US" sz="1500" dirty="0">
-                <a:solidFill>
-                  <a:schemeClr val="bg1"/>
-                </a:solidFill>
-                <a:latin typeface="+mj-lt"/>
-              </a:rPr>
-              <a:t>조직 역할 및 책임 할당표</a:t>
-            </a:r>
-            <a:r>
-              <a:rPr lang="en-US" altLang="ko-KR" sz="1500" dirty="0">
-                <a:solidFill>
-                  <a:schemeClr val="bg1"/>
-                </a:solidFill>
-                <a:latin typeface="+mj-lt"/>
-              </a:rPr>
-              <a:t>(RACI </a:t>
-            </a:r>
-            <a:r>
-              <a:rPr lang="ko-KR" altLang="en-US" sz="1500" dirty="0">
-                <a:solidFill>
-                  <a:schemeClr val="bg1"/>
-                </a:solidFill>
-                <a:latin typeface="+mj-lt"/>
-              </a:rPr>
-              <a:t>분석</a:t>
-            </a:r>
-            <a:r>
-              <a:rPr lang="en-US" altLang="ko-KR" sz="1500" dirty="0">
-                <a:solidFill>
-                  <a:schemeClr val="bg1"/>
-                </a:solidFill>
-                <a:latin typeface="+mj-lt"/>
-              </a:rPr>
-              <a:t>)</a:t>
-            </a:r>
-          </a:p>
-          <a:p>
-            <a:pPr marL="0" indent="0">
-              <a:lnSpc>
-                <a:spcPct val="150000"/>
-              </a:lnSpc>
-              <a:buNone/>
-            </a:pPr>
-            <a:r>
-              <a:rPr lang="en-US" altLang="ko-KR" sz="1500" dirty="0">
-                <a:solidFill>
-                  <a:schemeClr val="bg1"/>
-                </a:solidFill>
-                <a:latin typeface="+mj-lt"/>
-              </a:rPr>
-              <a:t>       - </a:t>
-            </a:r>
-            <a:r>
-              <a:rPr lang="ko-KR" altLang="en-US" sz="1500" dirty="0">
-                <a:solidFill>
-                  <a:schemeClr val="bg1"/>
-                </a:solidFill>
-                <a:latin typeface="+mj-lt"/>
-              </a:rPr>
-              <a:t>분석가를 위한 역량 교육 체계 설계 보고서</a:t>
-            </a:r>
-            <a:r>
-              <a:rPr lang="en-US" altLang="ko-KR" sz="1500" dirty="0">
-                <a:solidFill>
-                  <a:schemeClr val="bg1"/>
-                </a:solidFill>
-                <a:latin typeface="+mj-lt"/>
-              </a:rPr>
-              <a:t>      </a:t>
-            </a:r>
+              <a:t>(Label Encoding)</a:t>
+            </a:r>
+            <a:endParaRPr lang="en-US" altLang="ko-KR" sz="1500" dirty="0">
+              <a:solidFill>
+                <a:schemeClr val="bg1"/>
+              </a:solidFill>
+              <a:latin typeface="+mj-lt"/>
+            </a:endParaRPr>
           </a:p>
         </p:txBody>
       </p:sp>
@@ -6259,7 +5208,25 @@
                 </a:solidFill>
                 <a:latin typeface="+mj-lt"/>
               </a:rPr>
-              <a:t>빅데이터 보안 관리 기획하기</a:t>
+              <a:t>이상치 처리</a:t>
+            </a:r>
+            <a:r>
+              <a:rPr lang="en-US" altLang="ko-KR" sz="2000" b="1" u="sng" dirty="0">
+                <a:solidFill>
+                  <a:schemeClr val="bg1"/>
+                </a:solidFill>
+                <a:latin typeface="+mj-lt"/>
+              </a:rPr>
+              <a:t>(Outlier Handling)</a:t>
+            </a:r>
+            <a:r>
+              <a:rPr lang="ko-KR" altLang="en-US" sz="2000" b="1" u="sng" dirty="0">
+                <a:solidFill>
+                  <a:schemeClr val="bg1"/>
+                </a:solidFill>
+                <a:latin typeface="+mj-lt"/>
+              </a:rPr>
+              <a:t> </a:t>
             </a:r>
             <a:r>
               <a:rPr lang="en-US" altLang="ko-KR" sz="1500" b="1" u="sng" dirty="0">
@@ -6268,7 +5235,7 @@
                 </a:solidFill>
                 <a:latin typeface="+mj-lt"/>
               </a:rPr>
-              <a:t> – </a:t>
+              <a:t>(</a:t>
             </a:r>
             <a:r>
               <a:rPr lang="ko-KR" altLang="en-US" sz="1500" b="1" u="sng" dirty="0">
@@ -6286,7 +5253,7 @@
                 </a:solidFill>
                 <a:latin typeface="+mj-lt"/>
               </a:rPr>
-              <a:t>(4p-5p)</a:t>
+              <a:t>)</a:t>
             </a:r>
             <a:r>
               <a:rPr lang="en-US" altLang="ko-KR" sz="1500" dirty="0">
@@ -6312,94 +5279,14 @@
                 </a:solidFill>
                 <a:latin typeface="+mj-lt"/>
               </a:rPr>
-              <a:t>       - </a:t>
-            </a:r>
-            <a:r>
-              <a:rPr lang="ko-KR" altLang="en-US" sz="1500" dirty="0">
-                <a:solidFill>
-                  <a:schemeClr val="bg1"/>
-                </a:solidFill>
-                <a:latin typeface="+mj-lt"/>
-              </a:rPr>
-              <a:t>개인 정보 </a:t>
-            </a:r>
-            <a:r>
-              <a:rPr lang="ko-KR" altLang="en-US" sz="1500" dirty="0" err="1">
-                <a:solidFill>
-                  <a:schemeClr val="bg1"/>
-                </a:solidFill>
-                <a:latin typeface="+mj-lt"/>
-              </a:rPr>
-              <a:t>비식별</a:t>
-            </a:r>
-            <a:r>
-              <a:rPr lang="ko-KR" altLang="en-US" sz="1500" dirty="0">
-                <a:solidFill>
-                  <a:schemeClr val="bg1"/>
-                </a:solidFill>
-                <a:latin typeface="+mj-lt"/>
-              </a:rPr>
-              <a:t> 조치 계획 보고서</a:t>
-            </a:r>
-            <a:endParaRPr lang="en-US" altLang="ko-KR" sz="1500" dirty="0">
+              <a:t>       </a:t>
+            </a:r>
+            <a:endParaRPr lang="en-US" altLang="ko-KR" sz="1400" dirty="0">
               <a:solidFill>
                 <a:schemeClr val="bg1"/>
               </a:solidFill>
               <a:latin typeface="+mj-lt"/>
             </a:endParaRPr>
-          </a:p>
-          <a:p>
-            <a:pPr marL="0" indent="0">
-              <a:lnSpc>
-                <a:spcPct val="150000"/>
-              </a:lnSpc>
-              <a:buNone/>
-            </a:pPr>
-            <a:r>
-              <a:rPr lang="en-US" altLang="ko-KR" sz="1500" dirty="0">
-                <a:solidFill>
-                  <a:schemeClr val="bg1"/>
-                </a:solidFill>
-                <a:latin typeface="+mj-lt"/>
-              </a:rPr>
-              <a:t>       - </a:t>
-            </a:r>
-            <a:r>
-              <a:rPr lang="ko-KR" altLang="en-US" sz="1500" dirty="0">
-                <a:solidFill>
-                  <a:schemeClr val="bg1"/>
-                </a:solidFill>
-                <a:latin typeface="+mj-lt"/>
-              </a:rPr>
-              <a:t>수명 </a:t>
-            </a:r>
-            <a:r>
-              <a:rPr lang="ko-KR" altLang="en-US" sz="1500" dirty="0" err="1">
-                <a:solidFill>
-                  <a:schemeClr val="bg1"/>
-                </a:solidFill>
-                <a:latin typeface="+mj-lt"/>
-              </a:rPr>
-              <a:t>주기별</a:t>
-            </a:r>
-            <a:r>
-              <a:rPr lang="ko-KR" altLang="en-US" sz="1500" dirty="0">
-                <a:solidFill>
-                  <a:schemeClr val="bg1"/>
-                </a:solidFill>
-                <a:latin typeface="+mj-lt"/>
-              </a:rPr>
-              <a:t> 위협 요소 분석 및 대응방안</a:t>
-            </a:r>
-            <a:r>
-              <a:rPr lang="en-US" altLang="ko-KR" sz="1400" dirty="0">
-                <a:solidFill>
-                  <a:schemeClr val="bg1"/>
-                </a:solidFill>
-                <a:latin typeface="+mj-lt"/>
-              </a:rPr>
-              <a:t>     </a:t>
-            </a:r>
           </a:p>
         </p:txBody>
       </p:sp>
@@ -6608,7 +5495,7 @@
                 </a:solidFill>
                 <a:latin typeface="+mj-lt"/>
               </a:rPr>
-              <a:t>빅데이터 운영 관리 기획하기 </a:t>
+              <a:t>표준화 처리</a:t>
             </a:r>
             <a:r>
               <a:rPr lang="en-US" altLang="ko-KR" sz="2000" b="1" u="sng" dirty="0">
@@ -6617,7 +5504,34 @@
                 </a:solidFill>
                 <a:latin typeface="+mj-lt"/>
               </a:rPr>
-              <a:t>– </a:t>
+              <a:t>(</a:t>
+            </a:r>
+            <a:r>
+              <a:rPr lang="en-US" altLang="ko-KR" sz="2000" b="1" u="sng" dirty="0" err="1">
+                <a:solidFill>
+                  <a:schemeClr val="bg1"/>
+                </a:solidFill>
+                <a:latin typeface="+mj-lt"/>
+              </a:rPr>
+              <a:t>StandardScaler</a:t>
+            </a:r>
+            <a:r>
+              <a:rPr lang="en-US" altLang="ko-KR" sz="2000" b="1" u="sng" dirty="0">
+                <a:solidFill>
+                  <a:schemeClr val="bg1"/>
+                </a:solidFill>
+                <a:latin typeface="+mj-lt"/>
+              </a:rPr>
+              <a:t>)</a:t>
+            </a:r>
+            <a:r>
+              <a:rPr lang="en-US" altLang="ko-KR" sz="1500" b="1" u="sng" dirty="0">
+                <a:solidFill>
+                  <a:schemeClr val="bg1"/>
+                </a:solidFill>
+                <a:latin typeface="+mj-lt"/>
+              </a:rPr>
+              <a:t> (</a:t>
             </a:r>
             <a:r>
               <a:rPr lang="ko-KR" altLang="en-US" sz="1500" b="1" u="sng" dirty="0" err="1">
@@ -6635,7 +5549,7 @@
                 </a:solidFill>
                 <a:latin typeface="+mj-lt"/>
               </a:rPr>
-              <a:t>(10p-12p)</a:t>
+              <a:t>)</a:t>
             </a:r>
           </a:p>
           <a:p>
@@ -6645,104 +5559,6 @@
               </a:lnSpc>
               <a:buNone/>
             </a:pPr>
-            <a:r>
-              <a:rPr lang="en-US" altLang="ko-KR" sz="1500" dirty="0">
-                <a:solidFill>
-                  <a:schemeClr val="bg1"/>
-                </a:solidFill>
-                <a:latin typeface="+mj-lt"/>
-              </a:rPr>
-              <a:t>     - </a:t>
-            </a:r>
-            <a:r>
-              <a:rPr lang="ko-KR" altLang="en-US" sz="1500" dirty="0">
-                <a:solidFill>
-                  <a:schemeClr val="bg1"/>
-                </a:solidFill>
-                <a:latin typeface="+mj-lt"/>
-              </a:rPr>
-              <a:t>서비스 장애</a:t>
-            </a:r>
-            <a:r>
-              <a:rPr lang="en-US" altLang="ko-KR" sz="1500" dirty="0">
-                <a:solidFill>
-                  <a:schemeClr val="bg1"/>
-                </a:solidFill>
-                <a:latin typeface="+mj-lt"/>
-              </a:rPr>
-              <a:t>/</a:t>
-            </a:r>
-            <a:r>
-              <a:rPr lang="ko-KR" altLang="en-US" sz="1500" dirty="0">
-                <a:solidFill>
-                  <a:schemeClr val="bg1"/>
-                </a:solidFill>
-                <a:latin typeface="+mj-lt"/>
-              </a:rPr>
-              <a:t>가용성 관리 분석 보고</a:t>
-            </a:r>
-            <a:r>
-              <a:rPr lang="en-US" altLang="ko-KR" sz="1500" dirty="0">
-                <a:solidFill>
-                  <a:schemeClr val="bg1"/>
-                </a:solidFill>
-                <a:latin typeface="+mj-lt"/>
-              </a:rPr>
-              <a:t> </a:t>
-            </a:r>
-          </a:p>
-          <a:p>
-            <a:pPr marL="0" indent="0">
-              <a:lnSpc>
-                <a:spcPct val="150000"/>
-              </a:lnSpc>
-              <a:buNone/>
-            </a:pPr>
-            <a:r>
-              <a:rPr lang="en-US" altLang="ko-KR" sz="1500" dirty="0">
-                <a:solidFill>
-                  <a:schemeClr val="bg1"/>
-                </a:solidFill>
-                <a:latin typeface="+mj-lt"/>
-              </a:rPr>
-              <a:t>     - </a:t>
-            </a:r>
-            <a:r>
-              <a:rPr lang="ko-KR" altLang="en-US" sz="1500" dirty="0">
-                <a:solidFill>
-                  <a:schemeClr val="bg1"/>
-                </a:solidFill>
-                <a:latin typeface="+mj-lt"/>
-              </a:rPr>
-              <a:t>서비스 수준 협약</a:t>
-            </a:r>
-            <a:r>
-              <a:rPr lang="en-US" altLang="ko-KR" sz="1500" dirty="0">
-                <a:solidFill>
-                  <a:schemeClr val="bg1"/>
-                </a:solidFill>
-                <a:latin typeface="+mj-lt"/>
-              </a:rPr>
-              <a:t>(SLA) </a:t>
-            </a:r>
-            <a:r>
-              <a:rPr lang="ko-KR" altLang="en-US" sz="1500" dirty="0">
-                <a:solidFill>
-                  <a:schemeClr val="bg1"/>
-                </a:solidFill>
-                <a:latin typeface="+mj-lt"/>
-              </a:rPr>
-              <a:t>및 변경 관리 계획</a:t>
-            </a:r>
-            <a:r>
-              <a:rPr lang="en-US" altLang="ko-KR" sz="1500" dirty="0">
-                <a:solidFill>
-                  <a:schemeClr val="bg1"/>
-                </a:solidFill>
-                <a:latin typeface="+mj-lt"/>
-              </a:rPr>
-              <a:t>     </a:t>
-            </a:r>
             <a:br>
               <a:rPr lang="en-US" altLang="ko-KR" sz="1500" dirty="0">
                 <a:solidFill>
@@ -6872,6 +5688,36 @@
               <a:defRPr/>
             </a:pPr>
             <a:r>
+              <a:rPr lang="en-US" altLang="ko-KR" sz="2800" dirty="0">
+                <a:solidFill>
+                  <a:prstClr val="black"/>
+                </a:solidFill>
+                <a:latin typeface="맑은 고딕" panose="020B0503020000020004" pitchFamily="50" charset="-127"/>
+                <a:ea typeface="맑은 고딕" panose="020B0503020000020004" pitchFamily="50" charset="-127"/>
+              </a:rPr>
+              <a:t>3. </a:t>
+            </a:r>
+            <a:r>
+              <a:rPr lang="ko-KR" altLang="en-US" sz="2800" dirty="0">
+                <a:solidFill>
+                  <a:prstClr val="black"/>
+                </a:solidFill>
+                <a:latin typeface="맑은 고딕" panose="020B0503020000020004" pitchFamily="50" charset="-127"/>
+                <a:ea typeface="맑은 고딕" panose="020B0503020000020004" pitchFamily="50" charset="-127"/>
+              </a:rPr>
+              <a:t>레이블 인코딩</a:t>
+            </a:r>
+            <a:r>
+              <a:rPr lang="en-US" altLang="ko-KR" sz="2800" dirty="0">
+                <a:solidFill>
+                  <a:prstClr val="black"/>
+                </a:solidFill>
+                <a:latin typeface="맑은 고딕" panose="020B0503020000020004" pitchFamily="50" charset="-127"/>
+                <a:ea typeface="맑은 고딕" panose="020B0503020000020004" pitchFamily="50" charset="-127"/>
+              </a:rPr>
+              <a:t>(Label Encoding)</a:t>
+            </a:r>
+            <a:r>
               <a:rPr kumimoji="0" lang="en-US" altLang="ko-KR" sz="2800" b="0" i="0" u="none" strike="noStrike" kern="1200" cap="none" spc="0" normalizeH="0" baseline="0" noProof="0" dirty="0">
                 <a:ln>
                   <a:noFill/>
@@ -6886,7 +5732,7 @@
                 <a:ea typeface="맑은 고딕" panose="020B0503020000020004" pitchFamily="50" charset="-127"/>
                 <a:cs typeface="+mj-cs"/>
               </a:rPr>
-              <a:t>1. </a:t>
+              <a:t> </a:t>
             </a:r>
             <a:endParaRPr kumimoji="0" lang="ko-KR" altLang="en-US" sz="2800" b="0" i="0" u="none" strike="noStrike" kern="1200" cap="none" spc="0" normalizeH="0" baseline="0" noProof="0" dirty="0">
               <a:ln>
@@ -7079,12 +5925,236 @@
           </a:p>
         </p:txBody>
       </p:sp>
+      <p:sp>
+        <p:nvSpPr>
+          <p:cNvPr id="2" name="TextBox 1">
+            <a:extLst>
+              <a:ext uri="{FF2B5EF4-FFF2-40B4-BE49-F238E27FC236}">
+                <a16:creationId xmlns:a16="http://schemas.microsoft.com/office/drawing/2014/main" id="{D5A1E334-47CA-4860-BDC9-CD460E4F1E0B}"/>
+              </a:ext>
+            </a:extLst>
+          </p:cNvPr>
+          <p:cNvSpPr txBox="1"/>
+          <p:nvPr/>
+        </p:nvSpPr>
+        <p:spPr>
+          <a:xfrm>
+            <a:off x="535663" y="1556467"/>
+            <a:ext cx="11473733" cy="615553"/>
+          </a:xfrm>
+          <a:prstGeom prst="rect">
+            <a:avLst/>
+          </a:prstGeom>
+          <a:noFill/>
+        </p:spPr>
+        <p:txBody>
+          <a:bodyPr wrap="square" rtlCol="0">
+            <a:spAutoFit/>
+          </a:bodyPr>
+          <a:lstStyle/>
+          <a:p>
+            <a:r>
+              <a:rPr lang="ko-KR" altLang="en-US" sz="1200" dirty="0">
+                <a:solidFill>
+                  <a:schemeClr val="bg1"/>
+                </a:solidFill>
+              </a:rPr>
+              <a:t>★</a:t>
+            </a:r>
+            <a:r>
+              <a:rPr lang="ko-KR" altLang="en-US" sz="1200" b="1" dirty="0">
+                <a:solidFill>
+                  <a:schemeClr val="bg1"/>
+                </a:solidFill>
+              </a:rPr>
+              <a:t>레이블 인코딩</a:t>
+            </a:r>
+            <a:r>
+              <a:rPr lang="en-US" altLang="ko-KR" sz="1200" b="1" dirty="0">
+                <a:solidFill>
+                  <a:schemeClr val="bg1"/>
+                </a:solidFill>
+              </a:rPr>
+              <a:t>(Label Encoding)</a:t>
+            </a:r>
+          </a:p>
+          <a:p>
+            <a:pPr marL="171450" indent="-171450">
+              <a:buFontTx/>
+              <a:buChar char="-"/>
+            </a:pPr>
+            <a:r>
+              <a:rPr lang="ko-KR" altLang="en-US" sz="1100" dirty="0">
+                <a:solidFill>
+                  <a:schemeClr val="bg1"/>
+                </a:solidFill>
+              </a:rPr>
+              <a:t>문자</a:t>
+            </a:r>
+            <a:r>
+              <a:rPr lang="en-US" altLang="ko-KR" sz="1100" dirty="0">
+                <a:solidFill>
+                  <a:schemeClr val="bg1"/>
+                </a:solidFill>
+              </a:rPr>
+              <a:t>, </a:t>
+            </a:r>
+            <a:r>
+              <a:rPr lang="ko-KR" altLang="en-US" sz="1100" dirty="0">
+                <a:solidFill>
+                  <a:schemeClr val="bg1"/>
+                </a:solidFill>
+              </a:rPr>
+              <a:t>범주</a:t>
+            </a:r>
+            <a:r>
+              <a:rPr lang="en-US" altLang="ko-KR" sz="1100" dirty="0">
+                <a:solidFill>
+                  <a:schemeClr val="bg1"/>
+                </a:solidFill>
+              </a:rPr>
+              <a:t>, </a:t>
+            </a:r>
+            <a:r>
+              <a:rPr lang="ko-KR" altLang="en-US" sz="1100" dirty="0">
+                <a:solidFill>
+                  <a:schemeClr val="bg1"/>
+                </a:solidFill>
+              </a:rPr>
+              <a:t>날짜</a:t>
+            </a:r>
+            <a:r>
+              <a:rPr lang="en-US" altLang="ko-KR" sz="1100" dirty="0">
+                <a:solidFill>
+                  <a:schemeClr val="bg1"/>
+                </a:solidFill>
+              </a:rPr>
+              <a:t>, </a:t>
+            </a:r>
+            <a:r>
+              <a:rPr lang="ko-KR" altLang="en-US" sz="1100" dirty="0">
+                <a:solidFill>
+                  <a:schemeClr val="bg1"/>
+                </a:solidFill>
+              </a:rPr>
+              <a:t>색상</a:t>
+            </a:r>
+            <a:r>
+              <a:rPr lang="en-US" altLang="ko-KR" sz="1100" dirty="0">
+                <a:solidFill>
+                  <a:schemeClr val="bg1"/>
+                </a:solidFill>
+              </a:rPr>
+              <a:t>, </a:t>
+            </a:r>
+            <a:r>
+              <a:rPr lang="ko-KR" altLang="en-US" sz="1100" dirty="0" err="1">
+                <a:solidFill>
+                  <a:schemeClr val="bg1"/>
+                </a:solidFill>
+              </a:rPr>
+              <a:t>지역명</a:t>
+            </a:r>
+            <a:r>
+              <a:rPr lang="ko-KR" altLang="en-US" sz="1100" dirty="0">
+                <a:solidFill>
+                  <a:schemeClr val="bg1"/>
+                </a:solidFill>
+              </a:rPr>
+              <a:t> 등 </a:t>
+            </a:r>
+            <a:r>
+              <a:rPr lang="ko-KR" altLang="en-US" sz="1100" b="1" dirty="0">
+                <a:solidFill>
+                  <a:schemeClr val="bg1"/>
+                </a:solidFill>
+              </a:rPr>
+              <a:t>기계가 아닌 인간이 이해하기 쉬운 형태의 데이터를 컴퓨터가 이해하기 쉽도록 </a:t>
+            </a:r>
+            <a:r>
+              <a:rPr lang="ko-KR" altLang="en-US" sz="1100" b="1" dirty="0" err="1">
+                <a:solidFill>
+                  <a:schemeClr val="bg1"/>
+                </a:solidFill>
+              </a:rPr>
+              <a:t>숫자값으로</a:t>
+            </a:r>
+            <a:r>
+              <a:rPr lang="ko-KR" altLang="en-US" sz="1100" b="1" dirty="0">
+                <a:solidFill>
+                  <a:schemeClr val="bg1"/>
+                </a:solidFill>
+              </a:rPr>
+              <a:t> 변환</a:t>
+            </a:r>
+            <a:r>
+              <a:rPr lang="ko-KR" altLang="en-US" sz="1100" dirty="0">
+                <a:solidFill>
+                  <a:schemeClr val="bg1"/>
+                </a:solidFill>
+              </a:rPr>
+              <a:t>해줍니다</a:t>
+            </a:r>
+            <a:r>
+              <a:rPr lang="en-US" altLang="ko-KR" sz="1100" dirty="0">
+                <a:solidFill>
+                  <a:schemeClr val="bg1"/>
+                </a:solidFill>
+              </a:rPr>
+              <a:t>.</a:t>
+            </a:r>
+          </a:p>
+          <a:p>
+            <a:pPr marL="171450" indent="-171450">
+              <a:buFontTx/>
+              <a:buChar char="-"/>
+            </a:pPr>
+            <a:r>
+              <a:rPr lang="ko-KR" altLang="en-US" sz="1100" dirty="0">
+                <a:solidFill>
+                  <a:schemeClr val="bg1"/>
+                </a:solidFill>
+              </a:rPr>
+              <a:t>인코딩이 안되면 연산</a:t>
+            </a:r>
+            <a:r>
+              <a:rPr lang="en-US" altLang="ko-KR" sz="1100" dirty="0">
+                <a:solidFill>
+                  <a:schemeClr val="bg1"/>
+                </a:solidFill>
+              </a:rPr>
+              <a:t>,</a:t>
+            </a:r>
+            <a:r>
+              <a:rPr lang="ko-KR" altLang="en-US" sz="1100" dirty="0">
+                <a:solidFill>
+                  <a:schemeClr val="bg1"/>
+                </a:solidFill>
+              </a:rPr>
+              <a:t>계산 등 수학적 처리가 불가능하기 때문에 반드시 인코딩 과정을 거쳐 데이터를 숫자형으로 바꿔주어야 합니다</a:t>
+            </a:r>
+            <a:r>
+              <a:rPr lang="en-US" altLang="ko-KR" sz="1100" dirty="0">
+                <a:solidFill>
+                  <a:schemeClr val="bg1"/>
+                </a:solidFill>
+              </a:rPr>
+              <a:t>.</a:t>
+            </a:r>
+            <a:endParaRPr lang="ko-KR" altLang="en-US" sz="1100" dirty="0">
+              <a:solidFill>
+                <a:schemeClr val="bg1"/>
+              </a:solidFill>
+            </a:endParaRPr>
+          </a:p>
+        </p:txBody>
+      </p:sp>
       <p:pic>
         <p:nvPicPr>
-          <p:cNvPr id="6" name="그림 5">
-            <a:extLst>
-              <a:ext uri="{FF2B5EF4-FFF2-40B4-BE49-F238E27FC236}">
-                <a16:creationId xmlns:a16="http://schemas.microsoft.com/office/drawing/2014/main" id="{49C3A5A1-19DC-4E1F-AD37-508ADF562F77}"/>
+          <p:cNvPr id="7" name="그림 6">
+            <a:extLst>
+              <a:ext uri="{FF2B5EF4-FFF2-40B4-BE49-F238E27FC236}">
+                <a16:creationId xmlns:a16="http://schemas.microsoft.com/office/drawing/2014/main" id="{C03E07B9-7786-448A-BA69-5160DDDE0410}"/>
               </a:ext>
             </a:extLst>
           </p:cNvPr>
@@ -7101,8 +6171,38 @@
         </p:blipFill>
         <p:spPr>
           <a:xfrm>
-            <a:off x="720135" y="1904504"/>
-            <a:ext cx="5776988" cy="4262099"/>
+            <a:off x="712194" y="2325675"/>
+            <a:ext cx="6688350" cy="1970528"/>
+          </a:xfrm>
+          <a:prstGeom prst="rect">
+            <a:avLst/>
+          </a:prstGeom>
+        </p:spPr>
+      </p:pic>
+      <p:pic>
+        <p:nvPicPr>
+          <p:cNvPr id="10" name="그림 9">
+            <a:extLst>
+              <a:ext uri="{FF2B5EF4-FFF2-40B4-BE49-F238E27FC236}">
+                <a16:creationId xmlns:a16="http://schemas.microsoft.com/office/drawing/2014/main" id="{6789E6FA-6F5F-4230-913D-4758F4E12DF6}"/>
+              </a:ext>
+            </a:extLst>
+          </p:cNvPr>
+          <p:cNvPicPr>
+            <a:picLocks noChangeAspect="1"/>
+          </p:cNvPicPr>
+          <p:nvPr/>
+        </p:nvPicPr>
+        <p:blipFill>
+          <a:blip r:embed="rId4"/>
+          <a:stretch>
+            <a:fillRect/>
+          </a:stretch>
+        </p:blipFill>
+        <p:spPr>
+          <a:xfrm>
+            <a:off x="720135" y="4663048"/>
+            <a:ext cx="6688350" cy="1719831"/>
           </a:xfrm>
           <a:prstGeom prst="rect">
             <a:avLst/>
@@ -7111,10 +6211,10 @@
       </p:pic>
       <p:sp>
         <p:nvSpPr>
-          <p:cNvPr id="7" name="TextBox 6">
-            <a:extLst>
-              <a:ext uri="{FF2B5EF4-FFF2-40B4-BE49-F238E27FC236}">
-                <a16:creationId xmlns:a16="http://schemas.microsoft.com/office/drawing/2014/main" id="{7D0A195F-A994-4B84-B623-803841A93C36}"/>
+          <p:cNvPr id="11" name="TextBox 10">
+            <a:extLst>
+              <a:ext uri="{FF2B5EF4-FFF2-40B4-BE49-F238E27FC236}">
+                <a16:creationId xmlns:a16="http://schemas.microsoft.com/office/drawing/2014/main" id="{0F31910A-1439-462F-BF99-8366BCD3BF97}"/>
               </a:ext>
             </a:extLst>
           </p:cNvPr>
@@ -7123,13 +6223,18 @@
         </p:nvSpPr>
         <p:spPr>
           <a:xfrm>
-            <a:off x="7122253" y="2223821"/>
-            <a:ext cx="4236441" cy="1200329"/>
+            <a:off x="8074982" y="2843406"/>
+            <a:ext cx="3822838" cy="2462213"/>
           </a:xfrm>
           <a:prstGeom prst="rect">
             <a:avLst/>
           </a:prstGeom>
           <a:noFill/>
+          <a:ln w="12700">
+            <a:solidFill>
+              <a:schemeClr val="accent4"/>
+            </a:solidFill>
+          </a:ln>
         </p:spPr>
         <p:txBody>
           <a:bodyPr wrap="square" rtlCol="0">
@@ -7137,429 +6242,480 @@
           </a:bodyPr>
           <a:lstStyle/>
           <a:p>
-            <a:pPr marL="342900" indent="-342900">
-              <a:buAutoNum type="arabicPeriod"/>
+            <a:pPr marL="171450" indent="-171450">
+              <a:buFontTx/>
+              <a:buChar char="-"/>
             </a:pPr>
             <a:r>
-              <a:rPr lang="ko-KR" altLang="en-US" dirty="0" err="1">
-                <a:solidFill>
-                  <a:schemeClr val="bg1"/>
-                </a:solidFill>
-              </a:rPr>
-              <a:t>결측치</a:t>
-            </a:r>
-            <a:r>
-              <a:rPr lang="ko-KR" altLang="en-US" dirty="0">
-                <a:solidFill>
-                  <a:schemeClr val="bg1"/>
-                </a:solidFill>
-              </a:rPr>
-              <a:t> 처리</a:t>
-            </a:r>
-            <a:endParaRPr lang="en-US" altLang="ko-KR" dirty="0">
+              <a:rPr lang="ko-KR" altLang="en-US" sz="1100" dirty="0">
+                <a:solidFill>
+                  <a:schemeClr val="bg1"/>
+                </a:solidFill>
+              </a:rPr>
+              <a:t>컬럼 중 </a:t>
+            </a:r>
+            <a:r>
+              <a:rPr lang="en-US" altLang="ko-KR" sz="1100" dirty="0">
+                <a:solidFill>
+                  <a:schemeClr val="bg1"/>
+                </a:solidFill>
+              </a:rPr>
+              <a:t>[ </a:t>
+            </a:r>
+            <a:r>
+              <a:rPr lang="en-US" altLang="ko-KR" sz="1100" dirty="0" err="1">
+                <a:solidFill>
+                  <a:schemeClr val="bg1"/>
+                </a:solidFill>
+              </a:rPr>
+              <a:t>workclass</a:t>
+            </a:r>
+            <a:r>
+              <a:rPr lang="en-US" altLang="ko-KR" sz="1100" dirty="0">
+                <a:solidFill>
+                  <a:schemeClr val="bg1"/>
+                </a:solidFill>
+              </a:rPr>
+              <a:t>, education, </a:t>
+            </a:r>
+            <a:r>
+              <a:rPr lang="en-US" altLang="ko-KR" sz="1100" dirty="0" err="1">
+                <a:solidFill>
+                  <a:schemeClr val="bg1"/>
+                </a:solidFill>
+              </a:rPr>
+              <a:t>marital.status</a:t>
+            </a:r>
+            <a:r>
+              <a:rPr lang="en-US" altLang="ko-KR" sz="1100" dirty="0">
+                <a:solidFill>
+                  <a:schemeClr val="bg1"/>
+                </a:solidFill>
+              </a:rPr>
+              <a:t>, occupation, relationship, race, sex, </a:t>
+            </a:r>
+            <a:r>
+              <a:rPr lang="en-US" altLang="ko-KR" sz="1100" dirty="0" err="1">
+                <a:solidFill>
+                  <a:schemeClr val="bg1"/>
+                </a:solidFill>
+              </a:rPr>
+              <a:t>native.country</a:t>
+            </a:r>
+            <a:r>
+              <a:rPr lang="en-US" altLang="ko-KR" sz="1100" dirty="0">
+                <a:solidFill>
+                  <a:schemeClr val="bg1"/>
+                </a:solidFill>
+              </a:rPr>
+              <a:t> ] </a:t>
+            </a:r>
+            <a:r>
+              <a:rPr lang="ko-KR" altLang="en-US" sz="1100" dirty="0">
+                <a:solidFill>
+                  <a:schemeClr val="bg1"/>
+                </a:solidFill>
+              </a:rPr>
+              <a:t>가 </a:t>
+            </a:r>
+            <a:r>
+              <a:rPr lang="en-US" altLang="ko-KR" sz="1100" dirty="0">
+                <a:solidFill>
+                  <a:schemeClr val="bg1"/>
+                </a:solidFill>
+              </a:rPr>
+              <a:t>‘object’ </a:t>
+            </a:r>
+            <a:r>
+              <a:rPr lang="ko-KR" altLang="en-US" sz="1100" dirty="0">
+                <a:solidFill>
+                  <a:schemeClr val="bg1"/>
+                </a:solidFill>
+              </a:rPr>
+              <a:t>타입으로 되어있어 숫자형으로 </a:t>
+            </a:r>
+            <a:r>
+              <a:rPr lang="en-US" altLang="ko-KR" sz="1100" dirty="0">
+                <a:solidFill>
+                  <a:schemeClr val="bg1"/>
+                </a:solidFill>
+              </a:rPr>
+              <a:t>Encoding </a:t>
+            </a:r>
+            <a:r>
+              <a:rPr lang="ko-KR" altLang="en-US" sz="1100" dirty="0">
+                <a:solidFill>
+                  <a:schemeClr val="bg1"/>
+                </a:solidFill>
+              </a:rPr>
+              <a:t>해줍니다</a:t>
+            </a:r>
+            <a:r>
+              <a:rPr lang="en-US" altLang="ko-KR" sz="1100" dirty="0">
+                <a:solidFill>
+                  <a:schemeClr val="bg1"/>
+                </a:solidFill>
+              </a:rPr>
+              <a:t>.</a:t>
+            </a:r>
+          </a:p>
+          <a:p>
+            <a:pPr marL="171450" indent="-171450">
+              <a:buFontTx/>
+              <a:buChar char="-"/>
+            </a:pPr>
+            <a:endParaRPr lang="en-US" altLang="ko-KR" sz="1100" dirty="0">
               <a:solidFill>
                 <a:schemeClr val="bg1"/>
               </a:solidFill>
             </a:endParaRPr>
           </a:p>
           <a:p>
-            <a:pPr marL="342900" indent="-342900">
-              <a:buAutoNum type="arabicPeriod"/>
+            <a:pPr marL="171450" indent="-171450">
+              <a:buFontTx/>
+              <a:buChar char="-"/>
             </a:pPr>
             <a:r>
-              <a:rPr lang="ko-KR" altLang="en-US" dirty="0">
-                <a:solidFill>
-                  <a:schemeClr val="bg1"/>
-                </a:solidFill>
-              </a:rPr>
-              <a:t>이상치 처리</a:t>
-            </a:r>
-            <a:endParaRPr lang="en-US" altLang="ko-KR" dirty="0">
+              <a:rPr lang="en-US" altLang="ko-KR" sz="1100" dirty="0" err="1">
+                <a:solidFill>
+                  <a:schemeClr val="bg1"/>
+                </a:solidFill>
+              </a:rPr>
+              <a:t>Sklearn</a:t>
+            </a:r>
+            <a:r>
+              <a:rPr lang="ko-KR" altLang="en-US" sz="1100" dirty="0">
+                <a:solidFill>
+                  <a:schemeClr val="bg1"/>
+                </a:solidFill>
+              </a:rPr>
+              <a:t>의 </a:t>
+            </a:r>
+            <a:r>
+              <a:rPr lang="en-US" altLang="ko-KR" sz="1100" dirty="0" err="1">
+                <a:solidFill>
+                  <a:schemeClr val="bg1"/>
+                </a:solidFill>
+              </a:rPr>
+              <a:t>LabelEncoder</a:t>
+            </a:r>
+            <a:r>
+              <a:rPr lang="ko-KR" altLang="en-US" sz="1100" dirty="0">
+                <a:solidFill>
+                  <a:schemeClr val="bg1"/>
+                </a:solidFill>
+              </a:rPr>
+              <a:t>클래스를 불러와 내장함수를 사용해줍니다</a:t>
+            </a:r>
+            <a:r>
+              <a:rPr lang="en-US" altLang="ko-KR" sz="1100" dirty="0">
+                <a:solidFill>
+                  <a:schemeClr val="bg1"/>
+                </a:solidFill>
+              </a:rPr>
+              <a:t>.</a:t>
+            </a:r>
+          </a:p>
+          <a:p>
+            <a:pPr marL="171450" indent="-171450">
+              <a:buFontTx/>
+              <a:buChar char="-"/>
+            </a:pPr>
+            <a:r>
+              <a:rPr lang="en-US" altLang="ko-KR" sz="1100" b="1" dirty="0">
+                <a:solidFill>
+                  <a:schemeClr val="bg1"/>
+                </a:solidFill>
+              </a:rPr>
+              <a:t>(for </a:t>
+            </a:r>
+            <a:r>
+              <a:rPr lang="ko-KR" altLang="en-US" sz="1100" b="1" dirty="0">
+                <a:solidFill>
+                  <a:schemeClr val="bg1"/>
+                </a:solidFill>
+              </a:rPr>
+              <a:t>문</a:t>
+            </a:r>
+            <a:r>
+              <a:rPr lang="en-US" altLang="ko-KR" sz="1100" b="1" dirty="0">
+                <a:solidFill>
+                  <a:schemeClr val="bg1"/>
+                </a:solidFill>
+              </a:rPr>
+              <a:t>)</a:t>
+            </a:r>
+          </a:p>
+          <a:p>
+            <a:pPr marL="171450" indent="-171450">
+              <a:buFontTx/>
+              <a:buChar char="-"/>
+            </a:pPr>
+            <a:r>
+              <a:rPr lang="en-US" altLang="ko-KR" sz="1100" dirty="0" err="1">
+                <a:solidFill>
+                  <a:schemeClr val="bg1"/>
+                </a:solidFill>
+              </a:rPr>
+              <a:t>LabelEncoder</a:t>
+            </a:r>
+            <a:r>
+              <a:rPr lang="en-US" altLang="ko-KR" sz="1100" dirty="0">
+                <a:solidFill>
+                  <a:schemeClr val="bg1"/>
+                </a:solidFill>
+              </a:rPr>
+              <a:t> </a:t>
+            </a:r>
+            <a:r>
+              <a:rPr lang="ko-KR" altLang="en-US" sz="1100" dirty="0">
+                <a:solidFill>
+                  <a:schemeClr val="bg1"/>
+                </a:solidFill>
+              </a:rPr>
+              <a:t>객체를 생성한 후</a:t>
+            </a:r>
+            <a:r>
+              <a:rPr lang="en-US" altLang="ko-KR" sz="1100" dirty="0">
+                <a:solidFill>
+                  <a:schemeClr val="bg1"/>
+                </a:solidFill>
+              </a:rPr>
+              <a:t>, train </a:t>
+            </a:r>
+            <a:r>
+              <a:rPr lang="ko-KR" altLang="en-US" sz="1100" dirty="0">
+                <a:solidFill>
+                  <a:schemeClr val="bg1"/>
+                </a:solidFill>
+              </a:rPr>
+              <a:t>데이터의 해당 칼럼을 학습</a:t>
+            </a:r>
+            <a:r>
+              <a:rPr lang="en-US" altLang="ko-KR" sz="1100" dirty="0">
+                <a:solidFill>
+                  <a:schemeClr val="bg1"/>
+                </a:solidFill>
+              </a:rPr>
+              <a:t>(fit) </a:t>
+            </a:r>
+            <a:r>
+              <a:rPr lang="ko-KR" altLang="en-US" sz="1100" dirty="0">
+                <a:solidFill>
+                  <a:schemeClr val="bg1"/>
+                </a:solidFill>
+              </a:rPr>
+              <a:t>후 변환시켜 줍니다</a:t>
+            </a:r>
+            <a:r>
+              <a:rPr lang="en-US" altLang="ko-KR" sz="1100" dirty="0">
+                <a:solidFill>
+                  <a:schemeClr val="bg1"/>
+                </a:solidFill>
+              </a:rPr>
+              <a:t>.</a:t>
+            </a:r>
+          </a:p>
+          <a:p>
+            <a:pPr marL="171450" indent="-171450">
+              <a:buFontTx/>
+              <a:buChar char="-"/>
+            </a:pPr>
+            <a:r>
+              <a:rPr lang="ko-KR" altLang="en-US" sz="1100" dirty="0">
+                <a:solidFill>
+                  <a:schemeClr val="bg1"/>
+                </a:solidFill>
+              </a:rPr>
+              <a:t>동일한 인코더로 </a:t>
+            </a:r>
+            <a:r>
+              <a:rPr lang="en-US" altLang="ko-KR" sz="1100" dirty="0">
+                <a:solidFill>
+                  <a:schemeClr val="bg1"/>
+                </a:solidFill>
+              </a:rPr>
+              <a:t>test</a:t>
+            </a:r>
+            <a:r>
+              <a:rPr lang="ko-KR" altLang="en-US" sz="1100" dirty="0">
+                <a:solidFill>
+                  <a:schemeClr val="bg1"/>
+                </a:solidFill>
+              </a:rPr>
+              <a:t>도 동일하게 학습 후 변환시켜줍니다</a:t>
+            </a:r>
+            <a:r>
+              <a:rPr lang="en-US" altLang="ko-KR" sz="1100" dirty="0">
+                <a:solidFill>
+                  <a:schemeClr val="bg1"/>
+                </a:solidFill>
+              </a:rPr>
+              <a:t>.</a:t>
+            </a:r>
+          </a:p>
+          <a:p>
+            <a:pPr marL="171450" indent="-171450">
+              <a:buFontTx/>
+              <a:buChar char="-"/>
+            </a:pPr>
+            <a:endParaRPr lang="en-US" altLang="ko-KR" sz="1100" dirty="0">
               <a:solidFill>
                 <a:schemeClr val="bg1"/>
               </a:solidFill>
             </a:endParaRPr>
           </a:p>
           <a:p>
-            <a:pPr marL="342900" indent="-342900">
-              <a:buAutoNum type="arabicPeriod"/>
+            <a:pPr marL="171450" indent="-171450">
+              <a:buFontTx/>
+              <a:buChar char="-"/>
             </a:pPr>
             <a:r>
-              <a:rPr lang="ko-KR" altLang="en-US" dirty="0">
-                <a:solidFill>
-                  <a:schemeClr val="bg1"/>
-                </a:solidFill>
-              </a:rPr>
-              <a:t>레이블 인코딩</a:t>
-            </a:r>
-            <a:endParaRPr lang="en-US" altLang="ko-KR" dirty="0">
+              <a:rPr lang="en-US" altLang="ko-KR" sz="1100" dirty="0">
+                <a:solidFill>
+                  <a:schemeClr val="bg1"/>
+                </a:solidFill>
+              </a:rPr>
+              <a:t>Head</a:t>
+            </a:r>
+            <a:r>
+              <a:rPr lang="ko-KR" altLang="en-US" sz="1100" dirty="0">
+                <a:solidFill>
+                  <a:schemeClr val="bg1"/>
+                </a:solidFill>
+              </a:rPr>
+              <a:t>위치에서부터 </a:t>
+            </a:r>
+            <a:r>
+              <a:rPr lang="en-US" altLang="ko-KR" sz="1100" dirty="0">
+                <a:solidFill>
+                  <a:schemeClr val="bg1"/>
+                </a:solidFill>
+              </a:rPr>
+              <a:t>7</a:t>
+            </a:r>
+            <a:r>
+              <a:rPr lang="ko-KR" altLang="en-US" sz="1100" dirty="0">
+                <a:solidFill>
+                  <a:schemeClr val="bg1"/>
+                </a:solidFill>
+              </a:rPr>
+              <a:t>개의 행 출력</a:t>
+            </a:r>
+            <a:r>
+              <a:rPr lang="en-US" altLang="ko-KR" sz="1100" dirty="0">
+                <a:solidFill>
+                  <a:schemeClr val="bg1"/>
+                </a:solidFill>
+              </a:rPr>
+              <a:t>!!!</a:t>
+            </a:r>
+            <a:endParaRPr lang="ko-KR" altLang="en-US" sz="1100" dirty="0">
               <a:solidFill>
                 <a:schemeClr val="bg1"/>
               </a:solidFill>
             </a:endParaRPr>
           </a:p>
-          <a:p>
-            <a:pPr marL="342900" indent="-342900">
-              <a:buAutoNum type="arabicPeriod"/>
-            </a:pPr>
-            <a:r>
-              <a:rPr lang="ko-KR" altLang="en-US" dirty="0">
-                <a:solidFill>
-                  <a:schemeClr val="bg1"/>
-                </a:solidFill>
-              </a:rPr>
-              <a:t>표준화 처리</a:t>
-            </a:r>
-            <a:r>
-              <a:rPr lang="en-US" altLang="ko-KR" dirty="0">
-                <a:solidFill>
-                  <a:schemeClr val="bg1"/>
-                </a:solidFill>
-              </a:rPr>
-              <a:t>(</a:t>
-            </a:r>
-            <a:r>
-              <a:rPr lang="en-US" altLang="ko-KR" dirty="0" err="1">
-                <a:solidFill>
-                  <a:schemeClr val="bg1"/>
-                </a:solidFill>
-              </a:rPr>
-              <a:t>standardScaler</a:t>
-            </a:r>
-            <a:r>
-              <a:rPr lang="en-US" altLang="ko-KR" dirty="0">
-                <a:solidFill>
-                  <a:schemeClr val="bg1"/>
-                </a:solidFill>
-              </a:rPr>
-              <a:t>)</a:t>
-            </a:r>
-            <a:endParaRPr lang="ko-KR" altLang="en-US" dirty="0">
-              <a:solidFill>
-                <a:schemeClr val="bg1"/>
-              </a:solidFill>
-            </a:endParaRPr>
-          </a:p>
         </p:txBody>
       </p:sp>
-      <p:sp>
-        <p:nvSpPr>
-          <p:cNvPr id="18" name="TextBox 17">
-            <a:extLst>
-              <a:ext uri="{FF2B5EF4-FFF2-40B4-BE49-F238E27FC236}">
-                <a16:creationId xmlns:a16="http://schemas.microsoft.com/office/drawing/2014/main" id="{7B5B4C46-CF1F-49CD-AC02-4EB57B107A71}"/>
-              </a:ext>
-            </a:extLst>
-          </p:cNvPr>
-          <p:cNvSpPr txBox="1"/>
+      <p:cxnSp>
+        <p:nvCxnSpPr>
+          <p:cNvPr id="18" name="연결선: 꺾임 17">
+            <a:extLst>
+              <a:ext uri="{FF2B5EF4-FFF2-40B4-BE49-F238E27FC236}">
+                <a16:creationId xmlns:a16="http://schemas.microsoft.com/office/drawing/2014/main" id="{2206DFB8-FBFE-485A-8A75-72C77F4528EC}"/>
+              </a:ext>
+            </a:extLst>
+          </p:cNvPr>
+          <p:cNvCxnSpPr>
+            <a:cxnSpLocks/>
+            <a:stCxn id="7" idx="3"/>
+            <a:endCxn id="11" idx="1"/>
+          </p:cNvCxnSpPr>
           <p:nvPr/>
-        </p:nvSpPr>
+        </p:nvCxnSpPr>
         <p:spPr>
           <a:xfrm>
-            <a:off x="7122252" y="4035553"/>
-            <a:ext cx="4236441" cy="2031325"/>
+            <a:off x="7400544" y="3310939"/>
+            <a:ext cx="674438" cy="763574"/>
           </a:xfrm>
-          <a:prstGeom prst="rect">
+          <a:prstGeom prst="bentConnector3">
             <a:avLst/>
           </a:prstGeom>
-          <a:noFill/>
+          <a:ln w="12700">
+            <a:solidFill>
+              <a:schemeClr val="accent4"/>
+            </a:solidFill>
+            <a:tailEnd type="triangle"/>
+          </a:ln>
         </p:spPr>
-        <p:txBody>
-          <a:bodyPr wrap="square" rtlCol="0">
-            <a:spAutoFit/>
-          </a:bodyPr>
-          <a:lstStyle/>
-          <a:p>
-            <a:r>
-              <a:rPr lang="en-US" altLang="ko-KR" dirty="0">
-                <a:solidFill>
-                  <a:schemeClr val="bg1"/>
-                </a:solidFill>
-              </a:rPr>
-              <a:t>- </a:t>
-            </a:r>
-            <a:r>
-              <a:rPr lang="ko-KR" altLang="en-US" dirty="0" err="1">
-                <a:solidFill>
-                  <a:schemeClr val="bg1"/>
-                </a:solidFill>
-              </a:rPr>
-              <a:t>전처리</a:t>
-            </a:r>
-            <a:r>
-              <a:rPr lang="ko-KR" altLang="en-US" dirty="0">
-                <a:solidFill>
-                  <a:schemeClr val="bg1"/>
-                </a:solidFill>
-              </a:rPr>
-              <a:t> 과정은 </a:t>
-            </a:r>
-            <a:r>
-              <a:rPr lang="ko-KR" altLang="en-US" dirty="0" err="1">
-                <a:solidFill>
-                  <a:schemeClr val="bg1"/>
-                </a:solidFill>
-              </a:rPr>
-              <a:t>실습한것과</a:t>
-            </a:r>
-            <a:r>
-              <a:rPr lang="ko-KR" altLang="en-US" dirty="0">
-                <a:solidFill>
-                  <a:schemeClr val="bg1"/>
-                </a:solidFill>
-              </a:rPr>
-              <a:t> 똑같기 때문에 </a:t>
-            </a:r>
-            <a:r>
-              <a:rPr lang="en-US" altLang="ko-KR" dirty="0">
-                <a:solidFill>
-                  <a:schemeClr val="bg1"/>
-                </a:solidFill>
-              </a:rPr>
-              <a:t>1~4</a:t>
-            </a:r>
-            <a:r>
-              <a:rPr lang="ko-KR" altLang="en-US" dirty="0">
-                <a:solidFill>
-                  <a:schemeClr val="bg1"/>
-                </a:solidFill>
-              </a:rPr>
-              <a:t>번을 각자 실습은 하되</a:t>
-            </a:r>
-            <a:r>
-              <a:rPr lang="en-US" altLang="ko-KR" dirty="0">
-                <a:solidFill>
-                  <a:schemeClr val="bg1"/>
-                </a:solidFill>
-              </a:rPr>
-              <a:t>, </a:t>
-            </a:r>
-          </a:p>
-          <a:p>
-            <a:pPr marL="342900" indent="-342900">
-              <a:buAutoNum type="arabicPeriod"/>
-            </a:pPr>
-            <a:r>
-              <a:rPr lang="ko-KR" altLang="en-US" dirty="0" err="1">
-                <a:solidFill>
-                  <a:schemeClr val="bg1"/>
-                </a:solidFill>
-              </a:rPr>
-              <a:t>결측치</a:t>
-            </a:r>
-            <a:r>
-              <a:rPr lang="ko-KR" altLang="en-US" dirty="0">
-                <a:solidFill>
-                  <a:schemeClr val="bg1"/>
-                </a:solidFill>
-              </a:rPr>
-              <a:t> 처리 </a:t>
-            </a:r>
-            <a:r>
-              <a:rPr lang="en-US" altLang="ko-KR" dirty="0">
-                <a:solidFill>
-                  <a:schemeClr val="bg1"/>
-                </a:solidFill>
-              </a:rPr>
-              <a:t>ppt </a:t>
-            </a:r>
-            <a:r>
-              <a:rPr lang="ko-KR" altLang="en-US" dirty="0">
-                <a:solidFill>
-                  <a:schemeClr val="bg1"/>
-                </a:solidFill>
-              </a:rPr>
-              <a:t>작성</a:t>
-            </a:r>
-            <a:r>
-              <a:rPr lang="en-US" altLang="ko-KR" dirty="0">
-                <a:solidFill>
-                  <a:schemeClr val="bg1"/>
-                </a:solidFill>
-              </a:rPr>
-              <a:t>(</a:t>
-            </a:r>
-            <a:r>
-              <a:rPr lang="ko-KR" altLang="en-US" dirty="0">
-                <a:solidFill>
-                  <a:schemeClr val="bg1"/>
-                </a:solidFill>
-              </a:rPr>
-              <a:t>준형이</a:t>
-            </a:r>
-            <a:r>
-              <a:rPr lang="en-US" altLang="ko-KR" dirty="0">
-                <a:solidFill>
-                  <a:schemeClr val="bg1"/>
-                </a:solidFill>
-              </a:rPr>
-              <a:t>)</a:t>
-            </a:r>
-          </a:p>
-          <a:p>
-            <a:pPr marL="342900" indent="-342900">
-              <a:buAutoNum type="arabicPeriod"/>
-            </a:pPr>
-            <a:r>
-              <a:rPr lang="ko-KR" altLang="en-US" dirty="0">
-                <a:solidFill>
-                  <a:schemeClr val="bg1"/>
-                </a:solidFill>
-              </a:rPr>
-              <a:t>이상치 처리 </a:t>
-            </a:r>
-            <a:r>
-              <a:rPr lang="en-US" altLang="ko-KR" dirty="0">
-                <a:solidFill>
-                  <a:schemeClr val="bg1"/>
-                </a:solidFill>
-              </a:rPr>
-              <a:t>ppt </a:t>
-            </a:r>
-            <a:r>
-              <a:rPr lang="ko-KR" altLang="en-US" dirty="0">
-                <a:solidFill>
-                  <a:schemeClr val="bg1"/>
-                </a:solidFill>
-              </a:rPr>
-              <a:t>작성</a:t>
-            </a:r>
-            <a:r>
-              <a:rPr lang="en-US" altLang="ko-KR" dirty="0">
-                <a:solidFill>
-                  <a:schemeClr val="bg1"/>
-                </a:solidFill>
-              </a:rPr>
-              <a:t>(</a:t>
-            </a:r>
-            <a:r>
-              <a:rPr lang="ko-KR" altLang="en-US" dirty="0">
-                <a:solidFill>
-                  <a:schemeClr val="bg1"/>
-                </a:solidFill>
-              </a:rPr>
-              <a:t>예진이</a:t>
-            </a:r>
-            <a:r>
-              <a:rPr lang="en-US" altLang="ko-KR" dirty="0">
-                <a:solidFill>
-                  <a:schemeClr val="bg1"/>
-                </a:solidFill>
-              </a:rPr>
-              <a:t>)</a:t>
-            </a:r>
-          </a:p>
-          <a:p>
-            <a:pPr marL="342900" indent="-342900">
-              <a:buAutoNum type="arabicPeriod"/>
-            </a:pPr>
-            <a:r>
-              <a:rPr lang="ko-KR" altLang="en-US" dirty="0">
-                <a:solidFill>
-                  <a:schemeClr val="bg1"/>
-                </a:solidFill>
-              </a:rPr>
-              <a:t>레이블 인코딩 </a:t>
-            </a:r>
-            <a:r>
-              <a:rPr lang="en-US" altLang="ko-KR" dirty="0">
-                <a:solidFill>
-                  <a:schemeClr val="bg1"/>
-                </a:solidFill>
-              </a:rPr>
-              <a:t>ppt(</a:t>
-            </a:r>
-            <a:r>
-              <a:rPr lang="ko-KR" altLang="en-US" dirty="0" err="1">
-                <a:solidFill>
-                  <a:schemeClr val="bg1"/>
-                </a:solidFill>
-              </a:rPr>
-              <a:t>보금</a:t>
-            </a:r>
-            <a:r>
-              <a:rPr lang="en-US" altLang="ko-KR" dirty="0">
-                <a:solidFill>
-                  <a:schemeClr val="bg1"/>
-                </a:solidFill>
-              </a:rPr>
-              <a:t>)</a:t>
-            </a:r>
-          </a:p>
-          <a:p>
-            <a:pPr marL="342900" indent="-342900">
-              <a:buAutoNum type="arabicPeriod"/>
-            </a:pPr>
-            <a:r>
-              <a:rPr lang="ko-KR" altLang="en-US" dirty="0">
-                <a:solidFill>
-                  <a:schemeClr val="bg1"/>
-                </a:solidFill>
-              </a:rPr>
-              <a:t>표준화 처리 </a:t>
-            </a:r>
-            <a:r>
-              <a:rPr lang="en-US" altLang="ko-KR" dirty="0">
-                <a:solidFill>
-                  <a:schemeClr val="bg1"/>
-                </a:solidFill>
-              </a:rPr>
-              <a:t>ppt(</a:t>
-            </a:r>
-            <a:r>
-              <a:rPr lang="ko-KR" altLang="en-US" dirty="0" err="1">
-                <a:solidFill>
-                  <a:schemeClr val="bg1"/>
-                </a:solidFill>
-              </a:rPr>
-              <a:t>보금</a:t>
-            </a:r>
-            <a:r>
-              <a:rPr lang="en-US" altLang="ko-KR" dirty="0">
-                <a:solidFill>
-                  <a:schemeClr val="bg1"/>
-                </a:solidFill>
-              </a:rPr>
-              <a:t>)</a:t>
-            </a:r>
-          </a:p>
-          <a:p>
-            <a:r>
-              <a:rPr lang="ko-KR" altLang="en-US" dirty="0" err="1">
-                <a:solidFill>
-                  <a:schemeClr val="bg1"/>
-                </a:solidFill>
-              </a:rPr>
-              <a:t>으로</a:t>
-            </a:r>
-            <a:r>
-              <a:rPr lang="ko-KR" altLang="en-US" dirty="0">
-                <a:solidFill>
-                  <a:schemeClr val="bg1"/>
-                </a:solidFill>
-              </a:rPr>
-              <a:t> 진행하겠습니다</a:t>
-            </a:r>
-            <a:r>
-              <a:rPr lang="en-US" altLang="ko-KR" dirty="0">
-                <a:solidFill>
-                  <a:schemeClr val="bg1"/>
-                </a:solidFill>
-              </a:rPr>
-              <a:t>~</a:t>
-            </a:r>
-            <a:endParaRPr lang="ko-KR" altLang="en-US" dirty="0">
-              <a:solidFill>
-                <a:schemeClr val="bg1"/>
-              </a:solidFill>
-            </a:endParaRPr>
-          </a:p>
-        </p:txBody>
-      </p:sp>
+        <p:style>
+          <a:lnRef idx="1">
+            <a:schemeClr val="accent2"/>
+          </a:lnRef>
+          <a:fillRef idx="0">
+            <a:schemeClr val="accent2"/>
+          </a:fillRef>
+          <a:effectRef idx="0">
+            <a:schemeClr val="accent2"/>
+          </a:effectRef>
+          <a:fontRef idx="minor">
+            <a:schemeClr val="tx1"/>
+          </a:fontRef>
+        </p:style>
+      </p:cxnSp>
+      <p:cxnSp>
+        <p:nvCxnSpPr>
+          <p:cNvPr id="22" name="연결선: 꺾임 21">
+            <a:extLst>
+              <a:ext uri="{FF2B5EF4-FFF2-40B4-BE49-F238E27FC236}">
+                <a16:creationId xmlns:a16="http://schemas.microsoft.com/office/drawing/2014/main" id="{B85A80DF-2B94-43B7-B57C-7A8BEF78061C}"/>
+              </a:ext>
+            </a:extLst>
+          </p:cNvPr>
+          <p:cNvCxnSpPr>
+            <a:cxnSpLocks/>
+            <a:stCxn id="7" idx="2"/>
+            <a:endCxn id="10" idx="0"/>
+          </p:cNvCxnSpPr>
+          <p:nvPr/>
+        </p:nvCxnSpPr>
+        <p:spPr>
+          <a:xfrm rot="16200000" flipH="1">
+            <a:off x="3876917" y="4475654"/>
+            <a:ext cx="366845" cy="7941"/>
+          </a:xfrm>
+          <a:prstGeom prst="bentConnector3">
+            <a:avLst>
+              <a:gd name="adj1" fmla="val 50000"/>
+            </a:avLst>
+          </a:prstGeom>
+          <a:ln w="12700">
+            <a:solidFill>
+              <a:schemeClr val="accent4"/>
+            </a:solidFill>
+            <a:tailEnd type="triangle"/>
+          </a:ln>
+        </p:spPr>
+        <p:style>
+          <a:lnRef idx="1">
+            <a:schemeClr val="accent2"/>
+          </a:lnRef>
+          <a:fillRef idx="0">
+            <a:schemeClr val="accent2"/>
+          </a:fillRef>
+          <a:effectRef idx="0">
+            <a:schemeClr val="accent2"/>
+          </a:effectRef>
+          <a:fontRef idx="minor">
+            <a:schemeClr val="tx1"/>
+          </a:fontRef>
+        </p:style>
+      </p:cxnSp>
     </p:spTree>
     <p:extLst>
       <p:ext uri="{BB962C8B-B14F-4D97-AF65-F5344CB8AC3E}">
-        <p14:creationId xmlns:p14="http://schemas.microsoft.com/office/powerpoint/2010/main" val="3605594414"/>
+        <p14:creationId xmlns:p14="http://schemas.microsoft.com/office/powerpoint/2010/main" val="2711947337"/>
       </p:ext>
     </p:extLst>
   </p:cSld>
@@ -7668,6 +6824,36 @@
               <a:defRPr/>
             </a:pPr>
             <a:r>
+              <a:rPr lang="en-US" altLang="ko-KR" sz="2800" dirty="0">
+                <a:solidFill>
+                  <a:prstClr val="black"/>
+                </a:solidFill>
+                <a:latin typeface="맑은 고딕" panose="020B0503020000020004" pitchFamily="50" charset="-127"/>
+                <a:ea typeface="맑은 고딕" panose="020B0503020000020004" pitchFamily="50" charset="-127"/>
+              </a:rPr>
+              <a:t>3. </a:t>
+            </a:r>
+            <a:r>
+              <a:rPr lang="ko-KR" altLang="en-US" sz="2800" dirty="0">
+                <a:solidFill>
+                  <a:prstClr val="black"/>
+                </a:solidFill>
+                <a:latin typeface="맑은 고딕" panose="020B0503020000020004" pitchFamily="50" charset="-127"/>
+                <a:ea typeface="맑은 고딕" panose="020B0503020000020004" pitchFamily="50" charset="-127"/>
+              </a:rPr>
+              <a:t>레이블 인코딩</a:t>
+            </a:r>
+            <a:r>
+              <a:rPr lang="en-US" altLang="ko-KR" sz="2800" dirty="0">
+                <a:solidFill>
+                  <a:prstClr val="black"/>
+                </a:solidFill>
+                <a:latin typeface="맑은 고딕" panose="020B0503020000020004" pitchFamily="50" charset="-127"/>
+                <a:ea typeface="맑은 고딕" panose="020B0503020000020004" pitchFamily="50" charset="-127"/>
+              </a:rPr>
+              <a:t>(Label Encoding)</a:t>
+            </a:r>
+            <a:r>
               <a:rPr kumimoji="0" lang="en-US" altLang="ko-KR" sz="2800" b="0" i="0" u="none" strike="noStrike" kern="1200" cap="none" spc="0" normalizeH="0" baseline="0" noProof="0" dirty="0">
                 <a:ln>
                   <a:noFill/>
@@ -7682,7 +6868,7 @@
                 <a:ea typeface="맑은 고딕" panose="020B0503020000020004" pitchFamily="50" charset="-127"/>
                 <a:cs typeface="+mj-cs"/>
               </a:rPr>
-              <a:t>1. </a:t>
+              <a:t> </a:t>
             </a:r>
             <a:endParaRPr kumimoji="0" lang="ko-KR" altLang="en-US" sz="2800" b="0" i="0" u="none" strike="noStrike" kern="1200" cap="none" spc="0" normalizeH="0" baseline="0" noProof="0" dirty="0">
               <a:ln>
@@ -7875,10 +7061,272 @@
           </a:p>
         </p:txBody>
       </p:sp>
+      <p:pic>
+        <p:nvPicPr>
+          <p:cNvPr id="6" name="그림 5">
+            <a:extLst>
+              <a:ext uri="{FF2B5EF4-FFF2-40B4-BE49-F238E27FC236}">
+                <a16:creationId xmlns:a16="http://schemas.microsoft.com/office/drawing/2014/main" id="{660987BF-95B6-4EA7-9066-2547F1A33429}"/>
+              </a:ext>
+            </a:extLst>
+          </p:cNvPr>
+          <p:cNvPicPr>
+            <a:picLocks noChangeAspect="1"/>
+          </p:cNvPicPr>
+          <p:nvPr/>
+        </p:nvPicPr>
+        <p:blipFill>
+          <a:blip r:embed="rId3"/>
+          <a:stretch>
+            <a:fillRect/>
+          </a:stretch>
+        </p:blipFill>
+        <p:spPr>
+          <a:xfrm>
+            <a:off x="2659905" y="2461627"/>
+            <a:ext cx="3114593" cy="3350237"/>
+          </a:xfrm>
+          <a:prstGeom prst="rect">
+            <a:avLst/>
+          </a:prstGeom>
+        </p:spPr>
+      </p:pic>
+      <p:sp>
+        <p:nvSpPr>
+          <p:cNvPr id="9" name="TextBox 8">
+            <a:extLst>
+              <a:ext uri="{FF2B5EF4-FFF2-40B4-BE49-F238E27FC236}">
+                <a16:creationId xmlns:a16="http://schemas.microsoft.com/office/drawing/2014/main" id="{3C0851F0-1051-4AA0-9F38-7BEDEB17248C}"/>
+              </a:ext>
+            </a:extLst>
+          </p:cNvPr>
+          <p:cNvSpPr txBox="1"/>
+          <p:nvPr/>
+        </p:nvSpPr>
+        <p:spPr>
+          <a:xfrm>
+            <a:off x="2379946" y="1784464"/>
+            <a:ext cx="7252570" cy="307777"/>
+          </a:xfrm>
+          <a:prstGeom prst="rect">
+            <a:avLst/>
+          </a:prstGeom>
+          <a:noFill/>
+          <a:ln w="9525">
+            <a:noFill/>
+          </a:ln>
+        </p:spPr>
+        <p:txBody>
+          <a:bodyPr wrap="square" rtlCol="0">
+            <a:spAutoFit/>
+          </a:bodyPr>
+          <a:lstStyle/>
+          <a:p>
+            <a:pPr algn="ctr"/>
+            <a:r>
+              <a:rPr lang="ko-KR" altLang="en-US" sz="1400" dirty="0">
+                <a:solidFill>
+                  <a:schemeClr val="bg1"/>
+                </a:solidFill>
+              </a:rPr>
+              <a:t>★ </a:t>
+            </a:r>
+            <a:r>
+              <a:rPr lang="en-US" altLang="ko-KR" sz="1400" dirty="0">
+                <a:solidFill>
+                  <a:schemeClr val="bg1"/>
+                </a:solidFill>
+              </a:rPr>
+              <a:t>t</a:t>
+            </a:r>
+            <a:r>
+              <a:rPr lang="en-US" altLang="ko-KR" sz="1400" dirty="0">
+                <a:solidFill>
+                  <a:schemeClr val="bg1"/>
+                </a:solidFill>
+                <a:latin typeface="+mj-lt"/>
+              </a:rPr>
+              <a:t>rain</a:t>
+            </a:r>
+            <a:r>
+              <a:rPr lang="ko-KR" altLang="en-US" sz="1400" dirty="0">
+                <a:solidFill>
+                  <a:schemeClr val="bg1"/>
+                </a:solidFill>
+                <a:latin typeface="+mj-lt"/>
+              </a:rPr>
+              <a:t>과 </a:t>
+            </a:r>
+            <a:r>
+              <a:rPr lang="en-US" altLang="ko-KR" sz="1400" dirty="0">
+                <a:solidFill>
+                  <a:schemeClr val="bg1"/>
+                </a:solidFill>
+                <a:latin typeface="+mj-lt"/>
+              </a:rPr>
+              <a:t>test</a:t>
+            </a:r>
+            <a:r>
+              <a:rPr lang="ko-KR" altLang="en-US" sz="1400" dirty="0">
+                <a:solidFill>
+                  <a:schemeClr val="bg1"/>
+                </a:solidFill>
+                <a:latin typeface="+mj-lt"/>
+              </a:rPr>
+              <a:t>의 컬럼 데이터 타입이 전부 숫자형으로 잘 </a:t>
+            </a:r>
+            <a:r>
+              <a:rPr lang="en-US" altLang="ko-KR" sz="1400" dirty="0">
+                <a:solidFill>
+                  <a:schemeClr val="bg1"/>
+                </a:solidFill>
+                <a:latin typeface="+mj-lt"/>
+              </a:rPr>
+              <a:t>Encoding</a:t>
+            </a:r>
+            <a:r>
+              <a:rPr lang="ko-KR" altLang="en-US" sz="1400" dirty="0">
+                <a:solidFill>
+                  <a:schemeClr val="bg1"/>
+                </a:solidFill>
+                <a:latin typeface="+mj-lt"/>
+              </a:rPr>
+              <a:t>되었는 지 확인합니다</a:t>
+            </a:r>
+            <a:r>
+              <a:rPr lang="en-US" altLang="ko-KR" sz="1400" dirty="0">
+                <a:solidFill>
+                  <a:schemeClr val="bg1"/>
+                </a:solidFill>
+                <a:latin typeface="+mj-lt"/>
+              </a:rPr>
+              <a:t>.</a:t>
+            </a:r>
+          </a:p>
+        </p:txBody>
+      </p:sp>
+      <p:sp>
+        <p:nvSpPr>
+          <p:cNvPr id="10" name="TextBox 9">
+            <a:extLst>
+              <a:ext uri="{FF2B5EF4-FFF2-40B4-BE49-F238E27FC236}">
+                <a16:creationId xmlns:a16="http://schemas.microsoft.com/office/drawing/2014/main" id="{827A4750-D802-4EAE-AC97-BC1ABA3C1B66}"/>
+              </a:ext>
+            </a:extLst>
+          </p:cNvPr>
+          <p:cNvSpPr txBox="1"/>
+          <p:nvPr/>
+        </p:nvSpPr>
+        <p:spPr>
+          <a:xfrm>
+            <a:off x="2659905" y="5935029"/>
+            <a:ext cx="2617940" cy="276999"/>
+          </a:xfrm>
+          <a:prstGeom prst="rect">
+            <a:avLst/>
+          </a:prstGeom>
+          <a:noFill/>
+        </p:spPr>
+        <p:txBody>
+          <a:bodyPr wrap="square" rtlCol="0">
+            <a:spAutoFit/>
+          </a:bodyPr>
+          <a:lstStyle/>
+          <a:p>
+            <a:r>
+              <a:rPr lang="en-US" altLang="ko-KR" sz="1200" dirty="0">
+                <a:solidFill>
+                  <a:schemeClr val="bg1"/>
+                </a:solidFill>
+              </a:rPr>
+              <a:t>▲train.info()</a:t>
+            </a:r>
+            <a:endParaRPr lang="ko-KR" altLang="en-US" sz="1200" dirty="0">
+              <a:solidFill>
+                <a:schemeClr val="bg1"/>
+              </a:solidFill>
+            </a:endParaRPr>
+          </a:p>
+        </p:txBody>
+      </p:sp>
+      <p:sp>
+        <p:nvSpPr>
+          <p:cNvPr id="13" name="TextBox 12">
+            <a:extLst>
+              <a:ext uri="{FF2B5EF4-FFF2-40B4-BE49-F238E27FC236}">
+                <a16:creationId xmlns:a16="http://schemas.microsoft.com/office/drawing/2014/main" id="{7A1021E3-4A1C-4873-98E7-856024D01846}"/>
+              </a:ext>
+            </a:extLst>
+          </p:cNvPr>
+          <p:cNvSpPr txBox="1"/>
+          <p:nvPr/>
+        </p:nvSpPr>
+        <p:spPr>
+          <a:xfrm>
+            <a:off x="6417504" y="5865446"/>
+            <a:ext cx="2617940" cy="276999"/>
+          </a:xfrm>
+          <a:prstGeom prst="rect">
+            <a:avLst/>
+          </a:prstGeom>
+          <a:noFill/>
+        </p:spPr>
+        <p:txBody>
+          <a:bodyPr wrap="square" rtlCol="0">
+            <a:spAutoFit/>
+          </a:bodyPr>
+          <a:lstStyle/>
+          <a:p>
+            <a:r>
+              <a:rPr lang="en-US" altLang="ko-KR" sz="1200" dirty="0">
+                <a:solidFill>
+                  <a:schemeClr val="bg1"/>
+                </a:solidFill>
+              </a:rPr>
+              <a:t>▲test.info()</a:t>
+            </a:r>
+            <a:endParaRPr lang="ko-KR" altLang="en-US" sz="1200" dirty="0">
+              <a:solidFill>
+                <a:schemeClr val="bg1"/>
+              </a:solidFill>
+            </a:endParaRPr>
+          </a:p>
+        </p:txBody>
+      </p:sp>
+      <p:pic>
+        <p:nvPicPr>
+          <p:cNvPr id="12" name="그림 11">
+            <a:extLst>
+              <a:ext uri="{FF2B5EF4-FFF2-40B4-BE49-F238E27FC236}">
+                <a16:creationId xmlns:a16="http://schemas.microsoft.com/office/drawing/2014/main" id="{6DDC6871-45DB-4A37-B5CF-A3326B983EE9}"/>
+              </a:ext>
+            </a:extLst>
+          </p:cNvPr>
+          <p:cNvPicPr>
+            <a:picLocks noChangeAspect="1"/>
+          </p:cNvPicPr>
+          <p:nvPr/>
+        </p:nvPicPr>
+        <p:blipFill>
+          <a:blip r:embed="rId4"/>
+          <a:stretch>
+            <a:fillRect/>
+          </a:stretch>
+        </p:blipFill>
+        <p:spPr>
+          <a:xfrm>
+            <a:off x="6417504" y="2461627"/>
+            <a:ext cx="2924583" cy="3311432"/>
+          </a:xfrm>
+          <a:prstGeom prst="rect">
+            <a:avLst/>
+          </a:prstGeom>
+        </p:spPr>
+      </p:pic>
     </p:spTree>
     <p:extLst>
       <p:ext uri="{BB962C8B-B14F-4D97-AF65-F5344CB8AC3E}">
-        <p14:creationId xmlns:p14="http://schemas.microsoft.com/office/powerpoint/2010/main" val="2711947337"/>
+        <p14:creationId xmlns:p14="http://schemas.microsoft.com/office/powerpoint/2010/main" val="2563078647"/>
       </p:ext>
     </p:extLst>
   </p:cSld>
@@ -8001,7 +7449,44 @@
                 <a:ea typeface="맑은 고딕" panose="020B0503020000020004" pitchFamily="50" charset="-127"/>
                 <a:cs typeface="+mj-cs"/>
               </a:rPr>
-              <a:t>1. </a:t>
+              <a:t>3. </a:t>
+            </a:r>
+            <a:r>
+              <a:rPr lang="ko-KR" altLang="en-US" sz="2800" dirty="0">
+                <a:solidFill>
+                  <a:prstClr val="black"/>
+                </a:solidFill>
+                <a:latin typeface="맑은 고딕" panose="020B0503020000020004" pitchFamily="50" charset="-127"/>
+                <a:ea typeface="맑은 고딕" panose="020B0503020000020004" pitchFamily="50" charset="-127"/>
+              </a:rPr>
+              <a:t>레이블 인코딩</a:t>
+            </a:r>
+            <a:r>
+              <a:rPr lang="en-US" altLang="ko-KR" sz="2800" dirty="0">
+                <a:solidFill>
+                  <a:prstClr val="black"/>
+                </a:solidFill>
+                <a:latin typeface="맑은 고딕" panose="020B0503020000020004" pitchFamily="50" charset="-127"/>
+                <a:ea typeface="맑은 고딕" panose="020B0503020000020004" pitchFamily="50" charset="-127"/>
+              </a:rPr>
+              <a:t>(Label Encoding)</a:t>
+            </a:r>
+            <a:r>
+              <a:rPr kumimoji="0" lang="en-US" altLang="ko-KR" sz="2800" b="0" i="0" u="none" strike="noStrike" kern="1200" cap="none" spc="0" normalizeH="0" baseline="0" noProof="0" dirty="0">
+                <a:ln>
+                  <a:noFill/>
+                </a:ln>
+                <a:solidFill>
+                  <a:prstClr val="black"/>
+                </a:solidFill>
+                <a:effectLst/>
+                <a:uLnTx/>
+                <a:uFillTx/>
+                <a:latin typeface="맑은 고딕" panose="020B0503020000020004" pitchFamily="50" charset="-127"/>
+                <a:ea typeface="맑은 고딕" panose="020B0503020000020004" pitchFamily="50" charset="-127"/>
+                <a:cs typeface="+mj-cs"/>
+              </a:rPr>
+              <a:t>  </a:t>
             </a:r>
             <a:endParaRPr kumimoji="0" lang="ko-KR" altLang="en-US" sz="2800" b="0" i="0" u="none" strike="noStrike" kern="1200" cap="none" spc="0" normalizeH="0" baseline="0" noProof="0" dirty="0">
               <a:ln>
@@ -8194,6 +7679,504 @@
           </a:p>
         </p:txBody>
       </p:sp>
+      <p:sp>
+        <p:nvSpPr>
+          <p:cNvPr id="6" name="TextBox 5">
+            <a:extLst>
+              <a:ext uri="{FF2B5EF4-FFF2-40B4-BE49-F238E27FC236}">
+                <a16:creationId xmlns:a16="http://schemas.microsoft.com/office/drawing/2014/main" id="{6F0E7FD4-DD1C-4DCD-8FAB-3C9BF1132E7D}"/>
+              </a:ext>
+            </a:extLst>
+          </p:cNvPr>
+          <p:cNvSpPr txBox="1"/>
+          <p:nvPr/>
+        </p:nvSpPr>
+        <p:spPr>
+          <a:xfrm>
+            <a:off x="535663" y="1730965"/>
+            <a:ext cx="11473733" cy="461665"/>
+          </a:xfrm>
+          <a:prstGeom prst="rect">
+            <a:avLst/>
+          </a:prstGeom>
+          <a:noFill/>
+        </p:spPr>
+        <p:txBody>
+          <a:bodyPr wrap="square" rtlCol="0">
+            <a:spAutoFit/>
+          </a:bodyPr>
+          <a:lstStyle/>
+          <a:p>
+            <a:r>
+              <a:rPr lang="ko-KR" altLang="en-US" sz="1200" dirty="0">
+                <a:solidFill>
+                  <a:schemeClr val="bg1"/>
+                </a:solidFill>
+              </a:rPr>
+              <a:t>★</a:t>
+            </a:r>
+            <a:r>
+              <a:rPr lang="ko-KR" altLang="en-US" sz="1200" b="1" dirty="0">
+                <a:solidFill>
+                  <a:schemeClr val="bg1"/>
+                </a:solidFill>
+              </a:rPr>
+              <a:t>레이블 인코딩</a:t>
+            </a:r>
+            <a:r>
+              <a:rPr lang="en-US" altLang="ko-KR" sz="1200" b="1" dirty="0">
+                <a:solidFill>
+                  <a:schemeClr val="bg1"/>
+                </a:solidFill>
+              </a:rPr>
+              <a:t>(Label Encoding)</a:t>
+            </a:r>
+          </a:p>
+          <a:p>
+            <a:r>
+              <a:rPr lang="en-US" altLang="ko-KR" sz="1100" dirty="0">
+                <a:solidFill>
+                  <a:schemeClr val="bg1"/>
+                </a:solidFill>
+              </a:rPr>
+              <a:t> - </a:t>
+            </a:r>
+            <a:r>
+              <a:rPr lang="ko-KR" altLang="en-US" sz="1100" dirty="0">
+                <a:solidFill>
+                  <a:schemeClr val="bg1"/>
+                </a:solidFill>
+              </a:rPr>
+              <a:t>타겟 값 </a:t>
+            </a:r>
+            <a:r>
+              <a:rPr lang="en-US" altLang="ko-KR" sz="1100" dirty="0">
+                <a:solidFill>
+                  <a:schemeClr val="bg1"/>
+                </a:solidFill>
+              </a:rPr>
+              <a:t>y</a:t>
+            </a:r>
+            <a:r>
+              <a:rPr lang="ko-KR" altLang="en-US" sz="1100" dirty="0">
+                <a:solidFill>
+                  <a:schemeClr val="bg1"/>
+                </a:solidFill>
+              </a:rPr>
+              <a:t>도 문자열을 숫자로 바꾸어 줍니다</a:t>
+            </a:r>
+            <a:r>
+              <a:rPr lang="en-US" altLang="ko-KR" sz="1100" dirty="0">
+                <a:solidFill>
+                  <a:schemeClr val="bg1"/>
+                </a:solidFill>
+              </a:rPr>
+              <a:t>. </a:t>
+            </a:r>
+            <a:r>
+              <a:rPr lang="ko-KR" altLang="en-US" sz="1100" dirty="0">
+                <a:solidFill>
+                  <a:schemeClr val="bg1"/>
+                </a:solidFill>
+              </a:rPr>
+              <a:t>각각의 범위는 </a:t>
+            </a:r>
+            <a:r>
+              <a:rPr lang="en-US" altLang="ko-KR" sz="1100" dirty="0">
+                <a:solidFill>
+                  <a:schemeClr val="bg1"/>
+                </a:solidFill>
+              </a:rPr>
+              <a:t>0</a:t>
+            </a:r>
+            <a:r>
+              <a:rPr lang="ko-KR" altLang="en-US" sz="1100" dirty="0">
+                <a:solidFill>
+                  <a:schemeClr val="bg1"/>
+                </a:solidFill>
+              </a:rPr>
+              <a:t>과 </a:t>
+            </a:r>
+            <a:r>
+              <a:rPr lang="en-US" altLang="ko-KR" sz="1100" dirty="0">
+                <a:solidFill>
+                  <a:schemeClr val="bg1"/>
+                </a:solidFill>
+              </a:rPr>
+              <a:t>1</a:t>
+            </a:r>
+            <a:r>
+              <a:rPr lang="ko-KR" altLang="en-US" sz="1100" dirty="0">
+                <a:solidFill>
+                  <a:schemeClr val="bg1"/>
+                </a:solidFill>
+              </a:rPr>
+              <a:t>로 분류하여 이진분류가 가능하도록 인코딩합니다</a:t>
+            </a:r>
+            <a:r>
+              <a:rPr lang="en-US" altLang="ko-KR" sz="1100" dirty="0">
+                <a:solidFill>
+                  <a:schemeClr val="bg1"/>
+                </a:solidFill>
+              </a:rPr>
+              <a:t>.</a:t>
+            </a:r>
+          </a:p>
+        </p:txBody>
+      </p:sp>
+      <p:sp>
+        <p:nvSpPr>
+          <p:cNvPr id="9" name="TextBox 8">
+            <a:extLst>
+              <a:ext uri="{FF2B5EF4-FFF2-40B4-BE49-F238E27FC236}">
+                <a16:creationId xmlns:a16="http://schemas.microsoft.com/office/drawing/2014/main" id="{7A8BA13D-EBD4-444E-B9A7-9713E1392FCB}"/>
+              </a:ext>
+            </a:extLst>
+          </p:cNvPr>
+          <p:cNvSpPr txBox="1"/>
+          <p:nvPr/>
+        </p:nvSpPr>
+        <p:spPr>
+          <a:xfrm>
+            <a:off x="7031048" y="3804607"/>
+            <a:ext cx="4755196" cy="769441"/>
+          </a:xfrm>
+          <a:prstGeom prst="rect">
+            <a:avLst/>
+          </a:prstGeom>
+          <a:noFill/>
+          <a:ln w="12700">
+            <a:solidFill>
+              <a:schemeClr val="accent4"/>
+            </a:solidFill>
+          </a:ln>
+        </p:spPr>
+        <p:txBody>
+          <a:bodyPr wrap="square" rtlCol="0">
+            <a:spAutoFit/>
+          </a:bodyPr>
+          <a:lstStyle/>
+          <a:p>
+            <a:pPr marL="171450" indent="-171450">
+              <a:buFontTx/>
+              <a:buChar char="-"/>
+            </a:pPr>
+            <a:r>
+              <a:rPr lang="ko-KR" altLang="en-US" sz="1100" dirty="0">
+                <a:solidFill>
+                  <a:schemeClr val="bg1"/>
+                </a:solidFill>
+              </a:rPr>
+              <a:t>타겟</a:t>
+            </a:r>
+            <a:r>
+              <a:rPr lang="en-US" altLang="ko-KR" sz="1100" dirty="0">
+                <a:solidFill>
+                  <a:schemeClr val="bg1"/>
+                </a:solidFill>
+              </a:rPr>
+              <a:t>(</a:t>
+            </a:r>
+            <a:r>
+              <a:rPr lang="en-US" altLang="ko-KR" sz="1100" dirty="0" err="1">
+                <a:solidFill>
+                  <a:schemeClr val="bg1"/>
+                </a:solidFill>
+              </a:rPr>
+              <a:t>y_train</a:t>
+            </a:r>
+            <a:r>
+              <a:rPr lang="en-US" altLang="ko-KR" sz="1100" dirty="0">
+                <a:solidFill>
+                  <a:schemeClr val="bg1"/>
+                </a:solidFill>
+              </a:rPr>
+              <a:t>)</a:t>
+            </a:r>
+            <a:r>
+              <a:rPr lang="ko-KR" altLang="en-US" sz="1100" dirty="0">
+                <a:solidFill>
+                  <a:schemeClr val="bg1"/>
+                </a:solidFill>
+              </a:rPr>
+              <a:t>의 값 중 문자열을 숫자로 변환합니다</a:t>
+            </a:r>
+            <a:r>
+              <a:rPr lang="en-US" altLang="ko-KR" sz="1100" dirty="0">
+                <a:solidFill>
+                  <a:schemeClr val="bg1"/>
+                </a:solidFill>
+              </a:rPr>
+              <a:t>.</a:t>
+            </a:r>
+          </a:p>
+          <a:p>
+            <a:pPr marL="171450" indent="-171450">
+              <a:buFontTx/>
+              <a:buChar char="-"/>
+            </a:pPr>
+            <a:r>
+              <a:rPr lang="en-US" altLang="ko-KR" sz="1100" dirty="0">
+                <a:solidFill>
+                  <a:schemeClr val="bg1"/>
+                </a:solidFill>
+              </a:rPr>
+              <a:t>‘&lt;=50K’ -&gt; 0</a:t>
+            </a:r>
+            <a:r>
+              <a:rPr lang="ko-KR" altLang="en-US" sz="1100" dirty="0">
+                <a:solidFill>
+                  <a:schemeClr val="bg1"/>
+                </a:solidFill>
+              </a:rPr>
+              <a:t>으로 </a:t>
+            </a:r>
+            <a:r>
+              <a:rPr lang="en-US" altLang="ko-KR" sz="1100" dirty="0">
+                <a:solidFill>
+                  <a:schemeClr val="bg1"/>
+                </a:solidFill>
+              </a:rPr>
+              <a:t>‘&gt;50K’ -&gt; 1</a:t>
+            </a:r>
+            <a:r>
+              <a:rPr lang="ko-KR" altLang="en-US" sz="1100" dirty="0">
+                <a:solidFill>
+                  <a:schemeClr val="bg1"/>
+                </a:solidFill>
+              </a:rPr>
+              <a:t>로 매핑</a:t>
+            </a:r>
+            <a:r>
+              <a:rPr lang="en-US" altLang="ko-KR" sz="1100" dirty="0">
+                <a:solidFill>
+                  <a:schemeClr val="bg1"/>
+                </a:solidFill>
+              </a:rPr>
+              <a:t>(</a:t>
+            </a:r>
+            <a:r>
+              <a:rPr lang="ko-KR" altLang="en-US" sz="1100" dirty="0">
+                <a:solidFill>
+                  <a:schemeClr val="bg1"/>
+                </a:solidFill>
+              </a:rPr>
+              <a:t>이진분류를 하기 위해서</a:t>
+            </a:r>
+            <a:r>
+              <a:rPr lang="en-US" altLang="ko-KR" sz="1100" dirty="0">
+                <a:solidFill>
+                  <a:schemeClr val="bg1"/>
+                </a:solidFill>
+              </a:rPr>
+              <a:t>)</a:t>
+            </a:r>
+          </a:p>
+          <a:p>
+            <a:pPr marL="171450" indent="-171450">
+              <a:buFontTx/>
+              <a:buChar char="-"/>
+            </a:pPr>
+            <a:endParaRPr lang="en-US" altLang="ko-KR" sz="1100" dirty="0">
+              <a:solidFill>
+                <a:schemeClr val="bg1"/>
+              </a:solidFill>
+            </a:endParaRPr>
+          </a:p>
+          <a:p>
+            <a:pPr marL="171450" indent="-171450">
+              <a:buFontTx/>
+              <a:buChar char="-"/>
+            </a:pPr>
+            <a:r>
+              <a:rPr lang="ko-KR" altLang="en-US" sz="1100" dirty="0">
+                <a:solidFill>
+                  <a:schemeClr val="bg1"/>
+                </a:solidFill>
+              </a:rPr>
+              <a:t>인코딩 된 결과에서 각 클래스</a:t>
+            </a:r>
+            <a:r>
+              <a:rPr lang="en-US" altLang="ko-KR" sz="1100" dirty="0">
+                <a:solidFill>
+                  <a:schemeClr val="bg1"/>
+                </a:solidFill>
+              </a:rPr>
+              <a:t>(0,1) </a:t>
+            </a:r>
+            <a:r>
+              <a:rPr lang="ko-KR" altLang="en-US" sz="1100" dirty="0">
+                <a:solidFill>
+                  <a:schemeClr val="bg1"/>
+                </a:solidFill>
+              </a:rPr>
+              <a:t>의 개수를 확인합니다</a:t>
+            </a:r>
+            <a:r>
+              <a:rPr lang="en-US" altLang="ko-KR" sz="1100" dirty="0">
+                <a:solidFill>
+                  <a:schemeClr val="bg1"/>
+                </a:solidFill>
+              </a:rPr>
+              <a:t>.</a:t>
+            </a:r>
+          </a:p>
+        </p:txBody>
+      </p:sp>
+      <p:pic>
+        <p:nvPicPr>
+          <p:cNvPr id="7" name="그림 6">
+            <a:extLst>
+              <a:ext uri="{FF2B5EF4-FFF2-40B4-BE49-F238E27FC236}">
+                <a16:creationId xmlns:a16="http://schemas.microsoft.com/office/drawing/2014/main" id="{07E65A66-56A4-4335-8D00-398DCFECB81B}"/>
+              </a:ext>
+            </a:extLst>
+          </p:cNvPr>
+          <p:cNvPicPr>
+            <a:picLocks noChangeAspect="1"/>
+          </p:cNvPicPr>
+          <p:nvPr/>
+        </p:nvPicPr>
+        <p:blipFill>
+          <a:blip r:embed="rId3"/>
+          <a:stretch>
+            <a:fillRect/>
+          </a:stretch>
+        </p:blipFill>
+        <p:spPr>
+          <a:xfrm>
+            <a:off x="720135" y="2361394"/>
+            <a:ext cx="4863647" cy="1560351"/>
+          </a:xfrm>
+          <a:prstGeom prst="rect">
+            <a:avLst/>
+          </a:prstGeom>
+        </p:spPr>
+      </p:pic>
+      <p:cxnSp>
+        <p:nvCxnSpPr>
+          <p:cNvPr id="12" name="연결선: 꺾임 11">
+            <a:extLst>
+              <a:ext uri="{FF2B5EF4-FFF2-40B4-BE49-F238E27FC236}">
+                <a16:creationId xmlns:a16="http://schemas.microsoft.com/office/drawing/2014/main" id="{86EB98A2-5CC2-4D8C-98A2-A887027A8468}"/>
+              </a:ext>
+            </a:extLst>
+          </p:cNvPr>
+          <p:cNvCxnSpPr>
+            <a:cxnSpLocks/>
+            <a:stCxn id="7" idx="3"/>
+            <a:endCxn id="9" idx="1"/>
+          </p:cNvCxnSpPr>
+          <p:nvPr/>
+        </p:nvCxnSpPr>
+        <p:spPr>
+          <a:xfrm>
+            <a:off x="5583782" y="3141570"/>
+            <a:ext cx="1447266" cy="1047758"/>
+          </a:xfrm>
+          <a:prstGeom prst="bentConnector3">
+            <a:avLst/>
+          </a:prstGeom>
+          <a:ln w="12700">
+            <a:solidFill>
+              <a:schemeClr val="accent4"/>
+            </a:solidFill>
+            <a:tailEnd type="triangle"/>
+          </a:ln>
+        </p:spPr>
+        <p:style>
+          <a:lnRef idx="1">
+            <a:schemeClr val="accent2"/>
+          </a:lnRef>
+          <a:fillRef idx="0">
+            <a:schemeClr val="accent2"/>
+          </a:fillRef>
+          <a:effectRef idx="0">
+            <a:schemeClr val="accent2"/>
+          </a:effectRef>
+          <a:fontRef idx="minor">
+            <a:schemeClr val="tx1"/>
+          </a:fontRef>
+        </p:style>
+      </p:cxnSp>
+      <p:pic>
+        <p:nvPicPr>
+          <p:cNvPr id="18" name="그림 17">
+            <a:extLst>
+              <a:ext uri="{FF2B5EF4-FFF2-40B4-BE49-F238E27FC236}">
+                <a16:creationId xmlns:a16="http://schemas.microsoft.com/office/drawing/2014/main" id="{2551C0B5-8C9D-48F1-AFD9-4E2842BED196}"/>
+              </a:ext>
+            </a:extLst>
+          </p:cNvPr>
+          <p:cNvPicPr>
+            <a:picLocks noChangeAspect="1"/>
+          </p:cNvPicPr>
+          <p:nvPr/>
+        </p:nvPicPr>
+        <p:blipFill>
+          <a:blip r:embed="rId4"/>
+          <a:stretch>
+            <a:fillRect/>
+          </a:stretch>
+        </p:blipFill>
+        <p:spPr>
+          <a:xfrm>
+            <a:off x="744375" y="4518467"/>
+            <a:ext cx="4851527" cy="1741574"/>
+          </a:xfrm>
+          <a:prstGeom prst="rect">
+            <a:avLst/>
+          </a:prstGeom>
+        </p:spPr>
+      </p:pic>
+      <p:cxnSp>
+        <p:nvCxnSpPr>
+          <p:cNvPr id="20" name="연결선: 꺾임 19">
+            <a:extLst>
+              <a:ext uri="{FF2B5EF4-FFF2-40B4-BE49-F238E27FC236}">
+                <a16:creationId xmlns:a16="http://schemas.microsoft.com/office/drawing/2014/main" id="{E35F9972-CB69-41CA-A1AC-2D7C4095AD74}"/>
+              </a:ext>
+            </a:extLst>
+          </p:cNvPr>
+          <p:cNvCxnSpPr>
+            <a:cxnSpLocks/>
+            <a:stCxn id="7" idx="2"/>
+            <a:endCxn id="18" idx="0"/>
+          </p:cNvCxnSpPr>
+          <p:nvPr/>
+        </p:nvCxnSpPr>
+        <p:spPr>
+          <a:xfrm rot="16200000" flipH="1">
+            <a:off x="2862688" y="4211016"/>
+            <a:ext cx="596722" cy="18180"/>
+          </a:xfrm>
+          <a:prstGeom prst="bentConnector3">
+            <a:avLst>
+              <a:gd name="adj1" fmla="val 50000"/>
+            </a:avLst>
+          </a:prstGeom>
+          <a:ln w="12700">
+            <a:solidFill>
+              <a:schemeClr val="accent4"/>
+            </a:solidFill>
+            <a:tailEnd type="triangle"/>
+          </a:ln>
+        </p:spPr>
+        <p:style>
+          <a:lnRef idx="1">
+            <a:schemeClr val="accent2"/>
+          </a:lnRef>
+          <a:fillRef idx="0">
+            <a:schemeClr val="accent2"/>
+          </a:fillRef>
+          <a:effectRef idx="0">
+            <a:schemeClr val="accent2"/>
+          </a:effectRef>
+          <a:fontRef idx="minor">
+            <a:schemeClr val="tx1"/>
+          </a:fontRef>
+        </p:style>
+      </p:cxnSp>
     </p:spTree>
     <p:extLst>
       <p:ext uri="{BB962C8B-B14F-4D97-AF65-F5344CB8AC3E}">
@@ -8306,6 +8289,16 @@
               <a:defRPr/>
             </a:pPr>
             <a:r>
+              <a:rPr lang="en-US" altLang="ko-KR" sz="2800" dirty="0">
+                <a:solidFill>
+                  <a:prstClr val="black"/>
+                </a:solidFill>
+                <a:latin typeface="맑은 고딕" panose="020B0503020000020004" pitchFamily="50" charset="-127"/>
+                <a:ea typeface="맑은 고딕" panose="020B0503020000020004" pitchFamily="50" charset="-127"/>
+              </a:rPr>
+              <a:t>4</a:t>
+            </a:r>
+            <a:r>
               <a:rPr kumimoji="0" lang="en-US" altLang="ko-KR" sz="2800" b="0" i="0" u="none" strike="noStrike" kern="1200" cap="none" spc="0" normalizeH="0" baseline="0" noProof="0" dirty="0">
                 <a:ln>
                   <a:noFill/>
@@ -8320,7 +8313,41 @@
                 <a:ea typeface="맑은 고딕" panose="020B0503020000020004" pitchFamily="50" charset="-127"/>
                 <a:cs typeface="+mj-cs"/>
               </a:rPr>
-              <a:t>1. </a:t>
+              <a:t>. </a:t>
+            </a:r>
+            <a:r>
+              <a:rPr kumimoji="0" lang="ko-KR" altLang="en-US" sz="2800" b="0" i="0" u="none" strike="noStrike" kern="1200" cap="none" spc="0" normalizeH="0" baseline="0" noProof="0" dirty="0">
+                <a:ln>
+                  <a:noFill/>
+                </a:ln>
+                <a:solidFill>
+                  <a:prstClr val="black"/>
+                </a:solidFill>
+                <a:effectLst/>
+                <a:uLnTx/>
+                <a:uFillTx/>
+                <a:latin typeface="맑은 고딕" panose="020B0503020000020004" pitchFamily="50" charset="-127"/>
+                <a:ea typeface="맑은 고딕" panose="020B0503020000020004" pitchFamily="50" charset="-127"/>
+                <a:cs typeface="+mj-cs"/>
+              </a:rPr>
+              <a:t>표준화 처리</a:t>
+            </a:r>
+            <a:r>
+              <a:rPr kumimoji="0" lang="en-US" altLang="ko-KR" sz="2800" b="0" i="0" u="none" strike="noStrike" kern="1200" cap="none" spc="0" normalizeH="0" baseline="0" noProof="0" dirty="0">
+                <a:ln>
+                  <a:noFill/>
+                </a:ln>
+                <a:solidFill>
+                  <a:prstClr val="black"/>
+                </a:solidFill>
+                <a:effectLst/>
+                <a:uLnTx/>
+                <a:uFillTx/>
+                <a:latin typeface="맑은 고딕" panose="020B0503020000020004" pitchFamily="50" charset="-127"/>
+                <a:ea typeface="맑은 고딕" panose="020B0503020000020004" pitchFamily="50" charset="-127"/>
+                <a:cs typeface="+mj-cs"/>
+              </a:rPr>
+              <a:t>(Standard Scaler)</a:t>
             </a:r>
             <a:endParaRPr kumimoji="0" lang="ko-KR" altLang="en-US" sz="2800" b="0" i="0" u="none" strike="noStrike" kern="1200" cap="none" spc="0" normalizeH="0" baseline="0" noProof="0" dirty="0">
               <a:ln>
@@ -8513,10 +8540,1171 @@
           </a:p>
         </p:txBody>
       </p:sp>
+      <p:pic>
+        <p:nvPicPr>
+          <p:cNvPr id="4" name="그림 3">
+            <a:extLst>
+              <a:ext uri="{FF2B5EF4-FFF2-40B4-BE49-F238E27FC236}">
+                <a16:creationId xmlns:a16="http://schemas.microsoft.com/office/drawing/2014/main" id="{13961DB5-D861-44A1-8450-6756B27FFC63}"/>
+              </a:ext>
+            </a:extLst>
+          </p:cNvPr>
+          <p:cNvPicPr>
+            <a:picLocks noChangeAspect="1"/>
+          </p:cNvPicPr>
+          <p:nvPr/>
+        </p:nvPicPr>
+        <p:blipFill>
+          <a:blip r:embed="rId3"/>
+          <a:stretch>
+            <a:fillRect/>
+          </a:stretch>
+        </p:blipFill>
+        <p:spPr>
+          <a:xfrm>
+            <a:off x="720135" y="2356750"/>
+            <a:ext cx="4436718" cy="1092050"/>
+          </a:xfrm>
+          <a:prstGeom prst="rect">
+            <a:avLst/>
+          </a:prstGeom>
+        </p:spPr>
+      </p:pic>
+      <p:sp>
+        <p:nvSpPr>
+          <p:cNvPr id="13" name="TextBox 12">
+            <a:extLst>
+              <a:ext uri="{FF2B5EF4-FFF2-40B4-BE49-F238E27FC236}">
+                <a16:creationId xmlns:a16="http://schemas.microsoft.com/office/drawing/2014/main" id="{B460C0B6-4E23-4E89-A6E8-7EA6F2B0A064}"/>
+              </a:ext>
+            </a:extLst>
+          </p:cNvPr>
+          <p:cNvSpPr txBox="1"/>
+          <p:nvPr/>
+        </p:nvSpPr>
+        <p:spPr>
+          <a:xfrm>
+            <a:off x="6996466" y="2290522"/>
+            <a:ext cx="4436718" cy="1446550"/>
+          </a:xfrm>
+          <a:prstGeom prst="rect">
+            <a:avLst/>
+          </a:prstGeom>
+          <a:noFill/>
+          <a:ln w="12700">
+            <a:solidFill>
+              <a:schemeClr val="accent4"/>
+            </a:solidFill>
+          </a:ln>
+        </p:spPr>
+        <p:txBody>
+          <a:bodyPr wrap="square" rtlCol="0">
+            <a:spAutoFit/>
+          </a:bodyPr>
+          <a:lstStyle/>
+          <a:p>
+            <a:pPr marL="171450" indent="-171450">
+              <a:buFontTx/>
+              <a:buChar char="-"/>
+            </a:pPr>
+            <a:r>
+              <a:rPr lang="ko-KR" altLang="en-US" sz="1100" dirty="0">
+                <a:solidFill>
+                  <a:schemeClr val="bg1"/>
+                </a:solidFill>
+              </a:rPr>
+              <a:t>스케일링</a:t>
+            </a:r>
+            <a:r>
+              <a:rPr lang="en-US" altLang="ko-KR" sz="1100" dirty="0">
+                <a:solidFill>
+                  <a:schemeClr val="bg1"/>
+                </a:solidFill>
+              </a:rPr>
+              <a:t>(</a:t>
+            </a:r>
+            <a:r>
+              <a:rPr lang="ko-KR" altLang="en-US" sz="1100" dirty="0">
+                <a:solidFill>
+                  <a:schemeClr val="bg1"/>
+                </a:solidFill>
+              </a:rPr>
+              <a:t>표준화</a:t>
+            </a:r>
+            <a:r>
+              <a:rPr lang="en-US" altLang="ko-KR" sz="1100" dirty="0">
+                <a:solidFill>
+                  <a:schemeClr val="bg1"/>
+                </a:solidFill>
+              </a:rPr>
+              <a:t>/</a:t>
+            </a:r>
+            <a:r>
+              <a:rPr lang="ko-KR" altLang="en-US" sz="1100" dirty="0">
+                <a:solidFill>
+                  <a:schemeClr val="bg1"/>
+                </a:solidFill>
+              </a:rPr>
+              <a:t>정규화</a:t>
+            </a:r>
+            <a:r>
+              <a:rPr lang="en-US" altLang="ko-KR" sz="1100" dirty="0">
+                <a:solidFill>
+                  <a:schemeClr val="bg1"/>
+                </a:solidFill>
+              </a:rPr>
+              <a:t>)</a:t>
+            </a:r>
+            <a:r>
+              <a:rPr lang="ko-KR" altLang="en-US" sz="1100" dirty="0">
+                <a:solidFill>
+                  <a:schemeClr val="bg1"/>
+                </a:solidFill>
+              </a:rPr>
+              <a:t>을 적용할 대상 변수들 선정</a:t>
+            </a:r>
+            <a:br>
+              <a:rPr lang="en-US" altLang="ko-KR" sz="1100" dirty="0">
+                <a:solidFill>
+                  <a:schemeClr val="bg1"/>
+                </a:solidFill>
+              </a:rPr>
+            </a:br>
+            <a:r>
+              <a:rPr lang="en-US" altLang="ko-KR" sz="1100" dirty="0">
+                <a:solidFill>
+                  <a:schemeClr val="bg1"/>
+                </a:solidFill>
+              </a:rPr>
+              <a:t>-&gt; age, </a:t>
+            </a:r>
+            <a:r>
+              <a:rPr lang="en-US" altLang="ko-KR" sz="1100" dirty="0" err="1">
+                <a:solidFill>
+                  <a:schemeClr val="bg1"/>
+                </a:solidFill>
+              </a:rPr>
+              <a:t>fnlwgt</a:t>
+            </a:r>
+            <a:r>
+              <a:rPr lang="en-US" altLang="ko-KR" sz="1100" dirty="0">
+                <a:solidFill>
+                  <a:schemeClr val="bg1"/>
+                </a:solidFill>
+              </a:rPr>
+              <a:t>, </a:t>
+            </a:r>
+            <a:r>
+              <a:rPr lang="en-US" altLang="ko-KR" sz="1100" dirty="0" err="1">
+                <a:solidFill>
+                  <a:schemeClr val="bg1"/>
+                </a:solidFill>
+              </a:rPr>
+              <a:t>education.num</a:t>
+            </a:r>
+            <a:r>
+              <a:rPr lang="en-US" altLang="ko-KR" sz="1100" dirty="0">
+                <a:solidFill>
+                  <a:schemeClr val="bg1"/>
+                </a:solidFill>
+              </a:rPr>
+              <a:t>, </a:t>
+            </a:r>
+            <a:r>
+              <a:rPr lang="en-US" altLang="ko-KR" sz="1100" dirty="0" err="1">
+                <a:solidFill>
+                  <a:schemeClr val="bg1"/>
+                </a:solidFill>
+              </a:rPr>
+              <a:t>capital.gain</a:t>
+            </a:r>
+            <a:r>
+              <a:rPr lang="en-US" altLang="ko-KR" sz="1100" dirty="0">
+                <a:solidFill>
+                  <a:schemeClr val="bg1"/>
+                </a:solidFill>
+              </a:rPr>
+              <a:t>, </a:t>
+            </a:r>
+            <a:r>
+              <a:rPr lang="en-US" altLang="ko-KR" sz="1100" dirty="0" err="1">
+                <a:solidFill>
+                  <a:schemeClr val="bg1"/>
+                </a:solidFill>
+              </a:rPr>
+              <a:t>capital.loss</a:t>
+            </a:r>
+            <a:r>
+              <a:rPr lang="en-US" altLang="ko-KR" sz="1100" dirty="0">
+                <a:solidFill>
+                  <a:schemeClr val="bg1"/>
+                </a:solidFill>
+              </a:rPr>
+              <a:t>, </a:t>
+            </a:r>
+            <a:r>
+              <a:rPr lang="en-US" altLang="ko-KR" sz="1100" dirty="0" err="1">
+                <a:solidFill>
+                  <a:schemeClr val="bg1"/>
+                </a:solidFill>
+              </a:rPr>
+              <a:t>hours.per.week</a:t>
+            </a:r>
+            <a:endParaRPr lang="en-US" altLang="ko-KR" sz="1100" dirty="0">
+              <a:solidFill>
+                <a:schemeClr val="bg1"/>
+              </a:solidFill>
+            </a:endParaRPr>
+          </a:p>
+          <a:p>
+            <a:pPr marL="171450" indent="-171450">
+              <a:buFontTx/>
+              <a:buChar char="-"/>
+            </a:pPr>
+            <a:endParaRPr lang="en-US" altLang="ko-KR" sz="1100" dirty="0">
+              <a:solidFill>
+                <a:schemeClr val="bg1"/>
+              </a:solidFill>
+            </a:endParaRPr>
+          </a:p>
+          <a:p>
+            <a:pPr marL="171450" indent="-171450">
+              <a:buFontTx/>
+              <a:buChar char="-"/>
+            </a:pPr>
+            <a:r>
+              <a:rPr lang="ko-KR" altLang="en-US" sz="1100" dirty="0">
+                <a:solidFill>
+                  <a:schemeClr val="bg1"/>
+                </a:solidFill>
+              </a:rPr>
+              <a:t>데이터를 매번 새롭게 불러오기 위해서 함수로 정의해줍니다</a:t>
+            </a:r>
+            <a:r>
+              <a:rPr lang="en-US" altLang="ko-KR" sz="1100" dirty="0">
+                <a:solidFill>
+                  <a:schemeClr val="bg1"/>
+                </a:solidFill>
+              </a:rPr>
+              <a:t>.</a:t>
+            </a:r>
+            <a:br>
+              <a:rPr lang="en-US" altLang="ko-KR" sz="1100" dirty="0">
+                <a:solidFill>
+                  <a:schemeClr val="bg1"/>
+                </a:solidFill>
+              </a:rPr>
+            </a:br>
+            <a:r>
+              <a:rPr lang="en-US" altLang="ko-KR" sz="1100" dirty="0">
+                <a:solidFill>
+                  <a:schemeClr val="bg1"/>
+                </a:solidFill>
+              </a:rPr>
+              <a:t>-&gt;</a:t>
+            </a:r>
+            <a:r>
+              <a:rPr lang="ko-KR" altLang="en-US" sz="1100" dirty="0">
+                <a:solidFill>
+                  <a:schemeClr val="bg1"/>
+                </a:solidFill>
+              </a:rPr>
+              <a:t>원본 데이터</a:t>
+            </a:r>
+            <a:r>
+              <a:rPr lang="en-US" altLang="ko-KR" sz="1100" dirty="0">
+                <a:solidFill>
+                  <a:schemeClr val="bg1"/>
+                </a:solidFill>
+              </a:rPr>
+              <a:t>(train, test)</a:t>
+            </a:r>
+            <a:r>
+              <a:rPr lang="ko-KR" altLang="en-US" sz="1100" dirty="0">
+                <a:solidFill>
+                  <a:schemeClr val="bg1"/>
+                </a:solidFill>
+              </a:rPr>
+              <a:t>를 손상시키지 않기 위해서</a:t>
+            </a:r>
+            <a:r>
+              <a:rPr lang="en-US" altLang="ko-KR" sz="1100" dirty="0">
+                <a:solidFill>
+                  <a:schemeClr val="bg1"/>
+                </a:solidFill>
+              </a:rPr>
+              <a:t>!</a:t>
+            </a:r>
+          </a:p>
+          <a:p>
+            <a:pPr marL="171450" indent="-171450">
+              <a:buFontTx/>
+              <a:buChar char="-"/>
+            </a:pPr>
+            <a:endParaRPr lang="en-US" altLang="ko-KR" sz="1100" dirty="0">
+              <a:solidFill>
+                <a:schemeClr val="bg1"/>
+              </a:solidFill>
+            </a:endParaRPr>
+          </a:p>
+          <a:p>
+            <a:pPr marL="171450" indent="-171450">
+              <a:buFontTx/>
+              <a:buChar char="-"/>
+            </a:pPr>
+            <a:r>
+              <a:rPr lang="en-US" altLang="ko-KR" sz="1100" dirty="0">
+                <a:solidFill>
+                  <a:schemeClr val="bg1"/>
+                </a:solidFill>
+              </a:rPr>
+              <a:t>Copy</a:t>
+            </a:r>
+            <a:r>
+              <a:rPr lang="ko-KR" altLang="en-US" sz="1100" dirty="0">
+                <a:solidFill>
+                  <a:schemeClr val="bg1"/>
+                </a:solidFill>
+              </a:rPr>
+              <a:t>본을 만들어서 저장합니다</a:t>
+            </a:r>
+            <a:r>
+              <a:rPr lang="en-US" altLang="ko-KR" sz="1100" dirty="0">
+                <a:solidFill>
+                  <a:schemeClr val="bg1"/>
+                </a:solidFill>
+              </a:rPr>
+              <a:t>.</a:t>
+            </a:r>
+          </a:p>
+        </p:txBody>
+      </p:sp>
+      <p:cxnSp>
+        <p:nvCxnSpPr>
+          <p:cNvPr id="14" name="연결선: 꺾임 13">
+            <a:extLst>
+              <a:ext uri="{FF2B5EF4-FFF2-40B4-BE49-F238E27FC236}">
+                <a16:creationId xmlns:a16="http://schemas.microsoft.com/office/drawing/2014/main" id="{F6D2C561-EC5D-4BB4-906E-14A84F5B15FF}"/>
+              </a:ext>
+            </a:extLst>
+          </p:cNvPr>
+          <p:cNvCxnSpPr>
+            <a:cxnSpLocks/>
+            <a:stCxn id="4" idx="3"/>
+            <a:endCxn id="13" idx="1"/>
+          </p:cNvCxnSpPr>
+          <p:nvPr/>
+        </p:nvCxnSpPr>
+        <p:spPr>
+          <a:xfrm>
+            <a:off x="5156853" y="2902775"/>
+            <a:ext cx="1839613" cy="111022"/>
+          </a:xfrm>
+          <a:prstGeom prst="bentConnector3">
+            <a:avLst>
+              <a:gd name="adj1" fmla="val 50000"/>
+            </a:avLst>
+          </a:prstGeom>
+          <a:ln w="12700">
+            <a:solidFill>
+              <a:schemeClr val="accent4"/>
+            </a:solidFill>
+            <a:tailEnd type="triangle"/>
+          </a:ln>
+        </p:spPr>
+        <p:style>
+          <a:lnRef idx="1">
+            <a:schemeClr val="accent2"/>
+          </a:lnRef>
+          <a:fillRef idx="0">
+            <a:schemeClr val="accent2"/>
+          </a:fillRef>
+          <a:effectRef idx="0">
+            <a:schemeClr val="accent2"/>
+          </a:effectRef>
+          <a:fontRef idx="minor">
+            <a:schemeClr val="tx1"/>
+          </a:fontRef>
+        </p:style>
+      </p:cxnSp>
+      <p:cxnSp>
+        <p:nvCxnSpPr>
+          <p:cNvPr id="62" name="연결선: 꺾임 61">
+            <a:extLst>
+              <a:ext uri="{FF2B5EF4-FFF2-40B4-BE49-F238E27FC236}">
+                <a16:creationId xmlns:a16="http://schemas.microsoft.com/office/drawing/2014/main" id="{DE6EE279-8237-4BD4-A9EE-E4734C9F23FB}"/>
+              </a:ext>
+            </a:extLst>
+          </p:cNvPr>
+          <p:cNvCxnSpPr>
+            <a:cxnSpLocks/>
+            <a:stCxn id="4" idx="2"/>
+            <a:endCxn id="68" idx="0"/>
+          </p:cNvCxnSpPr>
+          <p:nvPr/>
+        </p:nvCxnSpPr>
+        <p:spPr>
+          <a:xfrm rot="16200000" flipH="1">
+            <a:off x="2876332" y="3510961"/>
+            <a:ext cx="124324" cy="1"/>
+          </a:xfrm>
+          <a:prstGeom prst="bentConnector3">
+            <a:avLst>
+              <a:gd name="adj1" fmla="val 50000"/>
+            </a:avLst>
+          </a:prstGeom>
+          <a:ln w="12700">
+            <a:solidFill>
+              <a:schemeClr val="accent4"/>
+            </a:solidFill>
+            <a:tailEnd type="triangle"/>
+          </a:ln>
+        </p:spPr>
+        <p:style>
+          <a:lnRef idx="1">
+            <a:schemeClr val="accent2"/>
+          </a:lnRef>
+          <a:fillRef idx="0">
+            <a:schemeClr val="accent2"/>
+          </a:fillRef>
+          <a:effectRef idx="0">
+            <a:schemeClr val="accent2"/>
+          </a:effectRef>
+          <a:fontRef idx="minor">
+            <a:schemeClr val="tx1"/>
+          </a:fontRef>
+        </p:style>
+      </p:cxnSp>
+      <p:sp>
+        <p:nvSpPr>
+          <p:cNvPr id="66" name="TextBox 65">
+            <a:extLst>
+              <a:ext uri="{FF2B5EF4-FFF2-40B4-BE49-F238E27FC236}">
+                <a16:creationId xmlns:a16="http://schemas.microsoft.com/office/drawing/2014/main" id="{3D93894E-468E-4037-9464-FEFC04DE54B7}"/>
+              </a:ext>
+            </a:extLst>
+          </p:cNvPr>
+          <p:cNvSpPr txBox="1"/>
+          <p:nvPr/>
+        </p:nvSpPr>
+        <p:spPr>
+          <a:xfrm>
+            <a:off x="535663" y="1556467"/>
+            <a:ext cx="11473733" cy="784830"/>
+          </a:xfrm>
+          <a:prstGeom prst="rect">
+            <a:avLst/>
+          </a:prstGeom>
+          <a:noFill/>
+        </p:spPr>
+        <p:txBody>
+          <a:bodyPr wrap="square" rtlCol="0">
+            <a:spAutoFit/>
+          </a:bodyPr>
+          <a:lstStyle/>
+          <a:p>
+            <a:r>
+              <a:rPr lang="ko-KR" altLang="en-US" sz="1200" b="1" dirty="0">
+                <a:solidFill>
+                  <a:schemeClr val="bg1"/>
+                </a:solidFill>
+              </a:rPr>
+              <a:t>★표준화 처리</a:t>
+            </a:r>
+            <a:r>
+              <a:rPr lang="en-US" altLang="ko-KR" sz="1200" b="1" dirty="0">
+                <a:solidFill>
+                  <a:schemeClr val="bg1"/>
+                </a:solidFill>
+              </a:rPr>
+              <a:t>(Standard)</a:t>
+            </a:r>
+          </a:p>
+          <a:p>
+            <a:pPr marL="171450" indent="-171450">
+              <a:buFontTx/>
+              <a:buChar char="-"/>
+            </a:pPr>
+            <a:r>
+              <a:rPr lang="ko-KR" altLang="en-US" sz="1100" dirty="0">
+                <a:solidFill>
+                  <a:schemeClr val="bg1"/>
+                </a:solidFill>
+              </a:rPr>
+              <a:t>표준화 </a:t>
+            </a:r>
+            <a:r>
+              <a:rPr lang="ko-KR" altLang="en-US" sz="1100" dirty="0" err="1">
+                <a:solidFill>
+                  <a:schemeClr val="bg1"/>
+                </a:solidFill>
+              </a:rPr>
+              <a:t>처리란</a:t>
+            </a:r>
+            <a:r>
+              <a:rPr lang="ko-KR" altLang="en-US" sz="1100" dirty="0">
+                <a:solidFill>
+                  <a:schemeClr val="bg1"/>
+                </a:solidFill>
+              </a:rPr>
+              <a:t> 각 </a:t>
+            </a:r>
+            <a:r>
+              <a:rPr lang="en-US" altLang="ko-KR" sz="1100" dirty="0">
+                <a:solidFill>
+                  <a:schemeClr val="bg1"/>
+                </a:solidFill>
+              </a:rPr>
+              <a:t>feature(</a:t>
+            </a:r>
+            <a:r>
+              <a:rPr lang="ko-KR" altLang="en-US" sz="1100" dirty="0">
+                <a:solidFill>
+                  <a:schemeClr val="bg1"/>
+                </a:solidFill>
+              </a:rPr>
+              <a:t>변수</a:t>
+            </a:r>
+            <a:r>
+              <a:rPr lang="en-US" altLang="ko-KR" sz="1100" dirty="0">
+                <a:solidFill>
+                  <a:schemeClr val="bg1"/>
+                </a:solidFill>
+              </a:rPr>
+              <a:t>)</a:t>
+            </a:r>
+            <a:r>
+              <a:rPr lang="ko-KR" altLang="en-US" sz="1100" dirty="0">
+                <a:solidFill>
+                  <a:schemeClr val="bg1"/>
+                </a:solidFill>
+              </a:rPr>
+              <a:t>를 평균이 </a:t>
+            </a:r>
+            <a:r>
+              <a:rPr lang="en-US" altLang="ko-KR" sz="1100" dirty="0">
+                <a:solidFill>
+                  <a:schemeClr val="bg1"/>
+                </a:solidFill>
+              </a:rPr>
+              <a:t>0, </a:t>
+            </a:r>
+            <a:r>
+              <a:rPr lang="ko-KR" altLang="en-US" sz="1100" dirty="0">
+                <a:solidFill>
+                  <a:schemeClr val="bg1"/>
+                </a:solidFill>
+              </a:rPr>
+              <a:t>표준편차가 </a:t>
+            </a:r>
+            <a:r>
+              <a:rPr lang="en-US" altLang="ko-KR" sz="1100" dirty="0">
+                <a:solidFill>
+                  <a:schemeClr val="bg1"/>
+                </a:solidFill>
+              </a:rPr>
+              <a:t>1</a:t>
+            </a:r>
+            <a:r>
+              <a:rPr lang="ko-KR" altLang="en-US" sz="1100" dirty="0">
+                <a:solidFill>
+                  <a:schemeClr val="bg1"/>
+                </a:solidFill>
+              </a:rPr>
+              <a:t>이 되도록 변환해 주는 과정을 말합니다</a:t>
+            </a:r>
+            <a:r>
+              <a:rPr lang="en-US" altLang="ko-KR" sz="1100" dirty="0">
+                <a:solidFill>
+                  <a:schemeClr val="bg1"/>
+                </a:solidFill>
+              </a:rPr>
+              <a:t>.</a:t>
+            </a:r>
+          </a:p>
+          <a:p>
+            <a:pPr marL="171450" indent="-171450">
+              <a:buFontTx/>
+              <a:buChar char="-"/>
+            </a:pPr>
+            <a:r>
+              <a:rPr lang="ko-KR" altLang="en-US" sz="1100" dirty="0">
+                <a:solidFill>
+                  <a:schemeClr val="bg1"/>
+                </a:solidFill>
+              </a:rPr>
+              <a:t>변수마다 값의 범주가 다르기 때문에 학습을 할 때는 범주의 절대적 크기가 큰 것을 중요하다고 판단할 수 있기 때문에 모든 변수의 크기를 비슷한 규모로 </a:t>
+            </a:r>
+            <a:r>
+              <a:rPr lang="ko-KR" altLang="en-US" sz="1100" dirty="0" err="1">
+                <a:solidFill>
+                  <a:schemeClr val="bg1"/>
+                </a:solidFill>
+              </a:rPr>
+              <a:t>맞추어줘야지만</a:t>
+            </a:r>
+            <a:r>
+              <a:rPr lang="ko-KR" altLang="en-US" sz="1100" dirty="0">
+                <a:solidFill>
+                  <a:schemeClr val="bg1"/>
+                </a:solidFill>
+              </a:rPr>
+              <a:t> 모델이 공정하게 학습할 수 있습니다</a:t>
+            </a:r>
+            <a:r>
+              <a:rPr lang="en-US" altLang="ko-KR" sz="1100" dirty="0">
+                <a:solidFill>
+                  <a:schemeClr val="bg1"/>
+                </a:solidFill>
+              </a:rPr>
+              <a:t>.</a:t>
+            </a:r>
+          </a:p>
+        </p:txBody>
+      </p:sp>
+      <p:pic>
+        <p:nvPicPr>
+          <p:cNvPr id="68" name="그림 67">
+            <a:extLst>
+              <a:ext uri="{FF2B5EF4-FFF2-40B4-BE49-F238E27FC236}">
+                <a16:creationId xmlns:a16="http://schemas.microsoft.com/office/drawing/2014/main" id="{DCC77587-2A94-4CF7-A003-D4587CF64910}"/>
+              </a:ext>
+            </a:extLst>
+          </p:cNvPr>
+          <p:cNvPicPr>
+            <a:picLocks noChangeAspect="1"/>
+          </p:cNvPicPr>
+          <p:nvPr/>
+        </p:nvPicPr>
+        <p:blipFill>
+          <a:blip r:embed="rId4"/>
+          <a:stretch>
+            <a:fillRect/>
+          </a:stretch>
+        </p:blipFill>
+        <p:spPr>
+          <a:xfrm>
+            <a:off x="720135" y="3573124"/>
+            <a:ext cx="4436719" cy="1376533"/>
+          </a:xfrm>
+          <a:prstGeom prst="rect">
+            <a:avLst/>
+          </a:prstGeom>
+        </p:spPr>
+      </p:pic>
+      <p:cxnSp>
+        <p:nvCxnSpPr>
+          <p:cNvPr id="74" name="연결선: 꺾임 73">
+            <a:extLst>
+              <a:ext uri="{FF2B5EF4-FFF2-40B4-BE49-F238E27FC236}">
+                <a16:creationId xmlns:a16="http://schemas.microsoft.com/office/drawing/2014/main" id="{79D4FD73-CE58-4633-912E-9E6319421AB5}"/>
+              </a:ext>
+            </a:extLst>
+          </p:cNvPr>
+          <p:cNvCxnSpPr>
+            <a:cxnSpLocks/>
+            <a:stCxn id="68" idx="3"/>
+            <a:endCxn id="77" idx="1"/>
+          </p:cNvCxnSpPr>
+          <p:nvPr/>
+        </p:nvCxnSpPr>
+        <p:spPr>
+          <a:xfrm>
+            <a:off x="5156854" y="4261391"/>
+            <a:ext cx="1839612" cy="1040142"/>
+          </a:xfrm>
+          <a:prstGeom prst="bentConnector3">
+            <a:avLst>
+              <a:gd name="adj1" fmla="val 50000"/>
+            </a:avLst>
+          </a:prstGeom>
+          <a:ln w="12700">
+            <a:solidFill>
+              <a:schemeClr val="accent4"/>
+            </a:solidFill>
+            <a:tailEnd type="triangle"/>
+          </a:ln>
+        </p:spPr>
+        <p:style>
+          <a:lnRef idx="1">
+            <a:schemeClr val="accent2"/>
+          </a:lnRef>
+          <a:fillRef idx="0">
+            <a:schemeClr val="accent2"/>
+          </a:fillRef>
+          <a:effectRef idx="0">
+            <a:schemeClr val="accent2"/>
+          </a:effectRef>
+          <a:fontRef idx="minor">
+            <a:schemeClr val="tx1"/>
+          </a:fontRef>
+        </p:style>
+      </p:cxnSp>
+      <p:sp>
+        <p:nvSpPr>
+          <p:cNvPr id="77" name="TextBox 76">
+            <a:extLst>
+              <a:ext uri="{FF2B5EF4-FFF2-40B4-BE49-F238E27FC236}">
+                <a16:creationId xmlns:a16="http://schemas.microsoft.com/office/drawing/2014/main" id="{EC057D1E-AC65-4B3A-9128-030CF114007A}"/>
+              </a:ext>
+            </a:extLst>
+          </p:cNvPr>
+          <p:cNvSpPr txBox="1"/>
+          <p:nvPr/>
+        </p:nvSpPr>
+        <p:spPr>
+          <a:xfrm>
+            <a:off x="6996466" y="4324342"/>
+            <a:ext cx="4436718" cy="1954381"/>
+          </a:xfrm>
+          <a:prstGeom prst="rect">
+            <a:avLst/>
+          </a:prstGeom>
+          <a:noFill/>
+          <a:ln w="12700">
+            <a:solidFill>
+              <a:schemeClr val="accent4"/>
+            </a:solidFill>
+          </a:ln>
+        </p:spPr>
+        <p:txBody>
+          <a:bodyPr wrap="square" rtlCol="0">
+            <a:spAutoFit/>
+          </a:bodyPr>
+          <a:lstStyle/>
+          <a:p>
+            <a:pPr marL="171450" indent="-171450">
+              <a:buFontTx/>
+              <a:buChar char="-"/>
+            </a:pPr>
+            <a:r>
+              <a:rPr lang="ko-KR" altLang="en-US" sz="1100" dirty="0">
+                <a:solidFill>
+                  <a:schemeClr val="bg1"/>
+                </a:solidFill>
+              </a:rPr>
+              <a:t>표준화</a:t>
+            </a:r>
+            <a:r>
+              <a:rPr lang="en-US" altLang="ko-KR" sz="1100" dirty="0">
+                <a:solidFill>
+                  <a:schemeClr val="bg1"/>
+                </a:solidFill>
+              </a:rPr>
+              <a:t>(Standardization)</a:t>
+            </a:r>
+            <a:r>
+              <a:rPr lang="ko-KR" altLang="en-US" sz="1100" dirty="0">
+                <a:solidFill>
+                  <a:schemeClr val="bg1"/>
+                </a:solidFill>
+              </a:rPr>
+              <a:t>로 각 변수들의 평균은 </a:t>
+            </a:r>
+            <a:r>
+              <a:rPr lang="en-US" altLang="ko-KR" sz="1100" dirty="0">
+                <a:solidFill>
+                  <a:schemeClr val="bg1"/>
+                </a:solidFill>
+              </a:rPr>
+              <a:t>0, </a:t>
+            </a:r>
+            <a:r>
+              <a:rPr lang="ko-KR" altLang="en-US" sz="1100" dirty="0">
+                <a:solidFill>
+                  <a:schemeClr val="bg1"/>
+                </a:solidFill>
+              </a:rPr>
+              <a:t>표준편차는 </a:t>
+            </a:r>
+            <a:r>
+              <a:rPr lang="en-US" altLang="ko-KR" sz="1100" dirty="0">
+                <a:solidFill>
+                  <a:schemeClr val="bg1"/>
+                </a:solidFill>
+              </a:rPr>
+              <a:t>1</a:t>
+            </a:r>
+            <a:r>
+              <a:rPr lang="ko-KR" altLang="en-US" sz="1100" dirty="0">
+                <a:solidFill>
+                  <a:schemeClr val="bg1"/>
+                </a:solidFill>
+              </a:rPr>
+              <a:t>로 변환해줍니다</a:t>
+            </a:r>
+            <a:r>
+              <a:rPr lang="en-US" altLang="ko-KR" sz="1100" dirty="0">
+                <a:solidFill>
+                  <a:schemeClr val="bg1"/>
+                </a:solidFill>
+              </a:rPr>
+              <a:t>.</a:t>
+            </a:r>
+          </a:p>
+          <a:p>
+            <a:pPr marL="171450" indent="-171450">
+              <a:buFontTx/>
+              <a:buChar char="-"/>
+            </a:pPr>
+            <a:r>
+              <a:rPr lang="ko-KR" altLang="en-US" sz="1100" dirty="0">
+                <a:solidFill>
+                  <a:schemeClr val="bg1"/>
+                </a:solidFill>
+              </a:rPr>
+              <a:t>원본 데이터를 보호하기 위해서 복사해서 사용해줍니다</a:t>
+            </a:r>
+            <a:r>
+              <a:rPr lang="en-US" altLang="ko-KR" sz="1100" dirty="0">
+                <a:solidFill>
+                  <a:schemeClr val="bg1"/>
+                </a:solidFill>
+              </a:rPr>
+              <a:t>.</a:t>
+            </a:r>
+          </a:p>
+          <a:p>
+            <a:pPr marL="171450" indent="-171450">
+              <a:buFontTx/>
+              <a:buChar char="-"/>
+            </a:pPr>
+            <a:r>
+              <a:rPr lang="en-US" altLang="ko-KR" sz="1100" dirty="0" err="1">
+                <a:solidFill>
+                  <a:schemeClr val="bg1"/>
+                </a:solidFill>
+              </a:rPr>
+              <a:t>Sklearn</a:t>
+            </a:r>
+            <a:r>
+              <a:rPr lang="ko-KR" altLang="en-US" sz="1100" dirty="0">
+                <a:solidFill>
+                  <a:schemeClr val="bg1"/>
+                </a:solidFill>
+              </a:rPr>
+              <a:t>에서 </a:t>
+            </a:r>
+            <a:r>
+              <a:rPr lang="en-US" altLang="ko-KR" sz="1100" dirty="0" err="1">
+                <a:solidFill>
+                  <a:schemeClr val="bg1"/>
+                </a:solidFill>
+              </a:rPr>
+              <a:t>standardScaler</a:t>
+            </a:r>
+            <a:r>
+              <a:rPr lang="ko-KR" altLang="en-US" sz="1100" dirty="0">
+                <a:solidFill>
+                  <a:schemeClr val="bg1"/>
+                </a:solidFill>
+              </a:rPr>
+              <a:t>를 불러와 사용합니다</a:t>
+            </a:r>
+            <a:r>
+              <a:rPr lang="en-US" altLang="ko-KR" sz="1100" dirty="0">
+                <a:solidFill>
+                  <a:schemeClr val="bg1"/>
+                </a:solidFill>
+              </a:rPr>
+              <a:t>.</a:t>
+            </a:r>
+          </a:p>
+          <a:p>
+            <a:pPr marL="171450" indent="-171450">
+              <a:buFontTx/>
+              <a:buChar char="-"/>
+            </a:pPr>
+            <a:r>
+              <a:rPr lang="ko-KR" altLang="en-US" sz="1100" dirty="0">
+                <a:solidFill>
+                  <a:schemeClr val="bg1"/>
+                </a:solidFill>
+              </a:rPr>
+              <a:t>표준화 이후의 변환된 데이터와 비교하기 위해 스케일링 전 </a:t>
+            </a:r>
+            <a:r>
+              <a:rPr lang="en-US" altLang="ko-KR" sz="1100" dirty="0">
+                <a:solidFill>
+                  <a:schemeClr val="bg1"/>
+                </a:solidFill>
+              </a:rPr>
+              <a:t>2</a:t>
+            </a:r>
+            <a:r>
+              <a:rPr lang="ko-KR" altLang="en-US" sz="1100" dirty="0">
+                <a:solidFill>
+                  <a:schemeClr val="bg1"/>
+                </a:solidFill>
+              </a:rPr>
+              <a:t>개정도 데이터를 확인해줍니다</a:t>
+            </a:r>
+            <a:r>
+              <a:rPr lang="en-US" altLang="ko-KR" sz="1100" dirty="0">
+                <a:solidFill>
+                  <a:schemeClr val="bg1"/>
+                </a:solidFill>
+              </a:rPr>
+              <a:t>.</a:t>
+            </a:r>
+          </a:p>
+          <a:p>
+            <a:pPr marL="171450" indent="-171450">
+              <a:buFontTx/>
+              <a:buChar char="-"/>
+            </a:pPr>
+            <a:r>
+              <a:rPr lang="en-US" altLang="ko-KR" sz="1100" dirty="0">
+                <a:solidFill>
+                  <a:schemeClr val="bg1"/>
+                </a:solidFill>
+              </a:rPr>
+              <a:t>Train </a:t>
+            </a:r>
+            <a:r>
+              <a:rPr lang="ko-KR" altLang="en-US" sz="1100" dirty="0">
+                <a:solidFill>
+                  <a:schemeClr val="bg1"/>
+                </a:solidFill>
+              </a:rPr>
+              <a:t>데이터의 수치형 컬럼 기준으로 평균과 표준편차 계산을 하고 변환해줍니다</a:t>
+            </a:r>
+            <a:r>
+              <a:rPr lang="en-US" altLang="ko-KR" sz="1100" dirty="0">
+                <a:solidFill>
+                  <a:schemeClr val="bg1"/>
+                </a:solidFill>
+              </a:rPr>
+              <a:t>.</a:t>
+            </a:r>
+          </a:p>
+          <a:p>
+            <a:pPr marL="171450" indent="-171450">
+              <a:buFontTx/>
+              <a:buChar char="-"/>
+            </a:pPr>
+            <a:r>
+              <a:rPr lang="en-US" altLang="ko-KR" sz="1100" dirty="0">
+                <a:solidFill>
+                  <a:schemeClr val="bg1"/>
+                </a:solidFill>
+              </a:rPr>
+              <a:t>Test</a:t>
+            </a:r>
+            <a:r>
+              <a:rPr lang="ko-KR" altLang="en-US" sz="1100" dirty="0">
+                <a:solidFill>
+                  <a:schemeClr val="bg1"/>
+                </a:solidFill>
+              </a:rPr>
+              <a:t>는 </a:t>
+            </a:r>
+            <a:r>
+              <a:rPr lang="en-US" altLang="ko-KR" sz="1100" dirty="0">
+                <a:solidFill>
+                  <a:schemeClr val="bg1"/>
+                </a:solidFill>
+              </a:rPr>
+              <a:t>train </a:t>
+            </a:r>
+            <a:r>
+              <a:rPr lang="ko-KR" altLang="en-US" sz="1100" dirty="0">
+                <a:solidFill>
+                  <a:schemeClr val="bg1"/>
+                </a:solidFill>
+              </a:rPr>
+              <a:t>데이터의 기준으로만 변환해줍니다</a:t>
+            </a:r>
+            <a:r>
+              <a:rPr lang="en-US" altLang="ko-KR" sz="1100" dirty="0">
+                <a:solidFill>
+                  <a:schemeClr val="bg1"/>
+                </a:solidFill>
+              </a:rPr>
+              <a:t>.</a:t>
+            </a:r>
+          </a:p>
+          <a:p>
+            <a:pPr marL="171450" indent="-171450">
+              <a:buFontTx/>
+              <a:buChar char="-"/>
+            </a:pPr>
+            <a:endParaRPr lang="en-US" altLang="ko-KR" sz="1100" dirty="0">
+              <a:solidFill>
+                <a:schemeClr val="bg1"/>
+              </a:solidFill>
+            </a:endParaRPr>
+          </a:p>
+          <a:p>
+            <a:pPr marL="171450" indent="-171450">
+              <a:buFontTx/>
+              <a:buChar char="-"/>
+            </a:pPr>
+            <a:r>
+              <a:rPr lang="ko-KR" altLang="en-US" sz="1100" dirty="0">
+                <a:solidFill>
+                  <a:schemeClr val="bg1"/>
+                </a:solidFill>
+              </a:rPr>
+              <a:t>스케일링 후 데이터 </a:t>
+            </a:r>
+            <a:r>
+              <a:rPr lang="en-US" altLang="ko-KR" sz="1100" dirty="0">
+                <a:solidFill>
+                  <a:schemeClr val="bg1"/>
+                </a:solidFill>
+              </a:rPr>
+              <a:t>2</a:t>
+            </a:r>
+            <a:r>
+              <a:rPr lang="ko-KR" altLang="en-US" sz="1100" dirty="0">
+                <a:solidFill>
+                  <a:schemeClr val="bg1"/>
+                </a:solidFill>
+              </a:rPr>
+              <a:t>개 정도를 확인해줍니다</a:t>
+            </a:r>
+            <a:r>
+              <a:rPr lang="en-US" altLang="ko-KR" sz="1100" dirty="0">
+                <a:solidFill>
+                  <a:schemeClr val="bg1"/>
+                </a:solidFill>
+              </a:rPr>
+              <a:t>!!</a:t>
+            </a:r>
+          </a:p>
+        </p:txBody>
+      </p:sp>
+      <p:pic>
+        <p:nvPicPr>
+          <p:cNvPr id="81" name="그림 80">
+            <a:extLst>
+              <a:ext uri="{FF2B5EF4-FFF2-40B4-BE49-F238E27FC236}">
+                <a16:creationId xmlns:a16="http://schemas.microsoft.com/office/drawing/2014/main" id="{BCC575E7-0D3A-4EED-814C-044227088820}"/>
+              </a:ext>
+            </a:extLst>
+          </p:cNvPr>
+          <p:cNvPicPr>
+            <a:picLocks noChangeAspect="1"/>
+          </p:cNvPicPr>
+          <p:nvPr/>
+        </p:nvPicPr>
+        <p:blipFill>
+          <a:blip r:embed="rId5"/>
+          <a:stretch>
+            <a:fillRect/>
+          </a:stretch>
+        </p:blipFill>
+        <p:spPr>
+          <a:xfrm>
+            <a:off x="720133" y="5059441"/>
+            <a:ext cx="4436719" cy="1659261"/>
+          </a:xfrm>
+          <a:prstGeom prst="rect">
+            <a:avLst/>
+          </a:prstGeom>
+        </p:spPr>
+      </p:pic>
+      <p:cxnSp>
+        <p:nvCxnSpPr>
+          <p:cNvPr id="108" name="연결선: 꺾임 107">
+            <a:extLst>
+              <a:ext uri="{FF2B5EF4-FFF2-40B4-BE49-F238E27FC236}">
+                <a16:creationId xmlns:a16="http://schemas.microsoft.com/office/drawing/2014/main" id="{5C071DC0-5E97-44B9-9447-6FDB8841B916}"/>
+              </a:ext>
+            </a:extLst>
+          </p:cNvPr>
+          <p:cNvCxnSpPr>
+            <a:cxnSpLocks/>
+            <a:stCxn id="68" idx="2"/>
+            <a:endCxn id="81" idx="0"/>
+          </p:cNvCxnSpPr>
+          <p:nvPr/>
+        </p:nvCxnSpPr>
+        <p:spPr>
+          <a:xfrm rot="5400000">
+            <a:off x="2883602" y="5004548"/>
+            <a:ext cx="109784" cy="2"/>
+          </a:xfrm>
+          <a:prstGeom prst="bentConnector3">
+            <a:avLst>
+              <a:gd name="adj1" fmla="val 50000"/>
+            </a:avLst>
+          </a:prstGeom>
+          <a:ln w="12700">
+            <a:solidFill>
+              <a:schemeClr val="accent4"/>
+            </a:solidFill>
+            <a:tailEnd type="triangle"/>
+          </a:ln>
+        </p:spPr>
+        <p:style>
+          <a:lnRef idx="1">
+            <a:schemeClr val="accent2"/>
+          </a:lnRef>
+          <a:fillRef idx="0">
+            <a:schemeClr val="accent2"/>
+          </a:fillRef>
+          <a:effectRef idx="0">
+            <a:schemeClr val="accent2"/>
+          </a:effectRef>
+          <a:fontRef idx="minor">
+            <a:schemeClr val="tx1"/>
+          </a:fontRef>
+        </p:style>
+      </p:cxnSp>
+      <p:cxnSp>
+        <p:nvCxnSpPr>
+          <p:cNvPr id="116" name="연결선: 꺾임 115">
+            <a:extLst>
+              <a:ext uri="{FF2B5EF4-FFF2-40B4-BE49-F238E27FC236}">
+                <a16:creationId xmlns:a16="http://schemas.microsoft.com/office/drawing/2014/main" id="{485BE9AC-51EC-4221-8527-A474B1712CE1}"/>
+              </a:ext>
+            </a:extLst>
+          </p:cNvPr>
+          <p:cNvCxnSpPr>
+            <a:cxnSpLocks/>
+            <a:stCxn id="81" idx="3"/>
+            <a:endCxn id="77" idx="1"/>
+          </p:cNvCxnSpPr>
+          <p:nvPr/>
+        </p:nvCxnSpPr>
+        <p:spPr>
+          <a:xfrm flipV="1">
+            <a:off x="5156852" y="5301533"/>
+            <a:ext cx="1839614" cy="587539"/>
+          </a:xfrm>
+          <a:prstGeom prst="bentConnector3">
+            <a:avLst>
+              <a:gd name="adj1" fmla="val 50000"/>
+            </a:avLst>
+          </a:prstGeom>
+          <a:ln w="12700">
+            <a:solidFill>
+              <a:schemeClr val="accent4"/>
+            </a:solidFill>
+            <a:tailEnd type="triangle"/>
+          </a:ln>
+        </p:spPr>
+        <p:style>
+          <a:lnRef idx="1">
+            <a:schemeClr val="accent2"/>
+          </a:lnRef>
+          <a:fillRef idx="0">
+            <a:schemeClr val="accent2"/>
+          </a:fillRef>
+          <a:effectRef idx="0">
+            <a:schemeClr val="accent2"/>
+          </a:effectRef>
+          <a:fontRef idx="minor">
+            <a:schemeClr val="tx1"/>
+          </a:fontRef>
+        </p:style>
+      </p:cxnSp>
     </p:spTree>
     <p:extLst>
       <p:ext uri="{BB962C8B-B14F-4D97-AF65-F5344CB8AC3E}">
-        <p14:creationId xmlns:p14="http://schemas.microsoft.com/office/powerpoint/2010/main" val="2563078647"/>
+        <p14:creationId xmlns:p14="http://schemas.microsoft.com/office/powerpoint/2010/main" val="2151910515"/>
       </p:ext>
     </p:extLst>
   </p:cSld>
@@ -8542,7 +9730,7 @@
         <p:cNvPr id="1" name="">
           <a:extLst>
             <a:ext uri="{FF2B5EF4-FFF2-40B4-BE49-F238E27FC236}">
-              <a16:creationId xmlns:a16="http://schemas.microsoft.com/office/drawing/2014/main" id="{5847136B-A6BB-1D81-FAFA-C79B68861646}"/>
+              <a16:creationId xmlns:a16="http://schemas.microsoft.com/office/drawing/2014/main" id="{1F9EDF5F-EEC7-7330-11DA-82489AF65973}"/>
             </a:ext>
           </a:extLst>
         </p:cNvPr>
@@ -8559,10 +9747,10 @@
       </p:grpSpPr>
       <p:sp>
         <p:nvSpPr>
-          <p:cNvPr id="16" name="제목 1">
-            <a:extLst>
-              <a:ext uri="{FF2B5EF4-FFF2-40B4-BE49-F238E27FC236}">
-                <a16:creationId xmlns:a16="http://schemas.microsoft.com/office/drawing/2014/main" id="{65E78ADC-476A-9454-1FF3-4C2A7C014EC9}"/>
+          <p:cNvPr id="4" name="내용 개체 틀 2">
+            <a:extLst>
+              <a:ext uri="{FF2B5EF4-FFF2-40B4-BE49-F238E27FC236}">
+                <a16:creationId xmlns:a16="http://schemas.microsoft.com/office/drawing/2014/main" id="{FB105F9C-5F0F-C98D-C444-7E79C05C12A2}"/>
               </a:ext>
             </a:extLst>
           </p:cNvPr>
@@ -8573,8 +9761,493 @@
         </p:nvSpPr>
         <p:spPr>
           <a:xfrm>
-            <a:off x="0" y="1"/>
-            <a:ext cx="12191999" cy="1453881"/>
+            <a:off x="982980" y="3100841"/>
+            <a:ext cx="10515600" cy="656318"/>
+          </a:xfrm>
+          <a:prstGeom prst="rect">
+            <a:avLst/>
+          </a:prstGeom>
+        </p:spPr>
+        <p:txBody>
+          <a:bodyPr vert="horz" lIns="91440" tIns="45720" rIns="91440" bIns="45720" rtlCol="0">
+            <a:noAutofit/>
+          </a:bodyPr>
+          <a:lstStyle>
+            <a:lvl1pPr marL="228600" indent="-228600" algn="l" defTabSz="914400" rtl="0" eaLnBrk="1" latinLnBrk="1" hangingPunct="1">
+              <a:lnSpc>
+                <a:spcPct val="90000"/>
+              </a:lnSpc>
+              <a:spcBef>
+                <a:spcPts val="1000"/>
+              </a:spcBef>
+              <a:buFont typeface="Arial" panose="020B0604020202020204" pitchFamily="34" charset="0"/>
+              <a:buChar char="•"/>
+              <a:defRPr sz="2800" kern="1200">
+                <a:solidFill>
+                  <a:schemeClr val="tx1"/>
+                </a:solidFill>
+                <a:latin typeface="+mn-lt"/>
+                <a:ea typeface="+mn-ea"/>
+                <a:cs typeface="+mn-cs"/>
+              </a:defRPr>
+            </a:lvl1pPr>
+            <a:lvl2pPr marL="685800" indent="-228600" algn="l" defTabSz="914400" rtl="0" eaLnBrk="1" latinLnBrk="1" hangingPunct="1">
+              <a:lnSpc>
+                <a:spcPct val="90000"/>
+              </a:lnSpc>
+              <a:spcBef>
+                <a:spcPts val="500"/>
+              </a:spcBef>
+              <a:buFont typeface="Arial" panose="020B0604020202020204" pitchFamily="34" charset="0"/>
+              <a:buChar char="•"/>
+              <a:defRPr sz="2400" kern="1200">
+                <a:solidFill>
+                  <a:schemeClr val="tx1"/>
+                </a:solidFill>
+                <a:latin typeface="+mn-lt"/>
+                <a:ea typeface="+mn-ea"/>
+                <a:cs typeface="+mn-cs"/>
+              </a:defRPr>
+            </a:lvl2pPr>
+            <a:lvl3pPr marL="1143000" indent="-228600" algn="l" defTabSz="914400" rtl="0" eaLnBrk="1" latinLnBrk="1" hangingPunct="1">
+              <a:lnSpc>
+                <a:spcPct val="90000"/>
+              </a:lnSpc>
+              <a:spcBef>
+                <a:spcPts val="500"/>
+              </a:spcBef>
+              <a:buFont typeface="Arial" panose="020B0604020202020204" pitchFamily="34" charset="0"/>
+              <a:buChar char="•"/>
+              <a:defRPr sz="2000" kern="1200">
+                <a:solidFill>
+                  <a:schemeClr val="tx1"/>
+                </a:solidFill>
+                <a:latin typeface="+mn-lt"/>
+                <a:ea typeface="+mn-ea"/>
+                <a:cs typeface="+mn-cs"/>
+              </a:defRPr>
+            </a:lvl3pPr>
+            <a:lvl4pPr marL="1600200" indent="-228600" algn="l" defTabSz="914400" rtl="0" eaLnBrk="1" latinLnBrk="1" hangingPunct="1">
+              <a:lnSpc>
+                <a:spcPct val="90000"/>
+              </a:lnSpc>
+              <a:spcBef>
+                <a:spcPts val="500"/>
+              </a:spcBef>
+              <a:buFont typeface="Arial" panose="020B0604020202020204" pitchFamily="34" charset="0"/>
+              <a:buChar char="•"/>
+              <a:defRPr sz="1800" kern="1200">
+                <a:solidFill>
+                  <a:schemeClr val="tx1"/>
+                </a:solidFill>
+                <a:latin typeface="+mn-lt"/>
+                <a:ea typeface="+mn-ea"/>
+                <a:cs typeface="+mn-cs"/>
+              </a:defRPr>
+            </a:lvl4pPr>
+            <a:lvl5pPr marL="2057400" indent="-228600" algn="l" defTabSz="914400" rtl="0" eaLnBrk="1" latinLnBrk="1" hangingPunct="1">
+              <a:lnSpc>
+                <a:spcPct val="90000"/>
+              </a:lnSpc>
+              <a:spcBef>
+                <a:spcPts val="500"/>
+              </a:spcBef>
+              <a:buFont typeface="Arial" panose="020B0604020202020204" pitchFamily="34" charset="0"/>
+              <a:buChar char="•"/>
+              <a:defRPr sz="1800" kern="1200">
+                <a:solidFill>
+                  <a:schemeClr val="tx1"/>
+                </a:solidFill>
+                <a:latin typeface="+mn-lt"/>
+                <a:ea typeface="+mn-ea"/>
+                <a:cs typeface="+mn-cs"/>
+              </a:defRPr>
+            </a:lvl5pPr>
+            <a:lvl6pPr marL="2514600" indent="-228600" algn="l" defTabSz="914400" rtl="0" eaLnBrk="1" latinLnBrk="1" hangingPunct="1">
+              <a:lnSpc>
+                <a:spcPct val="90000"/>
+              </a:lnSpc>
+              <a:spcBef>
+                <a:spcPts val="500"/>
+              </a:spcBef>
+              <a:buFont typeface="Arial" panose="020B0604020202020204" pitchFamily="34" charset="0"/>
+              <a:buChar char="•"/>
+              <a:defRPr sz="1800" kern="1200">
+                <a:solidFill>
+                  <a:schemeClr val="tx1"/>
+                </a:solidFill>
+                <a:latin typeface="+mn-lt"/>
+                <a:ea typeface="+mn-ea"/>
+                <a:cs typeface="+mn-cs"/>
+              </a:defRPr>
+            </a:lvl6pPr>
+            <a:lvl7pPr marL="2971800" indent="-228600" algn="l" defTabSz="914400" rtl="0" eaLnBrk="1" latinLnBrk="1" hangingPunct="1">
+              <a:lnSpc>
+                <a:spcPct val="90000"/>
+              </a:lnSpc>
+              <a:spcBef>
+                <a:spcPts val="500"/>
+              </a:spcBef>
+              <a:buFont typeface="Arial" panose="020B0604020202020204" pitchFamily="34" charset="0"/>
+              <a:buChar char="•"/>
+              <a:defRPr sz="1800" kern="1200">
+                <a:solidFill>
+                  <a:schemeClr val="tx1"/>
+                </a:solidFill>
+                <a:latin typeface="+mn-lt"/>
+                <a:ea typeface="+mn-ea"/>
+                <a:cs typeface="+mn-cs"/>
+              </a:defRPr>
+            </a:lvl7pPr>
+            <a:lvl8pPr marL="3429000" indent="-228600" algn="l" defTabSz="914400" rtl="0" eaLnBrk="1" latinLnBrk="1" hangingPunct="1">
+              <a:lnSpc>
+                <a:spcPct val="90000"/>
+              </a:lnSpc>
+              <a:spcBef>
+                <a:spcPts val="500"/>
+              </a:spcBef>
+              <a:buFont typeface="Arial" panose="020B0604020202020204" pitchFamily="34" charset="0"/>
+              <a:buChar char="•"/>
+              <a:defRPr sz="1800" kern="1200">
+                <a:solidFill>
+                  <a:schemeClr val="tx1"/>
+                </a:solidFill>
+                <a:latin typeface="+mn-lt"/>
+                <a:ea typeface="+mn-ea"/>
+                <a:cs typeface="+mn-cs"/>
+              </a:defRPr>
+            </a:lvl8pPr>
+            <a:lvl9pPr marL="3886200" indent="-228600" algn="l" defTabSz="914400" rtl="0" eaLnBrk="1" latinLnBrk="1" hangingPunct="1">
+              <a:lnSpc>
+                <a:spcPct val="90000"/>
+              </a:lnSpc>
+              <a:spcBef>
+                <a:spcPts val="500"/>
+              </a:spcBef>
+              <a:buFont typeface="Arial" panose="020B0604020202020204" pitchFamily="34" charset="0"/>
+              <a:buChar char="•"/>
+              <a:defRPr sz="1800" kern="1200">
+                <a:solidFill>
+                  <a:schemeClr val="tx1"/>
+                </a:solidFill>
+                <a:latin typeface="+mn-lt"/>
+                <a:ea typeface="+mn-ea"/>
+                <a:cs typeface="+mn-cs"/>
+              </a:defRPr>
+            </a:lvl9pPr>
+          </a:lstStyle>
+          <a:p>
+            <a:pPr marL="0" indent="0" algn="ctr">
+              <a:buFont typeface="Arial" panose="020B0604020202020204" pitchFamily="34" charset="0"/>
+              <a:buNone/>
+            </a:pPr>
+            <a:r>
+              <a:rPr lang="ko-KR" altLang="en-US" sz="4400" dirty="0">
+                <a:solidFill>
+                  <a:schemeClr val="bg1"/>
+                </a:solidFill>
+              </a:rPr>
+              <a:t>감사합니다</a:t>
+            </a:r>
+          </a:p>
+        </p:txBody>
+      </p:sp>
+      <p:sp>
+        <p:nvSpPr>
+          <p:cNvPr id="8" name="내용 개체 틀 2">
+            <a:extLst>
+              <a:ext uri="{FF2B5EF4-FFF2-40B4-BE49-F238E27FC236}">
+                <a16:creationId xmlns:a16="http://schemas.microsoft.com/office/drawing/2014/main" id="{254065CC-BAF2-2646-6DC9-CCA2AC58DAD8}"/>
+              </a:ext>
+            </a:extLst>
+          </p:cNvPr>
+          <p:cNvSpPr txBox="1">
+            <a:spLocks/>
+          </p:cNvSpPr>
+          <p:nvPr/>
+        </p:nvSpPr>
+        <p:spPr>
+          <a:xfrm>
+            <a:off x="838200" y="2051483"/>
+            <a:ext cx="10515600" cy="656318"/>
+          </a:xfrm>
+          <a:prstGeom prst="rect">
+            <a:avLst/>
+          </a:prstGeom>
+        </p:spPr>
+        <p:txBody>
+          <a:bodyPr vert="horz" lIns="91440" tIns="45720" rIns="91440" bIns="45720" rtlCol="0">
+            <a:noAutofit/>
+          </a:bodyPr>
+          <a:lstStyle>
+            <a:lvl1pPr marL="228600" indent="-228600" algn="l" defTabSz="914400" rtl="0" eaLnBrk="1" latinLnBrk="1" hangingPunct="1">
+              <a:lnSpc>
+                <a:spcPct val="90000"/>
+              </a:lnSpc>
+              <a:spcBef>
+                <a:spcPts val="1000"/>
+              </a:spcBef>
+              <a:buFont typeface="Arial" panose="020B0604020202020204" pitchFamily="34" charset="0"/>
+              <a:buChar char="•"/>
+              <a:defRPr sz="2800" kern="1200">
+                <a:solidFill>
+                  <a:schemeClr val="tx1"/>
+                </a:solidFill>
+                <a:latin typeface="+mn-lt"/>
+                <a:ea typeface="+mn-ea"/>
+                <a:cs typeface="+mn-cs"/>
+              </a:defRPr>
+            </a:lvl1pPr>
+            <a:lvl2pPr marL="685800" indent="-228600" algn="l" defTabSz="914400" rtl="0" eaLnBrk="1" latinLnBrk="1" hangingPunct="1">
+              <a:lnSpc>
+                <a:spcPct val="90000"/>
+              </a:lnSpc>
+              <a:spcBef>
+                <a:spcPts val="500"/>
+              </a:spcBef>
+              <a:buFont typeface="Arial" panose="020B0604020202020204" pitchFamily="34" charset="0"/>
+              <a:buChar char="•"/>
+              <a:defRPr sz="2400" kern="1200">
+                <a:solidFill>
+                  <a:schemeClr val="tx1"/>
+                </a:solidFill>
+                <a:latin typeface="+mn-lt"/>
+                <a:ea typeface="+mn-ea"/>
+                <a:cs typeface="+mn-cs"/>
+              </a:defRPr>
+            </a:lvl2pPr>
+            <a:lvl3pPr marL="1143000" indent="-228600" algn="l" defTabSz="914400" rtl="0" eaLnBrk="1" latinLnBrk="1" hangingPunct="1">
+              <a:lnSpc>
+                <a:spcPct val="90000"/>
+              </a:lnSpc>
+              <a:spcBef>
+                <a:spcPts val="500"/>
+              </a:spcBef>
+              <a:buFont typeface="Arial" panose="020B0604020202020204" pitchFamily="34" charset="0"/>
+              <a:buChar char="•"/>
+              <a:defRPr sz="2000" kern="1200">
+                <a:solidFill>
+                  <a:schemeClr val="tx1"/>
+                </a:solidFill>
+                <a:latin typeface="+mn-lt"/>
+                <a:ea typeface="+mn-ea"/>
+                <a:cs typeface="+mn-cs"/>
+              </a:defRPr>
+            </a:lvl3pPr>
+            <a:lvl4pPr marL="1600200" indent="-228600" algn="l" defTabSz="914400" rtl="0" eaLnBrk="1" latinLnBrk="1" hangingPunct="1">
+              <a:lnSpc>
+                <a:spcPct val="90000"/>
+              </a:lnSpc>
+              <a:spcBef>
+                <a:spcPts val="500"/>
+              </a:spcBef>
+              <a:buFont typeface="Arial" panose="020B0604020202020204" pitchFamily="34" charset="0"/>
+              <a:buChar char="•"/>
+              <a:defRPr sz="1800" kern="1200">
+                <a:solidFill>
+                  <a:schemeClr val="tx1"/>
+                </a:solidFill>
+                <a:latin typeface="+mn-lt"/>
+                <a:ea typeface="+mn-ea"/>
+                <a:cs typeface="+mn-cs"/>
+              </a:defRPr>
+            </a:lvl4pPr>
+            <a:lvl5pPr marL="2057400" indent="-228600" algn="l" defTabSz="914400" rtl="0" eaLnBrk="1" latinLnBrk="1" hangingPunct="1">
+              <a:lnSpc>
+                <a:spcPct val="90000"/>
+              </a:lnSpc>
+              <a:spcBef>
+                <a:spcPts val="500"/>
+              </a:spcBef>
+              <a:buFont typeface="Arial" panose="020B0604020202020204" pitchFamily="34" charset="0"/>
+              <a:buChar char="•"/>
+              <a:defRPr sz="1800" kern="1200">
+                <a:solidFill>
+                  <a:schemeClr val="tx1"/>
+                </a:solidFill>
+                <a:latin typeface="+mn-lt"/>
+                <a:ea typeface="+mn-ea"/>
+                <a:cs typeface="+mn-cs"/>
+              </a:defRPr>
+            </a:lvl5pPr>
+            <a:lvl6pPr marL="2514600" indent="-228600" algn="l" defTabSz="914400" rtl="0" eaLnBrk="1" latinLnBrk="1" hangingPunct="1">
+              <a:lnSpc>
+                <a:spcPct val="90000"/>
+              </a:lnSpc>
+              <a:spcBef>
+                <a:spcPts val="500"/>
+              </a:spcBef>
+              <a:buFont typeface="Arial" panose="020B0604020202020204" pitchFamily="34" charset="0"/>
+              <a:buChar char="•"/>
+              <a:defRPr sz="1800" kern="1200">
+                <a:solidFill>
+                  <a:schemeClr val="tx1"/>
+                </a:solidFill>
+                <a:latin typeface="+mn-lt"/>
+                <a:ea typeface="+mn-ea"/>
+                <a:cs typeface="+mn-cs"/>
+              </a:defRPr>
+            </a:lvl6pPr>
+            <a:lvl7pPr marL="2971800" indent="-228600" algn="l" defTabSz="914400" rtl="0" eaLnBrk="1" latinLnBrk="1" hangingPunct="1">
+              <a:lnSpc>
+                <a:spcPct val="90000"/>
+              </a:lnSpc>
+              <a:spcBef>
+                <a:spcPts val="500"/>
+              </a:spcBef>
+              <a:buFont typeface="Arial" panose="020B0604020202020204" pitchFamily="34" charset="0"/>
+              <a:buChar char="•"/>
+              <a:defRPr sz="1800" kern="1200">
+                <a:solidFill>
+                  <a:schemeClr val="tx1"/>
+                </a:solidFill>
+                <a:latin typeface="+mn-lt"/>
+                <a:ea typeface="+mn-ea"/>
+                <a:cs typeface="+mn-cs"/>
+              </a:defRPr>
+            </a:lvl7pPr>
+            <a:lvl8pPr marL="3429000" indent="-228600" algn="l" defTabSz="914400" rtl="0" eaLnBrk="1" latinLnBrk="1" hangingPunct="1">
+              <a:lnSpc>
+                <a:spcPct val="90000"/>
+              </a:lnSpc>
+              <a:spcBef>
+                <a:spcPts val="500"/>
+              </a:spcBef>
+              <a:buFont typeface="Arial" panose="020B0604020202020204" pitchFamily="34" charset="0"/>
+              <a:buChar char="•"/>
+              <a:defRPr sz="1800" kern="1200">
+                <a:solidFill>
+                  <a:schemeClr val="tx1"/>
+                </a:solidFill>
+                <a:latin typeface="+mn-lt"/>
+                <a:ea typeface="+mn-ea"/>
+                <a:cs typeface="+mn-cs"/>
+              </a:defRPr>
+            </a:lvl8pPr>
+            <a:lvl9pPr marL="3886200" indent="-228600" algn="l" defTabSz="914400" rtl="0" eaLnBrk="1" latinLnBrk="1" hangingPunct="1">
+              <a:lnSpc>
+                <a:spcPct val="90000"/>
+              </a:lnSpc>
+              <a:spcBef>
+                <a:spcPts val="500"/>
+              </a:spcBef>
+              <a:buFont typeface="Arial" panose="020B0604020202020204" pitchFamily="34" charset="0"/>
+              <a:buChar char="•"/>
+              <a:defRPr sz="1800" kern="1200">
+                <a:solidFill>
+                  <a:schemeClr val="tx1"/>
+                </a:solidFill>
+                <a:latin typeface="+mn-lt"/>
+                <a:ea typeface="+mn-ea"/>
+                <a:cs typeface="+mn-cs"/>
+              </a:defRPr>
+            </a:lvl9pPr>
+          </a:lstStyle>
+          <a:p>
+            <a:pPr marL="0" indent="0" algn="ctr">
+              <a:buFont typeface="Arial" panose="020B0604020202020204" pitchFamily="34" charset="0"/>
+              <a:buNone/>
+            </a:pPr>
+            <a:r>
+              <a:rPr lang="en-US" altLang="ko-KR" sz="5400" dirty="0" err="1">
+                <a:solidFill>
+                  <a:srgbClr val="2C3930"/>
+                </a:solidFill>
+              </a:rPr>
+              <a:t>astpage</a:t>
+            </a:r>
+            <a:r>
+              <a:rPr lang="en-US" altLang="ko-KR" sz="5400" dirty="0" err="1">
+                <a:solidFill>
+                  <a:schemeClr val="bg1"/>
+                </a:solidFill>
+              </a:rPr>
+              <a:t>Lastpage</a:t>
+            </a:r>
+            <a:r>
+              <a:rPr lang="en-US" altLang="ko-KR" sz="5400" dirty="0">
+                <a:solidFill>
+                  <a:schemeClr val="bg1"/>
+                </a:solidFill>
+              </a:rPr>
+              <a:t> Project</a:t>
+            </a:r>
+            <a:r>
+              <a:rPr lang="en-US" altLang="ko-KR" sz="5400" dirty="0">
+                <a:solidFill>
+                  <a:srgbClr val="2C3930"/>
+                </a:solidFill>
+              </a:rPr>
+              <a:t> </a:t>
+            </a:r>
+            <a:r>
+              <a:rPr lang="en-US" altLang="ko-KR" sz="4800" dirty="0">
+                <a:solidFill>
+                  <a:srgbClr val="2C3930"/>
+                </a:solidFill>
+              </a:rPr>
+              <a:t>Project</a:t>
+            </a:r>
+            <a:endParaRPr lang="ko-KR" altLang="en-US" sz="4800" dirty="0">
+              <a:solidFill>
+                <a:srgbClr val="2C3930"/>
+              </a:solidFill>
+            </a:endParaRPr>
+          </a:p>
+        </p:txBody>
+      </p:sp>
+      <p:pic>
+        <p:nvPicPr>
+          <p:cNvPr id="9" name="그림 8" descr="일러스트레이션, 선그림, 디자인이(가) 표시된 사진&#10;&#10;AI 생성 콘텐츠는 정확하지 않을 수 있습니다.">
+            <a:extLst>
+              <a:ext uri="{FF2B5EF4-FFF2-40B4-BE49-F238E27FC236}">
+                <a16:creationId xmlns:a16="http://schemas.microsoft.com/office/drawing/2014/main" id="{131E723E-4DFB-CCF9-FB66-49713820EFE9}"/>
+              </a:ext>
+            </a:extLst>
+          </p:cNvPr>
+          <p:cNvPicPr>
+            <a:picLocks noChangeAspect="1"/>
+          </p:cNvPicPr>
+          <p:nvPr/>
+        </p:nvPicPr>
+        <p:blipFill>
+          <a:blip r:embed="rId2">
+            <a:extLst>
+              <a:ext uri="{28A0092B-C50C-407E-A947-70E740481C1C}">
+                <a14:useLocalDpi xmlns:a14="http://schemas.microsoft.com/office/drawing/2010/main" val="0"/>
+              </a:ext>
+            </a:extLst>
+          </a:blip>
+          <a:stretch>
+            <a:fillRect/>
+          </a:stretch>
+        </p:blipFill>
+        <p:spPr>
+          <a:xfrm>
+            <a:off x="312511" y="221163"/>
+            <a:ext cx="807629" cy="807629"/>
+          </a:xfrm>
+          <a:prstGeom prst="rect">
+            <a:avLst/>
+          </a:prstGeom>
+        </p:spPr>
+      </p:pic>
+      <p:sp>
+        <p:nvSpPr>
+          <p:cNvPr id="12" name="TextBox 11">
+            <a:extLst>
+              <a:ext uri="{FF2B5EF4-FFF2-40B4-BE49-F238E27FC236}">
+                <a16:creationId xmlns:a16="http://schemas.microsoft.com/office/drawing/2014/main" id="{4A8FCE66-B67E-3DCC-EDC0-BF93D04DBEEA}"/>
+              </a:ext>
+            </a:extLst>
+          </p:cNvPr>
+          <p:cNvSpPr txBox="1"/>
+          <p:nvPr/>
+        </p:nvSpPr>
+        <p:spPr>
+          <a:xfrm>
+            <a:off x="-129540" y="4450080"/>
+            <a:ext cx="12420600" cy="369332"/>
           </a:xfrm>
           <a:prstGeom prst="rect">
             <a:avLst/>
@@ -8584,304 +10257,21 @@
           </a:solidFill>
         </p:spPr>
         <p:txBody>
-          <a:bodyPr vert="horz" lIns="91440" tIns="45720" rIns="91440" bIns="45720" rtlCol="0" anchor="ctr">
-            <a:normAutofit/>
+          <a:bodyPr wrap="square" rtlCol="0">
+            <a:spAutoFit/>
           </a:bodyPr>
-          <a:lstStyle>
-            <a:lvl1pPr algn="l" defTabSz="914400" rtl="0" eaLnBrk="1" latinLnBrk="1" hangingPunct="1">
-              <a:lnSpc>
-                <a:spcPct val="90000"/>
-              </a:lnSpc>
-              <a:spcBef>
-                <a:spcPct val="0"/>
-              </a:spcBef>
-              <a:buNone/>
-              <a:defRPr sz="4400" kern="1200">
-                <a:solidFill>
-                  <a:schemeClr val="tx1"/>
-                </a:solidFill>
-                <a:latin typeface="+mj-lt"/>
-                <a:ea typeface="+mj-ea"/>
-                <a:cs typeface="+mj-cs"/>
-              </a:defRPr>
-            </a:lvl1pPr>
-          </a:lstStyle>
-          <a:p>
-            <a:pPr marL="0" marR="0" lvl="0" indent="0" algn="ctr" defTabSz="914400" rtl="0" eaLnBrk="1" fontAlgn="auto" latinLnBrk="1" hangingPunct="1">
-              <a:lnSpc>
-                <a:spcPct val="90000"/>
-              </a:lnSpc>
-              <a:spcBef>
-                <a:spcPct val="0"/>
-              </a:spcBef>
-              <a:spcAft>
-                <a:spcPts val="0"/>
-              </a:spcAft>
-              <a:buClrTx/>
-              <a:buSzTx/>
-              <a:buFontTx/>
-              <a:buNone/>
-              <a:tabLst/>
-              <a:defRPr/>
-            </a:pPr>
-            <a:r>
-              <a:rPr kumimoji="0" lang="en-US" altLang="ko-KR" sz="2800" b="0" i="0" u="none" strike="noStrike" kern="1200" cap="none" spc="0" normalizeH="0" baseline="0" noProof="0" dirty="0">
-                <a:ln>
-                  <a:noFill/>
-                </a:ln>
-                <a:solidFill>
-                  <a:prstClr val="black"/>
-                </a:solidFill>
-                <a:effectLst/>
-                <a:uLnTx/>
-                <a:uFillTx/>
-                <a:latin typeface="맑은 고딕" panose="020B0503020000020004" pitchFamily="50" charset="-127"/>
-                <a:ea typeface="맑은 고딕" panose="020B0503020000020004" pitchFamily="50" charset="-127"/>
-                <a:cs typeface="+mj-cs"/>
-              </a:rPr>
-              <a:t>1. </a:t>
-            </a:r>
-            <a:endParaRPr kumimoji="0" lang="ko-KR" altLang="en-US" sz="2800" b="0" i="0" u="none" strike="noStrike" kern="1200" cap="none" spc="0" normalizeH="0" baseline="0" noProof="0" dirty="0">
-              <a:ln>
-                <a:noFill/>
-              </a:ln>
-              <a:solidFill>
-                <a:prstClr val="black"/>
-              </a:solidFill>
-              <a:effectLst/>
-              <a:uLnTx/>
-              <a:uFillTx/>
-              <a:latin typeface="맑은 고딕" panose="020B0503020000020004" pitchFamily="50" charset="-127"/>
-              <a:ea typeface="맑은 고딕" panose="020B0503020000020004" pitchFamily="50" charset="-127"/>
-              <a:cs typeface="+mj-cs"/>
-            </a:endParaRPr>
-          </a:p>
-        </p:txBody>
-      </p:sp>
-      <p:pic>
-        <p:nvPicPr>
-          <p:cNvPr id="3" name="그림 2" descr="일러스트레이션, 선그림, 디자인이(가) 표시된 사진&#10;&#10;AI 생성 콘텐츠는 정확하지 않을 수 있습니다.">
-            <a:extLst>
-              <a:ext uri="{FF2B5EF4-FFF2-40B4-BE49-F238E27FC236}">
-                <a16:creationId xmlns:a16="http://schemas.microsoft.com/office/drawing/2014/main" id="{EDF55BD1-195D-E2CC-A2C8-8DB3D9357D84}"/>
-              </a:ext>
-            </a:extLst>
-          </p:cNvPr>
-          <p:cNvPicPr>
-            <a:picLocks noChangeAspect="1"/>
-          </p:cNvPicPr>
-          <p:nvPr/>
-        </p:nvPicPr>
-        <p:blipFill>
-          <a:blip r:embed="rId2">
-            <a:extLst>
-              <a:ext uri="{28A0092B-C50C-407E-A947-70E740481C1C}">
-                <a14:useLocalDpi xmlns:a14="http://schemas.microsoft.com/office/drawing/2010/main" val="0"/>
-              </a:ext>
-            </a:extLst>
-          </a:blip>
-          <a:stretch>
-            <a:fillRect/>
-          </a:stretch>
-        </p:blipFill>
-        <p:spPr>
-          <a:xfrm>
-            <a:off x="312511" y="319316"/>
-            <a:ext cx="815249" cy="815249"/>
-          </a:xfrm>
-          <a:prstGeom prst="rect">
-            <a:avLst/>
-          </a:prstGeom>
-        </p:spPr>
-      </p:pic>
-      <p:sp>
-        <p:nvSpPr>
-          <p:cNvPr id="8" name="TextBox 4">
-            <a:extLst>
-              <a:ext uri="{FF2B5EF4-FFF2-40B4-BE49-F238E27FC236}">
-                <a16:creationId xmlns:a16="http://schemas.microsoft.com/office/drawing/2014/main" id="{7B732A7B-E5FC-C187-1B8B-8F966DF966F8}"/>
-              </a:ext>
-            </a:extLst>
-          </p:cNvPr>
-          <p:cNvSpPr txBox="1"/>
-          <p:nvPr/>
-        </p:nvSpPr>
-        <p:spPr>
-          <a:xfrm>
-            <a:off x="758816" y="769940"/>
-            <a:ext cx="11027428" cy="5856475"/>
-          </a:xfrm>
-          <a:prstGeom prst="rect">
-            <a:avLst/>
-          </a:prstGeom>
-        </p:spPr>
-        <p:txBody>
-          <a:bodyPr lIns="33867" tIns="33867" rIns="33867" bIns="33867" rtlCol="0" anchor="ctr"/>
           <a:lstStyle/>
           <a:p>
-            <a:pPr marL="0" marR="0" lvl="0" indent="0" algn="ctr" defTabSz="609630" rtl="0" eaLnBrk="1" fontAlgn="auto" latinLnBrk="0" hangingPunct="1">
-              <a:lnSpc>
-                <a:spcPts val="1773"/>
-              </a:lnSpc>
-              <a:spcBef>
-                <a:spcPct val="0"/>
-              </a:spcBef>
-              <a:spcAft>
-                <a:spcPts val="0"/>
-              </a:spcAft>
-              <a:buClrTx/>
-              <a:buSzTx/>
-              <a:buFontTx/>
-              <a:buNone/>
-              <a:tabLst/>
-              <a:defRPr/>
-            </a:pPr>
-            <a:endParaRPr kumimoji="0" sz="1200" b="0" i="0" u="none" strike="noStrike" kern="1200" cap="none" spc="0" normalizeH="0" baseline="0" noProof="0" dirty="0">
-              <a:ln>
-                <a:noFill/>
-              </a:ln>
-              <a:solidFill>
-                <a:prstClr val="black"/>
-              </a:solidFill>
-              <a:effectLst/>
-              <a:uLnTx/>
-              <a:uFillTx/>
-              <a:latin typeface="Calibri"/>
-              <a:ea typeface="+mn-ea"/>
-              <a:cs typeface="+mn-cs"/>
-            </a:endParaRPr>
+            <a:endParaRPr lang="ko-KR" altLang="en-US" dirty="0"/>
           </a:p>
         </p:txBody>
       </p:sp>
       <p:sp>
         <p:nvSpPr>
-          <p:cNvPr id="42" name="TextBox 41">
-            <a:extLst>
-              <a:ext uri="{FF2B5EF4-FFF2-40B4-BE49-F238E27FC236}">
-                <a16:creationId xmlns:a16="http://schemas.microsoft.com/office/drawing/2014/main" id="{E081CC60-FAA6-4FCF-900D-7F243F1B55D5}"/>
-              </a:ext>
-            </a:extLst>
-          </p:cNvPr>
-          <p:cNvSpPr txBox="1"/>
-          <p:nvPr/>
-        </p:nvSpPr>
-        <p:spPr>
-          <a:xfrm>
-            <a:off x="11513819" y="6389609"/>
-            <a:ext cx="678180" cy="369332"/>
-          </a:xfrm>
-          <a:prstGeom prst="rect">
-            <a:avLst/>
-          </a:prstGeom>
-          <a:noFill/>
-        </p:spPr>
-        <p:txBody>
-          <a:bodyPr wrap="square" rtlCol="0">
-            <a:spAutoFit/>
-          </a:bodyPr>
-          <a:lstStyle/>
-          <a:p>
-            <a:pPr marL="0" marR="0" lvl="0" indent="0" algn="ctr" defTabSz="914400" rtl="0" eaLnBrk="1" fontAlgn="auto" latinLnBrk="1" hangingPunct="1">
-              <a:lnSpc>
-                <a:spcPct val="100000"/>
-              </a:lnSpc>
-              <a:spcBef>
-                <a:spcPts val="0"/>
-              </a:spcBef>
-              <a:spcAft>
-                <a:spcPts val="0"/>
-              </a:spcAft>
-              <a:buClrTx/>
-              <a:buSzTx/>
-              <a:buFontTx/>
-              <a:buNone/>
-              <a:tabLst/>
-              <a:defRPr/>
-            </a:pPr>
-            <a:r>
-              <a:rPr kumimoji="0" lang="en-US" altLang="ko-KR" sz="1800" b="0" i="0" u="none" strike="noStrike" kern="1200" cap="none" spc="0" normalizeH="0" baseline="0" noProof="0" dirty="0">
-                <a:ln>
-                  <a:noFill/>
-                </a:ln>
-                <a:solidFill>
-                  <a:prstClr val="white"/>
-                </a:solidFill>
-                <a:effectLst/>
-                <a:uLnTx/>
-                <a:uFillTx/>
-                <a:latin typeface="맑은 고딕" panose="020F0502020204030204"/>
-                <a:ea typeface="맑은 고딕" panose="020B0503020000020004" pitchFamily="50" charset="-127"/>
-                <a:cs typeface="+mn-cs"/>
-              </a:rPr>
-              <a:t>2</a:t>
-            </a:r>
-            <a:endParaRPr kumimoji="0" lang="ko-KR" altLang="en-US" sz="1800" b="0" i="0" u="none" strike="noStrike" kern="1200" cap="none" spc="0" normalizeH="0" baseline="0" noProof="0" dirty="0">
-              <a:ln>
-                <a:noFill/>
-              </a:ln>
-              <a:solidFill>
-                <a:prstClr val="white"/>
-              </a:solidFill>
-              <a:effectLst/>
-              <a:uLnTx/>
-              <a:uFillTx/>
-              <a:latin typeface="맑은 고딕" panose="020F0502020204030204"/>
-              <a:ea typeface="맑은 고딕" panose="020B0503020000020004" pitchFamily="50" charset="-127"/>
-              <a:cs typeface="+mn-cs"/>
-            </a:endParaRPr>
-          </a:p>
-        </p:txBody>
-      </p:sp>
-    </p:spTree>
-    <p:extLst>
-      <p:ext uri="{BB962C8B-B14F-4D97-AF65-F5344CB8AC3E}">
-        <p14:creationId xmlns:p14="http://schemas.microsoft.com/office/powerpoint/2010/main" val="2151910515"/>
-      </p:ext>
-    </p:extLst>
-  </p:cSld>
-  <p:clrMapOvr>
-    <a:masterClrMapping/>
-  </p:clrMapOvr>
-</p:sld>
-</file>
-
-<file path=ppt/slides/slide8.xml><?xml version="1.0" encoding="utf-8"?>
-<p:sld xmlns:a="http://schemas.openxmlformats.org/drawingml/2006/main" xmlns:r="http://schemas.openxmlformats.org/officeDocument/2006/relationships" xmlns:p="http://schemas.openxmlformats.org/presentationml/2006/main">
-  <p:cSld>
-    <p:bg>
-      <p:bgPr>
-        <a:solidFill>
-          <a:srgbClr val="2C3930"/>
-        </a:solidFill>
-        <a:effectLst/>
-      </p:bgPr>
-    </p:bg>
-    <p:spTree>
-      <p:nvGrpSpPr>
-        <p:cNvPr id="1" name="">
-          <a:extLst>
-            <a:ext uri="{FF2B5EF4-FFF2-40B4-BE49-F238E27FC236}">
-              <a16:creationId xmlns:a16="http://schemas.microsoft.com/office/drawing/2014/main" id="{5847136B-A6BB-1D81-FAFA-C79B68861646}"/>
-            </a:ext>
-          </a:extLst>
-        </p:cNvPr>
-        <p:cNvGrpSpPr/>
-        <p:nvPr/>
-      </p:nvGrpSpPr>
-      <p:grpSpPr>
-        <a:xfrm>
-          <a:off x="0" y="0"/>
-          <a:ext cx="0" cy="0"/>
-          <a:chOff x="0" y="0"/>
-          <a:chExt cx="0" cy="0"/>
-        </a:xfrm>
-      </p:grpSpPr>
-      <p:sp>
-        <p:nvSpPr>
-          <p:cNvPr id="16" name="제목 1">
-            <a:extLst>
-              <a:ext uri="{FF2B5EF4-FFF2-40B4-BE49-F238E27FC236}">
-                <a16:creationId xmlns:a16="http://schemas.microsoft.com/office/drawing/2014/main" id="{65E78ADC-476A-9454-1FF3-4C2A7C014EC9}"/>
+          <p:cNvPr id="13" name="내용 개체 틀 2">
+            <a:extLst>
+              <a:ext uri="{FF2B5EF4-FFF2-40B4-BE49-F238E27FC236}">
+                <a16:creationId xmlns:a16="http://schemas.microsoft.com/office/drawing/2014/main" id="{188F3796-C2DD-4B3B-A779-04A4DEF6B8AF}"/>
               </a:ext>
             </a:extLst>
           </p:cNvPr>
@@ -8892,261 +10282,281 @@
         </p:nvSpPr>
         <p:spPr>
           <a:xfrm>
-            <a:off x="0" y="1"/>
-            <a:ext cx="12191999" cy="1453881"/>
-          </a:xfrm>
-          <a:prstGeom prst="rect">
-            <a:avLst/>
-          </a:prstGeom>
-          <a:solidFill>
-            <a:schemeClr val="bg1"/>
-          </a:solidFill>
-        </p:spPr>
-        <p:txBody>
-          <a:bodyPr vert="horz" lIns="91440" tIns="45720" rIns="91440" bIns="45720" rtlCol="0" anchor="ctr">
-            <a:normAutofit/>
-          </a:bodyPr>
-          <a:lstStyle>
-            <a:lvl1pPr algn="l" defTabSz="914400" rtl="0" eaLnBrk="1" latinLnBrk="1" hangingPunct="1">
-              <a:lnSpc>
-                <a:spcPct val="90000"/>
-              </a:lnSpc>
-              <a:spcBef>
-                <a:spcPct val="0"/>
-              </a:spcBef>
-              <a:buNone/>
-              <a:defRPr sz="4400" kern="1200">
-                <a:solidFill>
-                  <a:schemeClr val="tx1"/>
-                </a:solidFill>
-                <a:latin typeface="+mj-lt"/>
-                <a:ea typeface="+mj-ea"/>
-                <a:cs typeface="+mj-cs"/>
-              </a:defRPr>
-            </a:lvl1pPr>
-          </a:lstStyle>
-          <a:p>
-            <a:pPr marL="0" marR="0" lvl="0" indent="0" algn="ctr" defTabSz="914400" rtl="0" eaLnBrk="1" fontAlgn="auto" latinLnBrk="1" hangingPunct="1">
-              <a:lnSpc>
-                <a:spcPct val="90000"/>
-              </a:lnSpc>
-              <a:spcBef>
-                <a:spcPct val="0"/>
-              </a:spcBef>
-              <a:spcAft>
-                <a:spcPts val="0"/>
-              </a:spcAft>
-              <a:buClrTx/>
-              <a:buSzTx/>
-              <a:buFontTx/>
-              <a:buNone/>
-              <a:tabLst/>
-              <a:defRPr/>
-            </a:pPr>
-            <a:r>
-              <a:rPr kumimoji="0" lang="en-US" altLang="ko-KR" sz="2800" b="0" i="0" u="none" strike="noStrike" kern="1200" cap="none" spc="0" normalizeH="0" baseline="0" noProof="0" dirty="0">
-                <a:ln>
-                  <a:noFill/>
-                </a:ln>
-                <a:solidFill>
-                  <a:prstClr val="black"/>
-                </a:solidFill>
-                <a:effectLst/>
-                <a:uLnTx/>
-                <a:uFillTx/>
-                <a:latin typeface="맑은 고딕" panose="020B0503020000020004" pitchFamily="50" charset="-127"/>
-                <a:ea typeface="맑은 고딕" panose="020B0503020000020004" pitchFamily="50" charset="-127"/>
-                <a:cs typeface="+mj-cs"/>
-              </a:rPr>
-              <a:t>1. </a:t>
-            </a:r>
-            <a:endParaRPr kumimoji="0" lang="ko-KR" altLang="en-US" sz="2800" b="0" i="0" u="none" strike="noStrike" kern="1200" cap="none" spc="0" normalizeH="0" baseline="0" noProof="0" dirty="0">
-              <a:ln>
-                <a:noFill/>
-              </a:ln>
-              <a:solidFill>
-                <a:prstClr val="black"/>
-              </a:solidFill>
-              <a:effectLst/>
-              <a:uLnTx/>
-              <a:uFillTx/>
-              <a:latin typeface="맑은 고딕" panose="020B0503020000020004" pitchFamily="50" charset="-127"/>
-              <a:ea typeface="맑은 고딕" panose="020B0503020000020004" pitchFamily="50" charset="-127"/>
-              <a:cs typeface="+mj-cs"/>
-            </a:endParaRPr>
-          </a:p>
-        </p:txBody>
-      </p:sp>
-      <p:pic>
-        <p:nvPicPr>
-          <p:cNvPr id="3" name="그림 2" descr="일러스트레이션, 선그림, 디자인이(가) 표시된 사진&#10;&#10;AI 생성 콘텐츠는 정확하지 않을 수 있습니다.">
-            <a:extLst>
-              <a:ext uri="{FF2B5EF4-FFF2-40B4-BE49-F238E27FC236}">
-                <a16:creationId xmlns:a16="http://schemas.microsoft.com/office/drawing/2014/main" id="{EDF55BD1-195D-E2CC-A2C8-8DB3D9357D84}"/>
-              </a:ext>
-            </a:extLst>
-          </p:cNvPr>
-          <p:cNvPicPr>
-            <a:picLocks noChangeAspect="1"/>
-          </p:cNvPicPr>
-          <p:nvPr/>
-        </p:nvPicPr>
-        <p:blipFill>
-          <a:blip r:embed="rId2">
-            <a:extLst>
-              <a:ext uri="{28A0092B-C50C-407E-A947-70E740481C1C}">
-                <a14:useLocalDpi xmlns:a14="http://schemas.microsoft.com/office/drawing/2010/main" val="0"/>
-              </a:ext>
-            </a:extLst>
-          </a:blip>
-          <a:stretch>
-            <a:fillRect/>
-          </a:stretch>
-        </p:blipFill>
-        <p:spPr>
-          <a:xfrm>
-            <a:off x="312511" y="319316"/>
-            <a:ext cx="815249" cy="815249"/>
-          </a:xfrm>
-          <a:prstGeom prst="rect">
-            <a:avLst/>
-          </a:prstGeom>
-        </p:spPr>
-      </p:pic>
-      <p:sp>
-        <p:nvSpPr>
-          <p:cNvPr id="8" name="TextBox 4">
-            <a:extLst>
-              <a:ext uri="{FF2B5EF4-FFF2-40B4-BE49-F238E27FC236}">
-                <a16:creationId xmlns:a16="http://schemas.microsoft.com/office/drawing/2014/main" id="{7B732A7B-E5FC-C187-1B8B-8F966DF966F8}"/>
-              </a:ext>
-            </a:extLst>
-          </p:cNvPr>
-          <p:cNvSpPr txBox="1"/>
-          <p:nvPr/>
-        </p:nvSpPr>
-        <p:spPr>
-          <a:xfrm>
-            <a:off x="758816" y="769940"/>
-            <a:ext cx="11027428" cy="5856475"/>
+            <a:off x="9707134" y="5409213"/>
+            <a:ext cx="2247122" cy="1261535"/>
           </a:xfrm>
           <a:prstGeom prst="rect">
             <a:avLst/>
           </a:prstGeom>
         </p:spPr>
         <p:txBody>
-          <a:bodyPr lIns="33867" tIns="33867" rIns="33867" bIns="33867" rtlCol="0" anchor="ctr"/>
-          <a:lstStyle/>
-          <a:p>
-            <a:pPr marL="0" marR="0" lvl="0" indent="0" algn="ctr" defTabSz="609630" rtl="0" eaLnBrk="1" fontAlgn="auto" latinLnBrk="0" hangingPunct="1">
+          <a:bodyPr vert="horz" lIns="91440" tIns="45720" rIns="91440" bIns="45720" rtlCol="0">
+            <a:noAutofit/>
+          </a:bodyPr>
+          <a:lstStyle>
+            <a:lvl1pPr marL="228600" indent="-228600" algn="l" defTabSz="914400" rtl="0" eaLnBrk="1" latinLnBrk="1" hangingPunct="1">
               <a:lnSpc>
-                <a:spcPts val="1773"/>
+                <a:spcPct val="90000"/>
               </a:lnSpc>
               <a:spcBef>
-                <a:spcPct val="0"/>
+                <a:spcPts val="1000"/>
               </a:spcBef>
-              <a:spcAft>
-                <a:spcPts val="0"/>
-              </a:spcAft>
-              <a:buClrTx/>
-              <a:buSzTx/>
-              <a:buFontTx/>
-              <a:buNone/>
-              <a:tabLst/>
-              <a:defRPr/>
-            </a:pPr>
-            <a:endParaRPr kumimoji="0" sz="1200" b="0" i="0" u="none" strike="noStrike" kern="1200" cap="none" spc="0" normalizeH="0" baseline="0" noProof="0" dirty="0">
-              <a:ln>
-                <a:noFill/>
-              </a:ln>
-              <a:solidFill>
-                <a:prstClr val="black"/>
-              </a:solidFill>
-              <a:effectLst/>
-              <a:uLnTx/>
-              <a:uFillTx/>
-              <a:latin typeface="Calibri"/>
-              <a:ea typeface="+mn-ea"/>
-              <a:cs typeface="+mn-cs"/>
-            </a:endParaRPr>
-          </a:p>
-        </p:txBody>
-      </p:sp>
-      <p:sp>
-        <p:nvSpPr>
-          <p:cNvPr id="42" name="TextBox 41">
-            <a:extLst>
-              <a:ext uri="{FF2B5EF4-FFF2-40B4-BE49-F238E27FC236}">
-                <a16:creationId xmlns:a16="http://schemas.microsoft.com/office/drawing/2014/main" id="{E081CC60-FAA6-4FCF-900D-7F243F1B55D5}"/>
-              </a:ext>
-            </a:extLst>
-          </p:cNvPr>
-          <p:cNvSpPr txBox="1"/>
-          <p:nvPr/>
-        </p:nvSpPr>
-        <p:spPr>
-          <a:xfrm>
-            <a:off x="11513819" y="6389609"/>
-            <a:ext cx="678180" cy="369332"/>
-          </a:xfrm>
-          <a:prstGeom prst="rect">
-            <a:avLst/>
-          </a:prstGeom>
-          <a:noFill/>
-        </p:spPr>
-        <p:txBody>
-          <a:bodyPr wrap="square" rtlCol="0">
-            <a:spAutoFit/>
-          </a:bodyPr>
-          <a:lstStyle/>
-          <a:p>
-            <a:pPr marL="0" marR="0" lvl="0" indent="0" algn="ctr" defTabSz="914400" rtl="0" eaLnBrk="1" fontAlgn="auto" latinLnBrk="1" hangingPunct="1">
+              <a:buFont typeface="Arial" panose="020B0604020202020204" pitchFamily="34" charset="0"/>
+              <a:buChar char="•"/>
+              <a:defRPr sz="2800" kern="1200">
+                <a:solidFill>
+                  <a:schemeClr val="tx1"/>
+                </a:solidFill>
+                <a:latin typeface="+mn-lt"/>
+                <a:ea typeface="+mn-ea"/>
+                <a:cs typeface="+mn-cs"/>
+              </a:defRPr>
+            </a:lvl1pPr>
+            <a:lvl2pPr marL="685800" indent="-228600" algn="l" defTabSz="914400" rtl="0" eaLnBrk="1" latinLnBrk="1" hangingPunct="1">
               <a:lnSpc>
-                <a:spcPct val="100000"/>
+                <a:spcPct val="90000"/>
               </a:lnSpc>
               <a:spcBef>
-                <a:spcPts val="0"/>
+                <a:spcPts val="500"/>
               </a:spcBef>
-              <a:spcAft>
-                <a:spcPts val="0"/>
-              </a:spcAft>
-              <a:buClrTx/>
-              <a:buSzTx/>
-              <a:buFontTx/>
+              <a:buFont typeface="Arial" panose="020B0604020202020204" pitchFamily="34" charset="0"/>
+              <a:buChar char="•"/>
+              <a:defRPr sz="2400" kern="1200">
+                <a:solidFill>
+                  <a:schemeClr val="tx1"/>
+                </a:solidFill>
+                <a:latin typeface="+mn-lt"/>
+                <a:ea typeface="+mn-ea"/>
+                <a:cs typeface="+mn-cs"/>
+              </a:defRPr>
+            </a:lvl2pPr>
+            <a:lvl3pPr marL="1143000" indent="-228600" algn="l" defTabSz="914400" rtl="0" eaLnBrk="1" latinLnBrk="1" hangingPunct="1">
+              <a:lnSpc>
+                <a:spcPct val="90000"/>
+              </a:lnSpc>
+              <a:spcBef>
+                <a:spcPts val="500"/>
+              </a:spcBef>
+              <a:buFont typeface="Arial" panose="020B0604020202020204" pitchFamily="34" charset="0"/>
+              <a:buChar char="•"/>
+              <a:defRPr sz="2000" kern="1200">
+                <a:solidFill>
+                  <a:schemeClr val="tx1"/>
+                </a:solidFill>
+                <a:latin typeface="+mn-lt"/>
+                <a:ea typeface="+mn-ea"/>
+                <a:cs typeface="+mn-cs"/>
+              </a:defRPr>
+            </a:lvl3pPr>
+            <a:lvl4pPr marL="1600200" indent="-228600" algn="l" defTabSz="914400" rtl="0" eaLnBrk="1" latinLnBrk="1" hangingPunct="1">
+              <a:lnSpc>
+                <a:spcPct val="90000"/>
+              </a:lnSpc>
+              <a:spcBef>
+                <a:spcPts val="500"/>
+              </a:spcBef>
+              <a:buFont typeface="Arial" panose="020B0604020202020204" pitchFamily="34" charset="0"/>
+              <a:buChar char="•"/>
+              <a:defRPr sz="1800" kern="1200">
+                <a:solidFill>
+                  <a:schemeClr val="tx1"/>
+                </a:solidFill>
+                <a:latin typeface="+mn-lt"/>
+                <a:ea typeface="+mn-ea"/>
+                <a:cs typeface="+mn-cs"/>
+              </a:defRPr>
+            </a:lvl4pPr>
+            <a:lvl5pPr marL="2057400" indent="-228600" algn="l" defTabSz="914400" rtl="0" eaLnBrk="1" latinLnBrk="1" hangingPunct="1">
+              <a:lnSpc>
+                <a:spcPct val="90000"/>
+              </a:lnSpc>
+              <a:spcBef>
+                <a:spcPts val="500"/>
+              </a:spcBef>
+              <a:buFont typeface="Arial" panose="020B0604020202020204" pitchFamily="34" charset="0"/>
+              <a:buChar char="•"/>
+              <a:defRPr sz="1800" kern="1200">
+                <a:solidFill>
+                  <a:schemeClr val="tx1"/>
+                </a:solidFill>
+                <a:latin typeface="+mn-lt"/>
+                <a:ea typeface="+mn-ea"/>
+                <a:cs typeface="+mn-cs"/>
+              </a:defRPr>
+            </a:lvl5pPr>
+            <a:lvl6pPr marL="2514600" indent="-228600" algn="l" defTabSz="914400" rtl="0" eaLnBrk="1" latinLnBrk="1" hangingPunct="1">
+              <a:lnSpc>
+                <a:spcPct val="90000"/>
+              </a:lnSpc>
+              <a:spcBef>
+                <a:spcPts val="500"/>
+              </a:spcBef>
+              <a:buFont typeface="Arial" panose="020B0604020202020204" pitchFamily="34" charset="0"/>
+              <a:buChar char="•"/>
+              <a:defRPr sz="1800" kern="1200">
+                <a:solidFill>
+                  <a:schemeClr val="tx1"/>
+                </a:solidFill>
+                <a:latin typeface="+mn-lt"/>
+                <a:ea typeface="+mn-ea"/>
+                <a:cs typeface="+mn-cs"/>
+              </a:defRPr>
+            </a:lvl6pPr>
+            <a:lvl7pPr marL="2971800" indent="-228600" algn="l" defTabSz="914400" rtl="0" eaLnBrk="1" latinLnBrk="1" hangingPunct="1">
+              <a:lnSpc>
+                <a:spcPct val="90000"/>
+              </a:lnSpc>
+              <a:spcBef>
+                <a:spcPts val="500"/>
+              </a:spcBef>
+              <a:buFont typeface="Arial" panose="020B0604020202020204" pitchFamily="34" charset="0"/>
+              <a:buChar char="•"/>
+              <a:defRPr sz="1800" kern="1200">
+                <a:solidFill>
+                  <a:schemeClr val="tx1"/>
+                </a:solidFill>
+                <a:latin typeface="+mn-lt"/>
+                <a:ea typeface="+mn-ea"/>
+                <a:cs typeface="+mn-cs"/>
+              </a:defRPr>
+            </a:lvl7pPr>
+            <a:lvl8pPr marL="3429000" indent="-228600" algn="l" defTabSz="914400" rtl="0" eaLnBrk="1" latinLnBrk="1" hangingPunct="1">
+              <a:lnSpc>
+                <a:spcPct val="90000"/>
+              </a:lnSpc>
+              <a:spcBef>
+                <a:spcPts val="500"/>
+              </a:spcBef>
+              <a:buFont typeface="Arial" panose="020B0604020202020204" pitchFamily="34" charset="0"/>
+              <a:buChar char="•"/>
+              <a:defRPr sz="1800" kern="1200">
+                <a:solidFill>
+                  <a:schemeClr val="tx1"/>
+                </a:solidFill>
+                <a:latin typeface="+mn-lt"/>
+                <a:ea typeface="+mn-ea"/>
+                <a:cs typeface="+mn-cs"/>
+              </a:defRPr>
+            </a:lvl8pPr>
+            <a:lvl9pPr marL="3886200" indent="-228600" algn="l" defTabSz="914400" rtl="0" eaLnBrk="1" latinLnBrk="1" hangingPunct="1">
+              <a:lnSpc>
+                <a:spcPct val="90000"/>
+              </a:lnSpc>
+              <a:spcBef>
+                <a:spcPts val="500"/>
+              </a:spcBef>
+              <a:buFont typeface="Arial" panose="020B0604020202020204" pitchFamily="34" charset="0"/>
+              <a:buChar char="•"/>
+              <a:defRPr sz="1800" kern="1200">
+                <a:solidFill>
+                  <a:schemeClr val="tx1"/>
+                </a:solidFill>
+                <a:latin typeface="+mn-lt"/>
+                <a:ea typeface="+mn-ea"/>
+                <a:cs typeface="+mn-cs"/>
+              </a:defRPr>
+            </a:lvl9pPr>
+          </a:lstStyle>
+          <a:p>
+            <a:pPr marL="0" indent="0" algn="r">
+              <a:buFont typeface="Arial" panose="020B0604020202020204" pitchFamily="34" charset="0"/>
               <a:buNone/>
-              <a:tabLst/>
-              <a:defRPr/>
             </a:pPr>
             <a:r>
-              <a:rPr kumimoji="0" lang="en-US" altLang="ko-KR" sz="1800" b="0" i="0" u="none" strike="noStrike" kern="1200" cap="none" spc="0" normalizeH="0" baseline="0" noProof="0" dirty="0">
-                <a:ln>
-                  <a:noFill/>
-                </a:ln>
-                <a:solidFill>
-                  <a:prstClr val="white"/>
-                </a:solidFill>
-                <a:effectLst/>
-                <a:uLnTx/>
-                <a:uFillTx/>
-                <a:latin typeface="맑은 고딕" panose="020F0502020204030204"/>
-                <a:ea typeface="맑은 고딕" panose="020B0503020000020004" pitchFamily="50" charset="-127"/>
-                <a:cs typeface="+mn-cs"/>
-              </a:rPr>
-              <a:t>2</a:t>
-            </a:r>
-            <a:endParaRPr kumimoji="0" lang="ko-KR" altLang="en-US" sz="1800" b="0" i="0" u="none" strike="noStrike" kern="1200" cap="none" spc="0" normalizeH="0" baseline="0" noProof="0" dirty="0">
-              <a:ln>
-                <a:noFill/>
-              </a:ln>
+              <a:rPr lang="ko-KR" altLang="en-US" sz="1400" b="1">
+                <a:solidFill>
+                  <a:schemeClr val="bg1"/>
+                </a:solidFill>
+                <a:latin typeface="+mn-ea"/>
+              </a:rPr>
+              <a:t>빅데이터</a:t>
+            </a:r>
+            <a:r>
+              <a:rPr lang="en-US" altLang="ko-KR" sz="1400" b="1">
+                <a:solidFill>
+                  <a:schemeClr val="bg1"/>
+                </a:solidFill>
+                <a:latin typeface="+mn-ea"/>
+              </a:rPr>
+              <a:t>UI</a:t>
+            </a:r>
+            <a:r>
+              <a:rPr lang="ko-KR" altLang="en-US" sz="1400" b="1">
+                <a:solidFill>
+                  <a:schemeClr val="bg1"/>
+                </a:solidFill>
+                <a:latin typeface="+mn-ea"/>
+              </a:rPr>
+              <a:t>양성과정</a:t>
+            </a:r>
+            <a:endParaRPr lang="en-US" altLang="ko-KR" sz="1400" b="1">
               <a:solidFill>
-                <a:prstClr val="white"/>
+                <a:schemeClr val="bg1"/>
               </a:solidFill>
-              <a:effectLst/>
-              <a:uLnTx/>
-              <a:uFillTx/>
-              <a:latin typeface="맑은 고딕" panose="020F0502020204030204"/>
-              <a:ea typeface="맑은 고딕" panose="020B0503020000020004" pitchFamily="50" charset="-127"/>
-              <a:cs typeface="+mn-cs"/>
+              <a:latin typeface="+mn-ea"/>
+            </a:endParaRPr>
+          </a:p>
+          <a:p>
+            <a:pPr marL="0" indent="0" algn="r">
+              <a:buFont typeface="Arial" panose="020B0604020202020204" pitchFamily="34" charset="0"/>
+              <a:buNone/>
+            </a:pPr>
+            <a:r>
+              <a:rPr lang="ko-KR" altLang="en-US" sz="1400" b="1">
+                <a:solidFill>
+                  <a:schemeClr val="bg1"/>
+                </a:solidFill>
+                <a:latin typeface="+mn-ea"/>
+              </a:rPr>
+              <a:t>손보금</a:t>
+            </a:r>
+            <a:endParaRPr lang="en-US" altLang="ko-KR" sz="1400" b="1">
+              <a:solidFill>
+                <a:schemeClr val="bg1"/>
+              </a:solidFill>
+              <a:latin typeface="+mn-ea"/>
+            </a:endParaRPr>
+          </a:p>
+          <a:p>
+            <a:pPr marL="0" indent="0" algn="r">
+              <a:buFont typeface="Arial" panose="020B0604020202020204" pitchFamily="34" charset="0"/>
+              <a:buNone/>
+            </a:pPr>
+            <a:r>
+              <a:rPr lang="ko-KR" altLang="en-US" sz="1400" b="1">
+                <a:solidFill>
+                  <a:schemeClr val="bg1"/>
+                </a:solidFill>
+                <a:latin typeface="+mn-ea"/>
+              </a:rPr>
+              <a:t>박준형</a:t>
+            </a:r>
+            <a:endParaRPr lang="en-US" altLang="ko-KR" sz="1400" b="1">
+              <a:solidFill>
+                <a:schemeClr val="bg1"/>
+              </a:solidFill>
+              <a:latin typeface="+mn-ea"/>
+            </a:endParaRPr>
+          </a:p>
+          <a:p>
+            <a:pPr marL="0" indent="0" algn="r">
+              <a:buFont typeface="Arial" panose="020B0604020202020204" pitchFamily="34" charset="0"/>
+              <a:buNone/>
+            </a:pPr>
+            <a:r>
+              <a:rPr lang="ko-KR" altLang="en-US" sz="1400" b="1">
+                <a:solidFill>
+                  <a:schemeClr val="bg1"/>
+                </a:solidFill>
+                <a:latin typeface="+mn-ea"/>
+              </a:rPr>
+              <a:t>심예진</a:t>
+            </a:r>
+            <a:endParaRPr lang="ko-KR" altLang="en-US" sz="1400" b="1" dirty="0">
+              <a:solidFill>
+                <a:schemeClr val="bg1"/>
+              </a:solidFill>
+              <a:latin typeface="+mn-ea"/>
             </a:endParaRPr>
           </a:p>
         </p:txBody>
@@ -9154,326 +10564,7 @@
     </p:spTree>
     <p:extLst>
       <p:ext uri="{BB962C8B-B14F-4D97-AF65-F5344CB8AC3E}">
-        <p14:creationId xmlns:p14="http://schemas.microsoft.com/office/powerpoint/2010/main" val="2192357458"/>
-      </p:ext>
-    </p:extLst>
-  </p:cSld>
-  <p:clrMapOvr>
-    <a:masterClrMapping/>
-  </p:clrMapOvr>
-</p:sld>
-</file>
-
-<file path=ppt/slides/slide9.xml><?xml version="1.0" encoding="utf-8"?>
-<p:sld xmlns:a="http://schemas.openxmlformats.org/drawingml/2006/main" xmlns:r="http://schemas.openxmlformats.org/officeDocument/2006/relationships" xmlns:p="http://schemas.openxmlformats.org/presentationml/2006/main">
-  <p:cSld>
-    <p:bg>
-      <p:bgPr>
-        <a:solidFill>
-          <a:srgbClr val="2C3930"/>
-        </a:solidFill>
-        <a:effectLst/>
-      </p:bgPr>
-    </p:bg>
-    <p:spTree>
-      <p:nvGrpSpPr>
-        <p:cNvPr id="1" name="">
-          <a:extLst>
-            <a:ext uri="{FF2B5EF4-FFF2-40B4-BE49-F238E27FC236}">
-              <a16:creationId xmlns:a16="http://schemas.microsoft.com/office/drawing/2014/main" id="{5847136B-A6BB-1D81-FAFA-C79B68861646}"/>
-            </a:ext>
-          </a:extLst>
-        </p:cNvPr>
-        <p:cNvGrpSpPr/>
-        <p:nvPr/>
-      </p:nvGrpSpPr>
-      <p:grpSpPr>
-        <a:xfrm>
-          <a:off x="0" y="0"/>
-          <a:ext cx="0" cy="0"/>
-          <a:chOff x="0" y="0"/>
-          <a:chExt cx="0" cy="0"/>
-        </a:xfrm>
-      </p:grpSpPr>
-      <p:sp>
-        <p:nvSpPr>
-          <p:cNvPr id="16" name="제목 1">
-            <a:extLst>
-              <a:ext uri="{FF2B5EF4-FFF2-40B4-BE49-F238E27FC236}">
-                <a16:creationId xmlns:a16="http://schemas.microsoft.com/office/drawing/2014/main" id="{65E78ADC-476A-9454-1FF3-4C2A7C014EC9}"/>
-              </a:ext>
-            </a:extLst>
-          </p:cNvPr>
-          <p:cNvSpPr txBox="1">
-            <a:spLocks/>
-          </p:cNvSpPr>
-          <p:nvPr/>
-        </p:nvSpPr>
-        <p:spPr>
-          <a:xfrm>
-            <a:off x="0" y="1"/>
-            <a:ext cx="12191999" cy="1453881"/>
-          </a:xfrm>
-          <a:prstGeom prst="rect">
-            <a:avLst/>
-          </a:prstGeom>
-          <a:solidFill>
-            <a:schemeClr val="bg1"/>
-          </a:solidFill>
-        </p:spPr>
-        <p:txBody>
-          <a:bodyPr vert="horz" lIns="91440" tIns="45720" rIns="91440" bIns="45720" rtlCol="0" anchor="ctr">
-            <a:normAutofit/>
-          </a:bodyPr>
-          <a:lstStyle>
-            <a:lvl1pPr algn="l" defTabSz="914400" rtl="0" eaLnBrk="1" latinLnBrk="1" hangingPunct="1">
-              <a:lnSpc>
-                <a:spcPct val="90000"/>
-              </a:lnSpc>
-              <a:spcBef>
-                <a:spcPct val="0"/>
-              </a:spcBef>
-              <a:buNone/>
-              <a:defRPr sz="4400" kern="1200">
-                <a:solidFill>
-                  <a:schemeClr val="tx1"/>
-                </a:solidFill>
-                <a:latin typeface="+mj-lt"/>
-                <a:ea typeface="+mj-ea"/>
-                <a:cs typeface="+mj-cs"/>
-              </a:defRPr>
-            </a:lvl1pPr>
-          </a:lstStyle>
-          <a:p>
-            <a:pPr marL="0" marR="0" lvl="0" indent="0" algn="ctr" defTabSz="914400" rtl="0" eaLnBrk="1" fontAlgn="auto" latinLnBrk="1" hangingPunct="1">
-              <a:lnSpc>
-                <a:spcPct val="90000"/>
-              </a:lnSpc>
-              <a:spcBef>
-                <a:spcPct val="0"/>
-              </a:spcBef>
-              <a:spcAft>
-                <a:spcPts val="0"/>
-              </a:spcAft>
-              <a:buClrTx/>
-              <a:buSzTx/>
-              <a:buFontTx/>
-              <a:buNone/>
-              <a:tabLst/>
-              <a:defRPr/>
-            </a:pPr>
-            <a:r>
-              <a:rPr kumimoji="0" lang="en-US" altLang="ko-KR" sz="2800" b="0" i="0" u="none" strike="noStrike" kern="1200" cap="none" spc="0" normalizeH="0" baseline="0" noProof="0" dirty="0">
-                <a:ln>
-                  <a:noFill/>
-                </a:ln>
-                <a:solidFill>
-                  <a:prstClr val="black"/>
-                </a:solidFill>
-                <a:effectLst/>
-                <a:uLnTx/>
-                <a:uFillTx/>
-                <a:latin typeface="맑은 고딕" panose="020B0503020000020004" pitchFamily="50" charset="-127"/>
-                <a:ea typeface="맑은 고딕" panose="020B0503020000020004" pitchFamily="50" charset="-127"/>
-                <a:cs typeface="+mj-cs"/>
-              </a:rPr>
-              <a:t>1. </a:t>
-            </a:r>
-            <a:endParaRPr kumimoji="0" lang="ko-KR" altLang="en-US" sz="2800" b="0" i="0" u="none" strike="noStrike" kern="1200" cap="none" spc="0" normalizeH="0" baseline="0" noProof="0" dirty="0">
-              <a:ln>
-                <a:noFill/>
-              </a:ln>
-              <a:solidFill>
-                <a:prstClr val="black"/>
-              </a:solidFill>
-              <a:effectLst/>
-              <a:uLnTx/>
-              <a:uFillTx/>
-              <a:latin typeface="맑은 고딕" panose="020B0503020000020004" pitchFamily="50" charset="-127"/>
-              <a:ea typeface="맑은 고딕" panose="020B0503020000020004" pitchFamily="50" charset="-127"/>
-              <a:cs typeface="+mj-cs"/>
-            </a:endParaRPr>
-          </a:p>
-        </p:txBody>
-      </p:sp>
-      <p:pic>
-        <p:nvPicPr>
-          <p:cNvPr id="3" name="그림 2" descr="일러스트레이션, 선그림, 디자인이(가) 표시된 사진&#10;&#10;AI 생성 콘텐츠는 정확하지 않을 수 있습니다.">
-            <a:extLst>
-              <a:ext uri="{FF2B5EF4-FFF2-40B4-BE49-F238E27FC236}">
-                <a16:creationId xmlns:a16="http://schemas.microsoft.com/office/drawing/2014/main" id="{EDF55BD1-195D-E2CC-A2C8-8DB3D9357D84}"/>
-              </a:ext>
-            </a:extLst>
-          </p:cNvPr>
-          <p:cNvPicPr>
-            <a:picLocks noChangeAspect="1"/>
-          </p:cNvPicPr>
-          <p:nvPr/>
-        </p:nvPicPr>
-        <p:blipFill>
-          <a:blip r:embed="rId2">
-            <a:extLst>
-              <a:ext uri="{28A0092B-C50C-407E-A947-70E740481C1C}">
-                <a14:useLocalDpi xmlns:a14="http://schemas.microsoft.com/office/drawing/2010/main" val="0"/>
-              </a:ext>
-            </a:extLst>
-          </a:blip>
-          <a:stretch>
-            <a:fillRect/>
-          </a:stretch>
-        </p:blipFill>
-        <p:spPr>
-          <a:xfrm>
-            <a:off x="312511" y="319316"/>
-            <a:ext cx="815249" cy="815249"/>
-          </a:xfrm>
-          <a:prstGeom prst="rect">
-            <a:avLst/>
-          </a:prstGeom>
-        </p:spPr>
-      </p:pic>
-      <p:sp>
-        <p:nvSpPr>
-          <p:cNvPr id="8" name="TextBox 4">
-            <a:extLst>
-              <a:ext uri="{FF2B5EF4-FFF2-40B4-BE49-F238E27FC236}">
-                <a16:creationId xmlns:a16="http://schemas.microsoft.com/office/drawing/2014/main" id="{7B732A7B-E5FC-C187-1B8B-8F966DF966F8}"/>
-              </a:ext>
-            </a:extLst>
-          </p:cNvPr>
-          <p:cNvSpPr txBox="1"/>
-          <p:nvPr/>
-        </p:nvSpPr>
-        <p:spPr>
-          <a:xfrm>
-            <a:off x="758816" y="769940"/>
-            <a:ext cx="11027428" cy="5856475"/>
-          </a:xfrm>
-          <a:prstGeom prst="rect">
-            <a:avLst/>
-          </a:prstGeom>
-        </p:spPr>
-        <p:txBody>
-          <a:bodyPr lIns="33867" tIns="33867" rIns="33867" bIns="33867" rtlCol="0" anchor="ctr"/>
-          <a:lstStyle/>
-          <a:p>
-            <a:pPr marL="0" marR="0" lvl="0" indent="0" algn="ctr" defTabSz="609630" rtl="0" eaLnBrk="1" fontAlgn="auto" latinLnBrk="0" hangingPunct="1">
-              <a:lnSpc>
-                <a:spcPts val="1773"/>
-              </a:lnSpc>
-              <a:spcBef>
-                <a:spcPct val="0"/>
-              </a:spcBef>
-              <a:spcAft>
-                <a:spcPts val="0"/>
-              </a:spcAft>
-              <a:buClrTx/>
-              <a:buSzTx/>
-              <a:buFontTx/>
-              <a:buNone/>
-              <a:tabLst/>
-              <a:defRPr/>
-            </a:pPr>
-            <a:endParaRPr kumimoji="0" sz="1200" b="0" i="0" u="none" strike="noStrike" kern="1200" cap="none" spc="0" normalizeH="0" baseline="0" noProof="0" dirty="0">
-              <a:ln>
-                <a:noFill/>
-              </a:ln>
-              <a:solidFill>
-                <a:prstClr val="black"/>
-              </a:solidFill>
-              <a:effectLst/>
-              <a:uLnTx/>
-              <a:uFillTx/>
-              <a:latin typeface="Calibri"/>
-              <a:ea typeface="+mn-ea"/>
-              <a:cs typeface="+mn-cs"/>
-            </a:endParaRPr>
-          </a:p>
-        </p:txBody>
-      </p:sp>
-      <p:sp>
-        <p:nvSpPr>
-          <p:cNvPr id="42" name="TextBox 41">
-            <a:extLst>
-              <a:ext uri="{FF2B5EF4-FFF2-40B4-BE49-F238E27FC236}">
-                <a16:creationId xmlns:a16="http://schemas.microsoft.com/office/drawing/2014/main" id="{E081CC60-FAA6-4FCF-900D-7F243F1B55D5}"/>
-              </a:ext>
-            </a:extLst>
-          </p:cNvPr>
-          <p:cNvSpPr txBox="1"/>
-          <p:nvPr/>
-        </p:nvSpPr>
-        <p:spPr>
-          <a:xfrm>
-            <a:off x="11513819" y="6389609"/>
-            <a:ext cx="678180" cy="369332"/>
-          </a:xfrm>
-          <a:prstGeom prst="rect">
-            <a:avLst/>
-          </a:prstGeom>
-          <a:noFill/>
-        </p:spPr>
-        <p:txBody>
-          <a:bodyPr wrap="square" rtlCol="0">
-            <a:spAutoFit/>
-          </a:bodyPr>
-          <a:lstStyle/>
-          <a:p>
-            <a:pPr marL="0" marR="0" lvl="0" indent="0" algn="ctr" defTabSz="914400" rtl="0" eaLnBrk="1" fontAlgn="auto" latinLnBrk="1" hangingPunct="1">
-              <a:lnSpc>
-                <a:spcPct val="100000"/>
-              </a:lnSpc>
-              <a:spcBef>
-                <a:spcPts val="0"/>
-              </a:spcBef>
-              <a:spcAft>
-                <a:spcPts val="0"/>
-              </a:spcAft>
-              <a:buClrTx/>
-              <a:buSzTx/>
-              <a:buFontTx/>
-              <a:buNone/>
-              <a:tabLst/>
-              <a:defRPr/>
-            </a:pPr>
-            <a:r>
-              <a:rPr kumimoji="0" lang="en-US" altLang="ko-KR" sz="1800" b="0" i="0" u="none" strike="noStrike" kern="1200" cap="none" spc="0" normalizeH="0" baseline="0" noProof="0" dirty="0">
-                <a:ln>
-                  <a:noFill/>
-                </a:ln>
-                <a:solidFill>
-                  <a:prstClr val="white"/>
-                </a:solidFill>
-                <a:effectLst/>
-                <a:uLnTx/>
-                <a:uFillTx/>
-                <a:latin typeface="맑은 고딕" panose="020F0502020204030204"/>
-                <a:ea typeface="맑은 고딕" panose="020B0503020000020004" pitchFamily="50" charset="-127"/>
-                <a:cs typeface="+mn-cs"/>
-              </a:rPr>
-              <a:t>2</a:t>
-            </a:r>
-            <a:endParaRPr kumimoji="0" lang="ko-KR" altLang="en-US" sz="1800" b="0" i="0" u="none" strike="noStrike" kern="1200" cap="none" spc="0" normalizeH="0" baseline="0" noProof="0" dirty="0">
-              <a:ln>
-                <a:noFill/>
-              </a:ln>
-              <a:solidFill>
-                <a:prstClr val="white"/>
-              </a:solidFill>
-              <a:effectLst/>
-              <a:uLnTx/>
-              <a:uFillTx/>
-              <a:latin typeface="맑은 고딕" panose="020F0502020204030204"/>
-              <a:ea typeface="맑은 고딕" panose="020B0503020000020004" pitchFamily="50" charset="-127"/>
-              <a:cs typeface="+mn-cs"/>
-            </a:endParaRPr>
-          </a:p>
-        </p:txBody>
-      </p:sp>
-    </p:spTree>
-    <p:extLst>
-      <p:ext uri="{BB962C8B-B14F-4D97-AF65-F5344CB8AC3E}">
-        <p14:creationId xmlns:p14="http://schemas.microsoft.com/office/powerpoint/2010/main" val="2226657440"/>
+        <p14:creationId xmlns:p14="http://schemas.microsoft.com/office/powerpoint/2010/main" val="165548591"/>
       </p:ext>
     </p:extLst>
   </p:cSld>
